--- a/QCM/QCM.pptx
+++ b/QCM/QCM.pptx
@@ -11824,8 +11824,8 @@
           </a:p>
         </p:txBody>
       </p:sp>
-      <mc:AlternateContent xmlns:mc="http://schemas.openxmlformats.org/markup-compatibility/2006">
-        <mc:Choice xmlns:a14="http://schemas.microsoft.com/office/drawing/2010/main" Requires="a14">
+      <mc:AlternateContent xmlns:mc="http://schemas.openxmlformats.org/markup-compatibility/2006" xmlns:a14="http://schemas.microsoft.com/office/drawing/2010/main">
+        <mc:Choice Requires="a14">
           <p:sp>
             <p:nvSpPr>
               <p:cNvPr id="5" name="ZoneTexte 4"/>
@@ -12453,7 +12453,7 @@
             </p:txBody>
           </p:sp>
         </mc:Choice>
-        <mc:Fallback>
+        <mc:Fallback xmlns="">
           <p:sp>
             <p:nvSpPr>
               <p:cNvPr id="5" name="ZoneTexte 4"/>
@@ -36497,7 +36497,59 @@
           <a:p>
             <a:r>
               <a:rPr lang="fr-FR" dirty="0" smtClean="0"/>
-              <a:t>Livre Pat</a:t>
+              <a:t>Livre </a:t>
+            </a:r>
+            <a:r>
+              <a:rPr lang="fr-FR" dirty="0" smtClean="0"/>
+              <a:t>Pat	V </a:t>
+            </a:r>
+            <a:r>
+              <a:rPr lang="fr-FR" dirty="0" err="1" smtClean="0"/>
+              <a:t>V</a:t>
+            </a:r>
+            <a:r>
+              <a:rPr lang="fr-FR" dirty="0" smtClean="0"/>
+              <a:t> </a:t>
+            </a:r>
+            <a:r>
+              <a:rPr lang="fr-FR" dirty="0" err="1" smtClean="0"/>
+              <a:t>V</a:t>
+            </a:r>
+            <a:r>
+              <a:rPr lang="fr-FR" dirty="0" smtClean="0"/>
+              <a:t> F </a:t>
+            </a:r>
+            <a:r>
+              <a:rPr lang="fr-FR" dirty="0" err="1" smtClean="0"/>
+              <a:t>F</a:t>
+            </a:r>
+            <a:r>
+              <a:rPr lang="fr-FR" dirty="0" smtClean="0"/>
+              <a:t> </a:t>
+            </a:r>
+            <a:r>
+              <a:rPr lang="fr-FR" dirty="0" err="1" smtClean="0"/>
+              <a:t>F</a:t>
+            </a:r>
+            <a:r>
+              <a:rPr lang="fr-FR" dirty="0" smtClean="0"/>
+              <a:t> </a:t>
+            </a:r>
+            <a:r>
+              <a:rPr lang="fr-FR" dirty="0" err="1" smtClean="0"/>
+              <a:t>F</a:t>
+            </a:r>
+            <a:r>
+              <a:rPr lang="fr-FR" dirty="0" smtClean="0"/>
+              <a:t> V </a:t>
+            </a:r>
+            <a:r>
+              <a:rPr lang="fr-FR" dirty="0" err="1" smtClean="0"/>
+              <a:t>V</a:t>
+            </a:r>
+            <a:r>
+              <a:rPr lang="fr-FR" dirty="0" smtClean="0"/>
+              <a:t> F</a:t>
             </a:r>
             <a:endParaRPr lang="fr-FR" dirty="0"/>
           </a:p>
@@ -36514,7 +36566,7 @@
             <p:spPr>
               <a:xfrm>
                 <a:off x="235080" y="1260629"/>
-                <a:ext cx="7721296" cy="5355312"/>
+                <a:ext cx="7721296" cy="5107488"/>
               </a:xfrm>
               <a:prstGeom prst="rect">
                 <a:avLst/>
@@ -36532,7 +36584,7 @@
                 </a:pPr>
                 <a:r>
                   <a:rPr lang="fr-FR" dirty="0" smtClean="0"/>
-                  <a:t>La consigne de vitesse pour un système « régulateur de vitesse » d’une automobile est la seule grandeur d’entrée. </a:t>
+                  <a:t>Dans les équations régissant le fonctionnement d’un SLCI il ne peut y avoir de produits de fonctions.</a:t>
                 </a:r>
               </a:p>
               <a:p>
@@ -36541,43 +36593,7 @@
                 </a:pPr>
                 <a:r>
                   <a:rPr lang="fr-FR" dirty="0" smtClean="0"/>
-                  <a:t>Pour la régulation de la température d’un four, la température extérieure à l’enceinte est une entrée. </a:t>
-                </a:r>
-              </a:p>
-              <a:p>
-                <a:pPr marL="342900" indent="-342900">
-                  <a:buAutoNum type="arabicPeriod"/>
-                </a:pPr>
-                <a:r>
-                  <a:rPr lang="fr-FR" dirty="0" smtClean="0"/>
-                  <a:t>Le débit volumique d’une pompe est une grandeur numérique. </a:t>
-                </a:r>
-              </a:p>
-              <a:p>
-                <a:pPr marL="342900" indent="-342900">
-                  <a:buAutoNum type="arabicPeriod"/>
-                </a:pPr>
-                <a:r>
-                  <a:rPr lang="fr-FR" dirty="0" smtClean="0"/>
-                  <a:t>Un détecteur de position (ou de présence) délivre une information analogique. </a:t>
-                </a:r>
-              </a:p>
-              <a:p>
-                <a:pPr marL="342900" indent="-342900">
-                  <a:buAutoNum type="arabicPeriod"/>
-                </a:pPr>
-                <a:r>
-                  <a:rPr lang="fr-FR" dirty="0" smtClean="0"/>
-                  <a:t>Le système dont la structure est la suivante est un système asservi. </a:t>
-                </a:r>
-              </a:p>
-              <a:p>
-                <a:pPr marL="342900" indent="-342900">
-                  <a:buAutoNum type="arabicPeriod"/>
-                </a:pPr>
-                <a:r>
-                  <a:rPr lang="fr-FR" dirty="0" smtClean="0"/>
-                  <a:t>La fonction définie par </a:t>
+                  <a:t>Le système dérivateur donnant l’équation différentielle suivante ne peut pas être réel : </a:t>
                 </a:r>
                 <a14:m>
                   <m:oMath xmlns:m="http://schemas.openxmlformats.org/officeDocument/2006/math">
@@ -36585,7 +36601,7 @@
                       <a:rPr lang="fr-FR" b="0" i="1" smtClean="0">
                         <a:latin typeface="Cambria Math"/>
                       </a:rPr>
-                      <m:t>𝑒</m:t>
+                      <m:t>𝑠</m:t>
                     </m:r>
                     <m:d>
                       <m:dPr>
@@ -36610,327 +36626,29 @@
                       </a:rPr>
                       <m:t>=</m:t>
                     </m:r>
-                    <m:sSub>
-                      <m:sSubPr>
+                    <m:f>
+                      <m:fPr>
                         <m:ctrlPr>
                           <a:rPr lang="fr-FR" b="0" i="1" smtClean="0">
                             <a:latin typeface="Cambria Math"/>
                           </a:rPr>
                         </m:ctrlPr>
-                      </m:sSubPr>
-                      <m:e>
+                      </m:fPr>
+                      <m:num>
                         <m:r>
                           <a:rPr lang="fr-FR" b="0" i="1" smtClean="0">
                             <a:latin typeface="Cambria Math"/>
                           </a:rPr>
-                          <m:t>𝐸</m:t>
+                          <m:t>𝑑𝑒</m:t>
                         </m:r>
-                      </m:e>
-                      <m:sub>
-                        <m:r>
-                          <a:rPr lang="fr-FR" b="0" i="1" smtClean="0">
-                            <a:latin typeface="Cambria Math"/>
-                          </a:rPr>
-                          <m:t>0</m:t>
-                        </m:r>
-                      </m:sub>
-                    </m:sSub>
-                    <m:r>
-                      <a:rPr lang="fr-FR" b="0" i="1" smtClean="0">
-                        <a:latin typeface="Cambria Math"/>
-                      </a:rPr>
-                      <m:t>𝑌</m:t>
-                    </m:r>
-                    <m:r>
-                      <a:rPr lang="fr-FR" b="0" i="1" smtClean="0">
-                        <a:latin typeface="Cambria Math"/>
-                      </a:rPr>
-                      <m:t>(</m:t>
-                    </m:r>
-                    <m:r>
-                      <a:rPr lang="fr-FR" b="0" i="1" smtClean="0">
-                        <a:latin typeface="Cambria Math"/>
-                      </a:rPr>
-                      <m:t>𝑡</m:t>
-                    </m:r>
-                    <m:r>
-                      <a:rPr lang="fr-FR" b="0" i="1" smtClean="0">
-                        <a:latin typeface="Cambria Math"/>
-                      </a:rPr>
-                      <m:t>−2)</m:t>
-                    </m:r>
-                  </m:oMath>
-                </a14:m>
-                <a:r>
-                  <a:rPr lang="fr-FR" dirty="0" smtClean="0"/>
-                  <a:t> est  un échelon d’amplitude </a:t>
-                </a:r>
-                <a14:m>
-                  <m:oMath xmlns:m="http://schemas.openxmlformats.org/officeDocument/2006/math">
-                    <m:sSub>
-                      <m:sSubPr>
-                        <m:ctrlPr>
-                          <a:rPr lang="fr-FR" b="0" i="1" smtClean="0">
-                            <a:latin typeface="Cambria Math"/>
-                          </a:rPr>
-                        </m:ctrlPr>
-                      </m:sSubPr>
-                      <m:e>
-                        <m:r>
-                          <a:rPr lang="fr-FR" b="0" i="1" smtClean="0">
-                            <a:latin typeface="Cambria Math"/>
-                          </a:rPr>
-                          <m:t>𝐸</m:t>
-                        </m:r>
-                      </m:e>
-                      <m:sub>
-                        <m:r>
-                          <a:rPr lang="fr-FR" b="0" i="1" smtClean="0">
-                            <a:latin typeface="Cambria Math"/>
-                          </a:rPr>
-                          <m:t>0</m:t>
-                        </m:r>
-                      </m:sub>
-                    </m:sSub>
-                  </m:oMath>
-                </a14:m>
-                <a:r>
-                  <a:rPr lang="fr-FR" dirty="0" smtClean="0"/>
-                  <a:t>, retardé de 2s. </a:t>
-                </a:r>
-              </a:p>
-              <a:p>
-                <a:pPr marL="342900" indent="-342900">
-                  <a:buFontTx/>
-                  <a:buAutoNum type="arabicPeriod"/>
-                </a:pPr>
-                <a:r>
-                  <a:rPr lang="fr-FR" dirty="0"/>
-                  <a:t>La fonction définie par </a:t>
-                </a:r>
-                <a14:m>
-                  <m:oMath xmlns:m="http://schemas.openxmlformats.org/officeDocument/2006/math">
-                    <m:r>
-                      <a:rPr lang="fr-FR" i="1">
-                        <a:latin typeface="Cambria Math"/>
-                      </a:rPr>
-                      <m:t>𝑒</m:t>
-                    </m:r>
-                    <m:d>
-                      <m:dPr>
-                        <m:ctrlPr>
-                          <a:rPr lang="fr-FR" i="1">
-                            <a:latin typeface="Cambria Math"/>
-                          </a:rPr>
-                        </m:ctrlPr>
-                      </m:dPr>
-                      <m:e>
-                        <m:r>
-                          <a:rPr lang="fr-FR" i="1">
-                            <a:latin typeface="Cambria Math"/>
-                          </a:rPr>
-                          <m:t>𝑡</m:t>
-                        </m:r>
-                      </m:e>
-                    </m:d>
-                    <m:r>
-                      <a:rPr lang="fr-FR" i="1">
-                        <a:latin typeface="Cambria Math"/>
-                      </a:rPr>
-                      <m:t>=</m:t>
-                    </m:r>
-                    <m:r>
-                      <a:rPr lang="fr-FR" i="1" smtClean="0">
-                        <a:latin typeface="Cambria Math"/>
-                      </a:rPr>
-                      <m:t>𝑎</m:t>
-                    </m:r>
-                    <m:r>
-                      <a:rPr lang="fr-FR" b="0" i="1" smtClean="0">
-                        <a:latin typeface="Cambria Math"/>
-                      </a:rPr>
-                      <m:t>×</m:t>
-                    </m:r>
-                    <m:r>
-                      <a:rPr lang="fr-FR" b="0" i="1" smtClean="0">
-                        <a:latin typeface="Cambria Math"/>
-                      </a:rPr>
-                      <m:t>𝑡</m:t>
-                    </m:r>
-                    <m:r>
-                      <a:rPr lang="fr-FR" b="0" i="1" smtClean="0">
-                        <a:latin typeface="Cambria Math"/>
-                      </a:rPr>
-                      <m:t>×</m:t>
-                    </m:r>
-                    <m:r>
-                      <a:rPr lang="fr-FR" i="1">
-                        <a:latin typeface="Cambria Math"/>
-                      </a:rPr>
-                      <m:t>𝑌</m:t>
-                    </m:r>
-                    <m:r>
-                      <a:rPr lang="fr-FR" i="1">
-                        <a:latin typeface="Cambria Math"/>
-                      </a:rPr>
-                      <m:t>(</m:t>
-                    </m:r>
-                    <m:r>
-                      <a:rPr lang="fr-FR" i="1">
-                        <a:latin typeface="Cambria Math"/>
-                      </a:rPr>
-                      <m:t>𝑡</m:t>
-                    </m:r>
-                    <m:r>
-                      <a:rPr lang="fr-FR" i="1">
-                        <a:latin typeface="Cambria Math"/>
-                      </a:rPr>
-                      <m:t>−2)</m:t>
-                    </m:r>
-                  </m:oMath>
-                </a14:m>
-                <a:r>
-                  <a:rPr lang="fr-FR" dirty="0"/>
-                  <a:t> est  </a:t>
-                </a:r>
-                <a:r>
-                  <a:rPr lang="fr-FR" dirty="0" smtClean="0"/>
-                  <a:t>une rampe de pente </a:t>
-                </a:r>
-                <a14:m>
-                  <m:oMath xmlns:m="http://schemas.openxmlformats.org/officeDocument/2006/math">
-                    <m:r>
-                      <a:rPr lang="fr-FR" b="0" i="1" smtClean="0">
-                        <a:latin typeface="Cambria Math"/>
-                      </a:rPr>
-                      <m:t>𝑎</m:t>
-                    </m:r>
-                  </m:oMath>
-                </a14:m>
-                <a:r>
-                  <a:rPr lang="fr-FR" dirty="0"/>
-                  <a:t>, </a:t>
-                </a:r>
-                <a:r>
-                  <a:rPr lang="fr-FR" dirty="0" smtClean="0"/>
-                  <a:t>retardée de </a:t>
-                </a:r>
-                <a:r>
-                  <a:rPr lang="fr-FR" dirty="0"/>
-                  <a:t>2s. </a:t>
-                </a:r>
-                <a:endParaRPr lang="fr-FR" dirty="0" smtClean="0"/>
-              </a:p>
-              <a:p>
-                <a:pPr marL="342900" indent="-342900">
-                  <a:buAutoNum type="arabicPeriod"/>
-                </a:pPr>
-                <a:r>
-                  <a:rPr lang="fr-FR" dirty="0" smtClean="0"/>
-                  <a:t>L’erreur statique est en fonction du temps.</a:t>
-                </a:r>
-              </a:p>
-              <a:p>
-                <a:pPr marL="342900" indent="-342900">
-                  <a:buAutoNum type="arabicPeriod"/>
-                </a:pPr>
-                <a:r>
-                  <a:rPr lang="fr-FR" dirty="0" smtClean="0"/>
-                  <a:t>La détermination du temps de réponse </a:t>
-                </a:r>
-                <a14:m>
-                  <m:oMath xmlns:m="http://schemas.openxmlformats.org/officeDocument/2006/math">
-                    <m:sSub>
-                      <m:sSubPr>
-                        <m:ctrlPr>
-                          <a:rPr lang="fr-FR" b="0" i="1" smtClean="0">
-                            <a:latin typeface="Cambria Math"/>
-                          </a:rPr>
-                        </m:ctrlPr>
-                      </m:sSubPr>
-                      <m:e>
-                        <m:r>
-                          <a:rPr lang="fr-FR" b="0" i="1" smtClean="0">
-                            <a:latin typeface="Cambria Math"/>
-                          </a:rPr>
-                          <m:t>𝑡</m:t>
-                        </m:r>
-                      </m:e>
-                      <m:sub>
-                        <m:r>
-                          <a:rPr lang="fr-FR" b="0" i="1" smtClean="0">
-                            <a:latin typeface="Cambria Math"/>
-                          </a:rPr>
-                          <m:t>5%</m:t>
-                        </m:r>
-                      </m:sub>
-                    </m:sSub>
-                  </m:oMath>
-                </a14:m>
-                <a:r>
-                  <a:rPr lang="fr-FR" dirty="0" smtClean="0"/>
-                  <a:t> se fait toujours par la résolution de l’équation </a:t>
-                </a:r>
-                <a14:m>
-                  <m:oMath xmlns:m="http://schemas.openxmlformats.org/officeDocument/2006/math">
-                    <m:r>
-                      <a:rPr lang="fr-FR" b="0" i="1" smtClean="0">
-                        <a:latin typeface="Cambria Math"/>
-                      </a:rPr>
-                      <m:t>0,95×</m:t>
-                    </m:r>
-                    <m:r>
-                      <a:rPr lang="fr-FR" b="0" i="1" smtClean="0">
-                        <a:latin typeface="Cambria Math"/>
-                      </a:rPr>
-                      <m:t>𝑠</m:t>
-                    </m:r>
-                    <m:d>
-                      <m:dPr>
-                        <m:ctrlPr>
-                          <a:rPr lang="fr-FR" b="0" i="1" smtClean="0">
-                            <a:latin typeface="Cambria Math"/>
-                          </a:rPr>
-                        </m:ctrlPr>
-                      </m:dPr>
-                      <m:e>
-                        <m:r>
-                          <a:rPr lang="fr-FR" b="0" i="1" smtClean="0">
-                            <a:latin typeface="Cambria Math"/>
-                          </a:rPr>
-                          <m:t>∞</m:t>
-                        </m:r>
-                      </m:e>
-                    </m:d>
-                    <m:r>
-                      <a:rPr lang="fr-FR" b="0" i="1" smtClean="0">
-                        <a:latin typeface="Cambria Math"/>
-                      </a:rPr>
-                      <m:t>=</m:t>
-                    </m:r>
-                    <m:r>
-                      <a:rPr lang="fr-FR" b="0" i="1" smtClean="0">
-                        <a:latin typeface="Cambria Math"/>
-                      </a:rPr>
-                      <m:t>𝑠</m:t>
-                    </m:r>
-                    <m:d>
-                      <m:dPr>
-                        <m:ctrlPr>
-                          <a:rPr lang="fr-FR" b="0" i="1" smtClean="0">
-                            <a:latin typeface="Cambria Math"/>
-                          </a:rPr>
-                        </m:ctrlPr>
-                      </m:dPr>
-                      <m:e>
-                        <m:sSub>
-                          <m:sSubPr>
+                        <m:d>
+                          <m:dPr>
                             <m:ctrlPr>
                               <a:rPr lang="fr-FR" b="0" i="1" smtClean="0">
                                 <a:latin typeface="Cambria Math"/>
                               </a:rPr>
                             </m:ctrlPr>
-                          </m:sSubPr>
+                          </m:dPr>
                           <m:e>
                             <m:r>
                               <a:rPr lang="fr-FR" b="0" i="1" smtClean="0">
@@ -36939,17 +36657,17 @@
                               <m:t>𝑡</m:t>
                             </m:r>
                           </m:e>
-                          <m:sub>
-                            <m:r>
-                              <a:rPr lang="fr-FR" b="0" i="1" smtClean="0">
-                                <a:latin typeface="Cambria Math"/>
-                              </a:rPr>
-                              <m:t>5%</m:t>
-                            </m:r>
-                          </m:sub>
-                        </m:sSub>
-                      </m:e>
-                    </m:d>
+                        </m:d>
+                      </m:num>
+                      <m:den>
+                        <m:r>
+                          <a:rPr lang="fr-FR" b="0" i="1" smtClean="0">
+                            <a:latin typeface="Cambria Math"/>
+                          </a:rPr>
+                          <m:t>𝑑𝑡</m:t>
+                        </m:r>
+                      </m:den>
+                    </m:f>
                   </m:oMath>
                 </a14:m>
                 <a:r>
@@ -36961,15 +36679,861 @@
                 <a:pPr marL="342900" indent="-342900">
                   <a:buAutoNum type="arabicPeriod"/>
                 </a:pPr>
+                <a14:m>
+                  <m:oMath xmlns:m="http://schemas.openxmlformats.org/officeDocument/2006/math">
+                    <m:r>
+                      <a:rPr lang="fr-FR" i="1" smtClean="0">
+                        <a:latin typeface="Cambria Math"/>
+                        <a:ea typeface="Cambria Math"/>
+                      </a:rPr>
+                      <m:t>ℒ</m:t>
+                    </m:r>
+                    <m:d>
+                      <m:dPr>
+                        <m:begChr m:val="["/>
+                        <m:endChr m:val="]"/>
+                        <m:ctrlPr>
+                          <a:rPr lang="fr-FR" i="1" smtClean="0">
+                            <a:latin typeface="Cambria Math"/>
+                            <a:ea typeface="Cambria Math"/>
+                          </a:rPr>
+                        </m:ctrlPr>
+                      </m:dPr>
+                      <m:e>
+                        <m:r>
+                          <a:rPr lang="fr-FR" b="0" i="1" smtClean="0">
+                            <a:latin typeface="Cambria Math"/>
+                            <a:ea typeface="Cambria Math"/>
+                          </a:rPr>
+                          <m:t>3×</m:t>
+                        </m:r>
+                        <m:r>
+                          <a:rPr lang="fr-FR" b="0" i="1" smtClean="0">
+                            <a:latin typeface="Cambria Math"/>
+                            <a:ea typeface="Cambria Math"/>
+                          </a:rPr>
+                          <m:t>𝑌</m:t>
+                        </m:r>
+                        <m:r>
+                          <a:rPr lang="fr-FR" b="0" i="1" smtClean="0">
+                            <a:latin typeface="Cambria Math"/>
+                            <a:ea typeface="Cambria Math"/>
+                          </a:rPr>
+                          <m:t>(</m:t>
+                        </m:r>
+                        <m:r>
+                          <a:rPr lang="fr-FR" b="0" i="1" smtClean="0">
+                            <a:latin typeface="Cambria Math"/>
+                            <a:ea typeface="Cambria Math"/>
+                          </a:rPr>
+                          <m:t>𝑡</m:t>
+                        </m:r>
+                        <m:r>
+                          <a:rPr lang="fr-FR" b="0" i="1" smtClean="0">
+                            <a:latin typeface="Cambria Math"/>
+                            <a:ea typeface="Cambria Math"/>
+                          </a:rPr>
+                          <m:t>)</m:t>
+                        </m:r>
+                      </m:e>
+                    </m:d>
+                    <m:r>
+                      <a:rPr lang="fr-FR" b="0" i="1" smtClean="0">
+                        <a:latin typeface="Cambria Math"/>
+                        <a:ea typeface="Cambria Math"/>
+                      </a:rPr>
+                      <m:t>=</m:t>
+                    </m:r>
+                    <m:r>
+                      <a:rPr lang="fr-FR" i="1">
+                        <a:latin typeface="Cambria Math"/>
+                        <a:ea typeface="Cambria Math"/>
+                      </a:rPr>
+                      <m:t>ℒ</m:t>
+                    </m:r>
+                    <m:d>
+                      <m:dPr>
+                        <m:begChr m:val="["/>
+                        <m:endChr m:val="]"/>
+                        <m:ctrlPr>
+                          <a:rPr lang="fr-FR" i="1">
+                            <a:latin typeface="Cambria Math"/>
+                            <a:ea typeface="Cambria Math"/>
+                          </a:rPr>
+                        </m:ctrlPr>
+                      </m:dPr>
+                      <m:e>
+                        <m:r>
+                          <a:rPr lang="fr-FR" i="1">
+                            <a:latin typeface="Cambria Math"/>
+                            <a:ea typeface="Cambria Math"/>
+                          </a:rPr>
+                          <m:t>3</m:t>
+                        </m:r>
+                      </m:e>
+                    </m:d>
+                    <m:r>
+                      <a:rPr lang="fr-FR" b="0" i="1" smtClean="0">
+                        <a:latin typeface="Cambria Math"/>
+                        <a:ea typeface="Cambria Math"/>
+                      </a:rPr>
+                      <m:t>.</m:t>
+                    </m:r>
+                  </m:oMath>
+                </a14:m>
+                <a:endParaRPr lang="fr-FR" b="0" dirty="0" smtClean="0">
+                  <a:ea typeface="Cambria Math"/>
+                </a:endParaRPr>
+              </a:p>
+              <a:p>
+                <a:pPr marL="342900" indent="-342900">
+                  <a:buFontTx/>
+                  <a:buAutoNum type="arabicPeriod"/>
+                </a:pPr>
+                <a14:m>
+                  <m:oMath xmlns:m="http://schemas.openxmlformats.org/officeDocument/2006/math">
+                    <m:r>
+                      <a:rPr lang="fr-FR" i="1">
+                        <a:latin typeface="Cambria Math"/>
+                        <a:ea typeface="Cambria Math"/>
+                      </a:rPr>
+                      <m:t>ℒ</m:t>
+                    </m:r>
+                    <m:d>
+                      <m:dPr>
+                        <m:begChr m:val="["/>
+                        <m:endChr m:val="]"/>
+                        <m:ctrlPr>
+                          <a:rPr lang="fr-FR" i="1">
+                            <a:latin typeface="Cambria Math"/>
+                            <a:ea typeface="Cambria Math"/>
+                          </a:rPr>
+                        </m:ctrlPr>
+                      </m:dPr>
+                      <m:e>
+                        <m:r>
+                          <a:rPr lang="fr-FR" b="0" i="1" smtClean="0">
+                            <a:latin typeface="Cambria Math"/>
+                            <a:ea typeface="Cambria Math"/>
+                          </a:rPr>
+                          <m:t>𝑡</m:t>
+                        </m:r>
+                        <m:sSup>
+                          <m:sSupPr>
+                            <m:ctrlPr>
+                              <a:rPr lang="fr-FR" b="0" i="1" smtClean="0">
+                                <a:latin typeface="Cambria Math"/>
+                                <a:ea typeface="Cambria Math"/>
+                              </a:rPr>
+                            </m:ctrlPr>
+                          </m:sSupPr>
+                          <m:e>
+                            <m:r>
+                              <a:rPr lang="fr-FR" b="0" i="1" smtClean="0">
+                                <a:latin typeface="Cambria Math"/>
+                                <a:ea typeface="Cambria Math"/>
+                              </a:rPr>
+                              <m:t>𝑒</m:t>
+                            </m:r>
+                          </m:e>
+                          <m:sup>
+                            <m:r>
+                              <a:rPr lang="fr-FR" b="0" i="1" smtClean="0">
+                                <a:latin typeface="Cambria Math"/>
+                                <a:ea typeface="Cambria Math"/>
+                              </a:rPr>
+                              <m:t>−</m:t>
+                            </m:r>
+                            <m:r>
+                              <a:rPr lang="fr-FR" b="0" i="1" smtClean="0">
+                                <a:latin typeface="Cambria Math"/>
+                                <a:ea typeface="Cambria Math"/>
+                              </a:rPr>
+                              <m:t>𝑡</m:t>
+                            </m:r>
+                          </m:sup>
+                        </m:sSup>
+                        <m:r>
+                          <a:rPr lang="fr-FR" i="1">
+                            <a:latin typeface="Cambria Math"/>
+                            <a:ea typeface="Cambria Math"/>
+                          </a:rPr>
+                          <m:t>𝑌</m:t>
+                        </m:r>
+                        <m:r>
+                          <a:rPr lang="fr-FR" i="1">
+                            <a:latin typeface="Cambria Math"/>
+                            <a:ea typeface="Cambria Math"/>
+                          </a:rPr>
+                          <m:t>(</m:t>
+                        </m:r>
+                        <m:r>
+                          <a:rPr lang="fr-FR" i="1">
+                            <a:latin typeface="Cambria Math"/>
+                            <a:ea typeface="Cambria Math"/>
+                          </a:rPr>
+                          <m:t>𝑡</m:t>
+                        </m:r>
+                        <m:r>
+                          <a:rPr lang="fr-FR" i="1">
+                            <a:latin typeface="Cambria Math"/>
+                            <a:ea typeface="Cambria Math"/>
+                          </a:rPr>
+                          <m:t>)</m:t>
+                        </m:r>
+                      </m:e>
+                    </m:d>
+                    <m:r>
+                      <a:rPr lang="fr-FR" i="1">
+                        <a:latin typeface="Cambria Math"/>
+                        <a:ea typeface="Cambria Math"/>
+                      </a:rPr>
+                      <m:t>=</m:t>
+                    </m:r>
+                    <m:f>
+                      <m:fPr>
+                        <m:ctrlPr>
+                          <a:rPr lang="fr-FR" b="0" i="1" smtClean="0">
+                            <a:latin typeface="Cambria Math"/>
+                            <a:ea typeface="Cambria Math"/>
+                          </a:rPr>
+                        </m:ctrlPr>
+                      </m:fPr>
+                      <m:num>
+                        <m:r>
+                          <a:rPr lang="fr-FR" b="0" i="1" smtClean="0">
+                            <a:latin typeface="Cambria Math"/>
+                            <a:ea typeface="Cambria Math"/>
+                          </a:rPr>
+                          <m:t>1</m:t>
+                        </m:r>
+                      </m:num>
+                      <m:den>
+                        <m:r>
+                          <a:rPr lang="fr-FR" b="0" i="1" smtClean="0">
+                            <a:latin typeface="Cambria Math"/>
+                            <a:ea typeface="Cambria Math"/>
+                          </a:rPr>
+                          <m:t>𝑝</m:t>
+                        </m:r>
+                        <m:d>
+                          <m:dPr>
+                            <m:ctrlPr>
+                              <a:rPr lang="fr-FR" b="0" i="1" smtClean="0">
+                                <a:latin typeface="Cambria Math"/>
+                                <a:ea typeface="Cambria Math"/>
+                              </a:rPr>
+                            </m:ctrlPr>
+                          </m:dPr>
+                          <m:e>
+                            <m:r>
+                              <a:rPr lang="fr-FR" b="0" i="1" smtClean="0">
+                                <a:latin typeface="Cambria Math"/>
+                                <a:ea typeface="Cambria Math"/>
+                              </a:rPr>
+                              <m:t>𝑝</m:t>
+                            </m:r>
+                            <m:r>
+                              <a:rPr lang="fr-FR" b="0" i="1" smtClean="0">
+                                <a:latin typeface="Cambria Math"/>
+                                <a:ea typeface="Cambria Math"/>
+                              </a:rPr>
+                              <m:t>+1</m:t>
+                            </m:r>
+                          </m:e>
+                        </m:d>
+                      </m:den>
+                    </m:f>
+                    <m:r>
+                      <a:rPr lang="fr-FR" i="1">
+                        <a:latin typeface="Cambria Math"/>
+                        <a:ea typeface="Cambria Math"/>
+                      </a:rPr>
+                      <m:t>.</m:t>
+                    </m:r>
+                  </m:oMath>
+                </a14:m>
+                <a:endParaRPr lang="fr-FR" dirty="0" smtClean="0">
+                  <a:ea typeface="Cambria Math"/>
+                </a:endParaRPr>
+              </a:p>
+              <a:p>
+                <a:pPr marL="342900" indent="-342900">
+                  <a:buFontTx/>
+                  <a:buAutoNum type="arabicPeriod"/>
+                </a:pPr>
+                <a14:m>
+                  <m:oMath xmlns:m="http://schemas.openxmlformats.org/officeDocument/2006/math">
+                    <m:r>
+                      <a:rPr lang="fr-FR" i="1">
+                        <a:latin typeface="Cambria Math"/>
+                        <a:ea typeface="Cambria Math"/>
+                      </a:rPr>
+                      <m:t>ℒ</m:t>
+                    </m:r>
+                    <m:d>
+                      <m:dPr>
+                        <m:begChr m:val="["/>
+                        <m:endChr m:val="]"/>
+                        <m:ctrlPr>
+                          <a:rPr lang="fr-FR" i="1">
+                            <a:latin typeface="Cambria Math"/>
+                            <a:ea typeface="Cambria Math"/>
+                          </a:rPr>
+                        </m:ctrlPr>
+                      </m:dPr>
+                      <m:e>
+                        <m:r>
+                          <a:rPr lang="fr-FR" b="0" i="1" smtClean="0">
+                            <a:latin typeface="Cambria Math"/>
+                            <a:ea typeface="Cambria Math"/>
+                          </a:rPr>
+                          <m:t>3</m:t>
+                        </m:r>
+                        <m:f>
+                          <m:fPr>
+                            <m:ctrlPr>
+                              <a:rPr lang="fr-FR" i="1">
+                                <a:latin typeface="Cambria Math"/>
+                              </a:rPr>
+                            </m:ctrlPr>
+                          </m:fPr>
+                          <m:num>
+                            <m:sSup>
+                              <m:sSupPr>
+                                <m:ctrlPr>
+                                  <a:rPr lang="fr-FR" b="0" i="1" smtClean="0">
+                                    <a:latin typeface="Cambria Math"/>
+                                  </a:rPr>
+                                </m:ctrlPr>
+                              </m:sSupPr>
+                              <m:e>
+                                <m:r>
+                                  <a:rPr lang="fr-FR" i="1">
+                                    <a:latin typeface="Cambria Math"/>
+                                  </a:rPr>
+                                  <m:t>𝑑</m:t>
+                                </m:r>
+                              </m:e>
+                              <m:sup>
+                                <m:r>
+                                  <a:rPr lang="fr-FR" b="0" i="1" smtClean="0">
+                                    <a:latin typeface="Cambria Math"/>
+                                  </a:rPr>
+                                  <m:t>2</m:t>
+                                </m:r>
+                              </m:sup>
+                            </m:sSup>
+                            <m:r>
+                              <a:rPr lang="fr-FR" i="1">
+                                <a:latin typeface="Cambria Math"/>
+                              </a:rPr>
+                              <m:t>𝑒</m:t>
+                            </m:r>
+                            <m:d>
+                              <m:dPr>
+                                <m:ctrlPr>
+                                  <a:rPr lang="fr-FR" i="1">
+                                    <a:latin typeface="Cambria Math"/>
+                                  </a:rPr>
+                                </m:ctrlPr>
+                              </m:dPr>
+                              <m:e>
+                                <m:r>
+                                  <a:rPr lang="fr-FR" i="1">
+                                    <a:latin typeface="Cambria Math"/>
+                                  </a:rPr>
+                                  <m:t>𝑡</m:t>
+                                </m:r>
+                              </m:e>
+                            </m:d>
+                          </m:num>
+                          <m:den>
+                            <m:r>
+                              <a:rPr lang="fr-FR" i="1">
+                                <a:latin typeface="Cambria Math"/>
+                              </a:rPr>
+                              <m:t>𝑑</m:t>
+                            </m:r>
+                            <m:sSup>
+                              <m:sSupPr>
+                                <m:ctrlPr>
+                                  <a:rPr lang="fr-FR" b="0" i="1" smtClean="0">
+                                    <a:latin typeface="Cambria Math"/>
+                                  </a:rPr>
+                                </m:ctrlPr>
+                              </m:sSupPr>
+                              <m:e>
+                                <m:r>
+                                  <a:rPr lang="fr-FR" i="1">
+                                    <a:latin typeface="Cambria Math"/>
+                                  </a:rPr>
+                                  <m:t>𝑡</m:t>
+                                </m:r>
+                              </m:e>
+                              <m:sup>
+                                <m:r>
+                                  <a:rPr lang="fr-FR" b="0" i="1" smtClean="0">
+                                    <a:latin typeface="Cambria Math"/>
+                                  </a:rPr>
+                                  <m:t>2</m:t>
+                                </m:r>
+                              </m:sup>
+                            </m:sSup>
+                          </m:den>
+                        </m:f>
+                      </m:e>
+                    </m:d>
+                    <m:r>
+                      <a:rPr lang="fr-FR" i="1">
+                        <a:latin typeface="Cambria Math"/>
+                        <a:ea typeface="Cambria Math"/>
+                      </a:rPr>
+                      <m:t>=</m:t>
+                    </m:r>
+                    <m:r>
+                      <a:rPr lang="fr-FR" b="0" i="1" smtClean="0">
+                        <a:latin typeface="Cambria Math"/>
+                        <a:ea typeface="Cambria Math"/>
+                      </a:rPr>
+                      <m:t>3</m:t>
+                    </m:r>
+                    <m:d>
+                      <m:dPr>
+                        <m:begChr m:val="["/>
+                        <m:endChr m:val="]"/>
+                        <m:ctrlPr>
+                          <a:rPr lang="fr-FR" b="0" i="1" smtClean="0">
+                            <a:latin typeface="Cambria Math"/>
+                            <a:ea typeface="Cambria Math"/>
+                          </a:rPr>
+                        </m:ctrlPr>
+                      </m:dPr>
+                      <m:e>
+                        <m:sSup>
+                          <m:sSupPr>
+                            <m:ctrlPr>
+                              <a:rPr lang="fr-FR" b="0" i="1" smtClean="0">
+                                <a:latin typeface="Cambria Math"/>
+                                <a:ea typeface="Cambria Math"/>
+                              </a:rPr>
+                            </m:ctrlPr>
+                          </m:sSupPr>
+                          <m:e>
+                            <m:r>
+                              <a:rPr lang="fr-FR" b="0" i="1" smtClean="0">
+                                <a:latin typeface="Cambria Math"/>
+                                <a:ea typeface="Cambria Math"/>
+                              </a:rPr>
+                              <m:t>𝑝</m:t>
+                            </m:r>
+                          </m:e>
+                          <m:sup>
+                            <m:r>
+                              <a:rPr lang="fr-FR" b="0" i="1" smtClean="0">
+                                <a:latin typeface="Cambria Math"/>
+                                <a:ea typeface="Cambria Math"/>
+                              </a:rPr>
+                              <m:t>2</m:t>
+                            </m:r>
+                          </m:sup>
+                        </m:sSup>
+                        <m:r>
+                          <a:rPr lang="fr-FR" b="0" i="1" smtClean="0">
+                            <a:latin typeface="Cambria Math"/>
+                            <a:ea typeface="Cambria Math"/>
+                          </a:rPr>
+                          <m:t>𝐸</m:t>
+                        </m:r>
+                        <m:d>
+                          <m:dPr>
+                            <m:ctrlPr>
+                              <a:rPr lang="fr-FR" b="0" i="1" smtClean="0">
+                                <a:latin typeface="Cambria Math"/>
+                                <a:ea typeface="Cambria Math"/>
+                              </a:rPr>
+                            </m:ctrlPr>
+                          </m:dPr>
+                          <m:e>
+                            <m:r>
+                              <a:rPr lang="fr-FR" b="0" i="1" smtClean="0">
+                                <a:latin typeface="Cambria Math"/>
+                                <a:ea typeface="Cambria Math"/>
+                              </a:rPr>
+                              <m:t>𝑝</m:t>
+                            </m:r>
+                          </m:e>
+                        </m:d>
+                        <m:r>
+                          <a:rPr lang="fr-FR" b="0" i="1" smtClean="0">
+                            <a:latin typeface="Cambria Math"/>
+                            <a:ea typeface="Cambria Math"/>
+                          </a:rPr>
+                          <m:t>−</m:t>
+                        </m:r>
+                        <m:r>
+                          <a:rPr lang="fr-FR" b="0" i="1" smtClean="0">
+                            <a:latin typeface="Cambria Math"/>
+                            <a:ea typeface="Cambria Math"/>
+                          </a:rPr>
+                          <m:t>𝑒</m:t>
+                        </m:r>
+                        <m:r>
+                          <a:rPr lang="fr-FR" b="0" i="1" smtClean="0">
+                            <a:latin typeface="Cambria Math"/>
+                            <a:ea typeface="Cambria Math"/>
+                          </a:rPr>
+                          <m:t>(</m:t>
+                        </m:r>
+                        <m:sSup>
+                          <m:sSupPr>
+                            <m:ctrlPr>
+                              <a:rPr lang="fr-FR" b="0" i="1" smtClean="0">
+                                <a:latin typeface="Cambria Math"/>
+                                <a:ea typeface="Cambria Math"/>
+                              </a:rPr>
+                            </m:ctrlPr>
+                          </m:sSupPr>
+                          <m:e>
+                            <m:r>
+                              <a:rPr lang="fr-FR" b="0" i="1" smtClean="0">
+                                <a:latin typeface="Cambria Math"/>
+                                <a:ea typeface="Cambria Math"/>
+                              </a:rPr>
+                              <m:t>0</m:t>
+                            </m:r>
+                          </m:e>
+                          <m:sup>
+                            <m:r>
+                              <a:rPr lang="fr-FR" b="0" i="1" smtClean="0">
+                                <a:latin typeface="Cambria Math"/>
+                                <a:ea typeface="Cambria Math"/>
+                              </a:rPr>
+                              <m:t>+</m:t>
+                            </m:r>
+                          </m:sup>
+                        </m:sSup>
+                        <m:r>
+                          <a:rPr lang="fr-FR" b="0" i="1" smtClean="0">
+                            <a:latin typeface="Cambria Math"/>
+                            <a:ea typeface="Cambria Math"/>
+                          </a:rPr>
+                          <m:t>)</m:t>
+                        </m:r>
+                      </m:e>
+                    </m:d>
+                    <m:r>
+                      <a:rPr lang="fr-FR" i="1">
+                        <a:latin typeface="Cambria Math"/>
+                        <a:ea typeface="Cambria Math"/>
+                      </a:rPr>
+                      <m:t>.</m:t>
+                    </m:r>
+                  </m:oMath>
+                </a14:m>
+                <a:endParaRPr lang="fr-FR" dirty="0" smtClean="0">
+                  <a:ea typeface="Cambria Math"/>
+                </a:endParaRPr>
+              </a:p>
+              <a:p>
+                <a:pPr marL="342900" indent="-342900">
+                  <a:buFontTx/>
+                  <a:buAutoNum type="arabicPeriod"/>
+                </a:pPr>
+                <a14:m>
+                  <m:oMath xmlns:m="http://schemas.openxmlformats.org/officeDocument/2006/math">
+                    <m:func>
+                      <m:funcPr>
+                        <m:ctrlPr>
+                          <a:rPr lang="fr-FR" i="1" smtClean="0">
+                            <a:latin typeface="Cambria Math"/>
+                            <a:ea typeface="Cambria Math"/>
+                          </a:rPr>
+                        </m:ctrlPr>
+                      </m:funcPr>
+                      <m:fName>
+                        <m:limLow>
+                          <m:limLowPr>
+                            <m:ctrlPr>
+                              <a:rPr lang="fr-FR" i="1" smtClean="0">
+                                <a:latin typeface="Cambria Math"/>
+                                <a:ea typeface="Cambria Math"/>
+                              </a:rPr>
+                            </m:ctrlPr>
+                          </m:limLowPr>
+                          <m:e>
+                            <m:r>
+                              <m:rPr>
+                                <m:sty m:val="p"/>
+                              </m:rPr>
+                              <a:rPr lang="fr-FR" i="0" smtClean="0">
+                                <a:latin typeface="Cambria Math"/>
+                                <a:ea typeface="Cambria Math"/>
+                              </a:rPr>
+                              <m:t>lim</m:t>
+                            </m:r>
+                          </m:e>
+                          <m:lim>
+                            <m:r>
+                              <a:rPr lang="fr-FR" b="0" i="1" smtClean="0">
+                                <a:latin typeface="Cambria Math"/>
+                                <a:ea typeface="Cambria Math"/>
+                              </a:rPr>
+                              <m:t>𝑡</m:t>
+                            </m:r>
+                            <m:r>
+                              <a:rPr lang="fr-FR" b="0" i="1" smtClean="0">
+                                <a:latin typeface="Cambria Math"/>
+                                <a:ea typeface="Cambria Math"/>
+                              </a:rPr>
+                              <m:t>→+∞</m:t>
+                            </m:r>
+                          </m:lim>
+                        </m:limLow>
+                      </m:fName>
+                      <m:e>
+                        <m:r>
+                          <a:rPr lang="fr-FR" b="0" i="1" smtClean="0">
+                            <a:latin typeface="Cambria Math"/>
+                            <a:ea typeface="Cambria Math"/>
+                          </a:rPr>
+                          <m:t>𝑓</m:t>
+                        </m:r>
+                        <m:r>
+                          <a:rPr lang="fr-FR" b="0" i="1" smtClean="0">
+                            <a:latin typeface="Cambria Math"/>
+                            <a:ea typeface="Cambria Math"/>
+                          </a:rPr>
+                          <m:t>(</m:t>
+                        </m:r>
+                        <m:r>
+                          <a:rPr lang="fr-FR" b="0" i="1" smtClean="0">
+                            <a:latin typeface="Cambria Math"/>
+                            <a:ea typeface="Cambria Math"/>
+                          </a:rPr>
+                          <m:t>𝑡</m:t>
+                        </m:r>
+                        <m:r>
+                          <a:rPr lang="fr-FR" b="0" i="1" smtClean="0">
+                            <a:latin typeface="Cambria Math"/>
+                            <a:ea typeface="Cambria Math"/>
+                          </a:rPr>
+                          <m:t>)</m:t>
+                        </m:r>
+                      </m:e>
+                    </m:func>
+                    <m:r>
+                      <a:rPr lang="fr-FR" b="0" i="1" smtClean="0">
+                        <a:latin typeface="Cambria Math"/>
+                        <a:ea typeface="Cambria Math"/>
+                      </a:rPr>
+                      <m:t>=</m:t>
+                    </m:r>
+                    <m:func>
+                      <m:funcPr>
+                        <m:ctrlPr>
+                          <a:rPr lang="fr-FR" i="1">
+                            <a:latin typeface="Cambria Math"/>
+                            <a:ea typeface="Cambria Math"/>
+                          </a:rPr>
+                        </m:ctrlPr>
+                      </m:funcPr>
+                      <m:fName>
+                        <m:limLow>
+                          <m:limLowPr>
+                            <m:ctrlPr>
+                              <a:rPr lang="fr-FR" i="1">
+                                <a:latin typeface="Cambria Math"/>
+                                <a:ea typeface="Cambria Math"/>
+                              </a:rPr>
+                            </m:ctrlPr>
+                          </m:limLowPr>
+                          <m:e>
+                            <m:r>
+                              <m:rPr>
+                                <m:sty m:val="p"/>
+                              </m:rPr>
+                              <a:rPr lang="fr-FR">
+                                <a:latin typeface="Cambria Math"/>
+                                <a:ea typeface="Cambria Math"/>
+                              </a:rPr>
+                              <m:t>lim</m:t>
+                            </m:r>
+                          </m:e>
+                          <m:lim>
+                            <m:r>
+                              <a:rPr lang="fr-FR" b="0" i="1" smtClean="0">
+                                <a:latin typeface="Cambria Math"/>
+                                <a:ea typeface="Cambria Math"/>
+                              </a:rPr>
+                              <m:t>𝑝</m:t>
+                            </m:r>
+                            <m:r>
+                              <a:rPr lang="fr-FR" b="0" i="1" smtClean="0">
+                                <a:latin typeface="Cambria Math"/>
+                                <a:ea typeface="Cambria Math"/>
+                              </a:rPr>
+                              <m:t>→0</m:t>
+                            </m:r>
+                          </m:lim>
+                        </m:limLow>
+                      </m:fName>
+                      <m:e>
+                        <m:d>
+                          <m:dPr>
+                            <m:begChr m:val="["/>
+                            <m:endChr m:val="]"/>
+                            <m:ctrlPr>
+                              <a:rPr lang="fr-FR" i="1" smtClean="0">
+                                <a:latin typeface="Cambria Math"/>
+                                <a:ea typeface="Cambria Math"/>
+                              </a:rPr>
+                            </m:ctrlPr>
+                          </m:dPr>
+                          <m:e>
+                            <m:r>
+                              <a:rPr lang="fr-FR" b="0" i="1" smtClean="0">
+                                <a:latin typeface="Cambria Math"/>
+                                <a:ea typeface="Cambria Math"/>
+                              </a:rPr>
+                              <m:t>𝑝</m:t>
+                            </m:r>
+                            <m:r>
+                              <a:rPr lang="fr-FR" b="0" i="1" smtClean="0">
+                                <a:latin typeface="Cambria Math"/>
+                                <a:ea typeface="Cambria Math"/>
+                              </a:rPr>
+                              <m:t>𝐹</m:t>
+                            </m:r>
+                            <m:r>
+                              <a:rPr lang="fr-FR" b="0" i="1" smtClean="0">
+                                <a:latin typeface="Cambria Math"/>
+                                <a:ea typeface="Cambria Math"/>
+                              </a:rPr>
+                              <m:t>(</m:t>
+                            </m:r>
+                            <m:r>
+                              <a:rPr lang="fr-FR" b="0" i="1" smtClean="0">
+                                <a:latin typeface="Cambria Math"/>
+                                <a:ea typeface="Cambria Math"/>
+                              </a:rPr>
+                              <m:t>𝑝</m:t>
+                            </m:r>
+                            <m:r>
+                              <a:rPr lang="fr-FR" b="0" i="1" smtClean="0">
+                                <a:latin typeface="Cambria Math"/>
+                                <a:ea typeface="Cambria Math"/>
+                              </a:rPr>
+                              <m:t>)</m:t>
+                            </m:r>
+                          </m:e>
+                        </m:d>
+                      </m:e>
+                    </m:func>
+                  </m:oMath>
+                </a14:m>
                 <a:r>
-                  <a:rPr lang="fr-FR" dirty="0" smtClean="0"/>
-                  <a:t>Pour un système stable, apériodique, ayant pour situation initiale </a:t>
+                  <a:rPr lang="fr-FR" dirty="0" smtClean="0">
+                    <a:ea typeface="Cambria Math"/>
+                  </a:rPr>
+                  <a:t> avec </a:t>
                 </a:r>
                 <a14:m>
                   <m:oMath xmlns:m="http://schemas.openxmlformats.org/officeDocument/2006/math">
                     <m:r>
                       <a:rPr lang="fr-FR" b="0" i="1" smtClean="0">
                         <a:latin typeface="Cambria Math"/>
+                        <a:ea typeface="Cambria Math"/>
+                      </a:rPr>
+                      <m:t>𝑓</m:t>
+                    </m:r>
+                    <m:d>
+                      <m:dPr>
+                        <m:ctrlPr>
+                          <a:rPr lang="fr-FR" b="0" i="1" smtClean="0">
+                            <a:latin typeface="Cambria Math"/>
+                            <a:ea typeface="Cambria Math"/>
+                          </a:rPr>
+                        </m:ctrlPr>
+                      </m:dPr>
+                      <m:e>
+                        <m:r>
+                          <a:rPr lang="fr-FR" b="0" i="1" smtClean="0">
+                            <a:latin typeface="Cambria Math"/>
+                            <a:ea typeface="Cambria Math"/>
+                          </a:rPr>
+                          <m:t>𝑡</m:t>
+                        </m:r>
+                      </m:e>
+                    </m:d>
+                    <m:r>
+                      <a:rPr lang="fr-FR" b="0" i="1" smtClean="0">
+                        <a:latin typeface="Cambria Math"/>
+                        <a:ea typeface="Cambria Math"/>
+                      </a:rPr>
+                      <m:t>=2</m:t>
+                    </m:r>
+                    <m:sSup>
+                      <m:sSupPr>
+                        <m:ctrlPr>
+                          <a:rPr lang="fr-FR" b="0" i="1" smtClean="0">
+                            <a:latin typeface="Cambria Math"/>
+                            <a:ea typeface="Cambria Math"/>
+                          </a:rPr>
+                        </m:ctrlPr>
+                      </m:sSupPr>
+                      <m:e>
+                        <m:r>
+                          <a:rPr lang="fr-FR" b="0" i="1" smtClean="0">
+                            <a:latin typeface="Cambria Math"/>
+                            <a:ea typeface="Cambria Math"/>
+                          </a:rPr>
+                          <m:t>𝑒</m:t>
+                        </m:r>
+                      </m:e>
+                      <m:sup>
+                        <m:r>
+                          <a:rPr lang="fr-FR" b="0" i="1" smtClean="0">
+                            <a:latin typeface="Cambria Math"/>
+                            <a:ea typeface="Cambria Math"/>
+                          </a:rPr>
+                          <m:t>𝑡</m:t>
+                        </m:r>
+                      </m:sup>
+                    </m:sSup>
+                  </m:oMath>
+                </a14:m>
+                <a:r>
+                  <a:rPr lang="fr-FR" dirty="0" smtClean="0">
+                    <a:ea typeface="Cambria Math"/>
+                  </a:rPr>
+                  <a:t>.</a:t>
+                </a:r>
+              </a:p>
+              <a:p>
+                <a:pPr marL="342900" indent="-342900">
+                  <a:buFontTx/>
+                  <a:buAutoNum type="arabicPeriod"/>
+                </a:pPr>
+                <a:r>
+                  <a:rPr lang="fr-FR" dirty="0" smtClean="0">
+                    <a:ea typeface="Cambria Math"/>
+                  </a:rPr>
+                  <a:t>La transformée de l’équation différentielle </a:t>
+                </a:r>
+                <a14:m>
+                  <m:oMath xmlns:m="http://schemas.openxmlformats.org/officeDocument/2006/math">
+                    <m:r>
+                      <a:rPr lang="fr-FR" b="0" i="1" smtClean="0">
+                        <a:latin typeface="Cambria Math"/>
+                        <a:ea typeface="Cambria Math"/>
+                      </a:rPr>
+                      <m:t>3</m:t>
+                    </m:r>
+                    <m:r>
+                      <a:rPr lang="fr-FR" b="0" i="1" smtClean="0">
+                        <a:latin typeface="Cambria Math"/>
+                        <a:ea typeface="Cambria Math"/>
                       </a:rPr>
                       <m:t>𝑠</m:t>
                     </m:r>
@@ -36978,6 +37542,7 @@
                         <m:ctrlPr>
                           <a:rPr lang="fr-FR" b="0" i="1" smtClean="0">
                             <a:latin typeface="Cambria Math"/>
+                            <a:ea typeface="Cambria Math"/>
                           </a:rPr>
                         </m:ctrlPr>
                       </m:dPr>
@@ -36985,6 +37550,104 @@
                         <m:r>
                           <a:rPr lang="fr-FR" b="0" i="1" smtClean="0">
                             <a:latin typeface="Cambria Math"/>
+                            <a:ea typeface="Cambria Math"/>
+                          </a:rPr>
+                          <m:t>𝑡</m:t>
+                        </m:r>
+                      </m:e>
+                    </m:d>
+                    <m:r>
+                      <a:rPr lang="fr-FR" b="0" i="1" smtClean="0">
+                        <a:latin typeface="Cambria Math"/>
+                        <a:ea typeface="Cambria Math"/>
+                      </a:rPr>
+                      <m:t>+2</m:t>
+                    </m:r>
+                    <m:f>
+                      <m:fPr>
+                        <m:ctrlPr>
+                          <a:rPr lang="fr-FR" b="0" i="1" smtClean="0">
+                            <a:latin typeface="Cambria Math"/>
+                            <a:ea typeface="Cambria Math"/>
+                          </a:rPr>
+                        </m:ctrlPr>
+                      </m:fPr>
+                      <m:num>
+                        <m:r>
+                          <a:rPr lang="fr-FR" b="0" i="1" smtClean="0">
+                            <a:latin typeface="Cambria Math"/>
+                            <a:ea typeface="Cambria Math"/>
+                          </a:rPr>
+                          <m:t>𝑑𝑠</m:t>
+                        </m:r>
+                        <m:d>
+                          <m:dPr>
+                            <m:ctrlPr>
+                              <a:rPr lang="fr-FR" b="0" i="1" smtClean="0">
+                                <a:latin typeface="Cambria Math"/>
+                                <a:ea typeface="Cambria Math"/>
+                              </a:rPr>
+                            </m:ctrlPr>
+                          </m:dPr>
+                          <m:e>
+                            <m:r>
+                              <a:rPr lang="fr-FR" b="0" i="1" smtClean="0">
+                                <a:latin typeface="Cambria Math"/>
+                                <a:ea typeface="Cambria Math"/>
+                              </a:rPr>
+                              <m:t>𝑡</m:t>
+                            </m:r>
+                          </m:e>
+                        </m:d>
+                      </m:num>
+                      <m:den>
+                        <m:r>
+                          <a:rPr lang="fr-FR" b="0" i="1" smtClean="0">
+                            <a:latin typeface="Cambria Math"/>
+                            <a:ea typeface="Cambria Math"/>
+                          </a:rPr>
+                          <m:t>𝑑𝑡</m:t>
+                        </m:r>
+                      </m:den>
+                    </m:f>
+                    <m:r>
+                      <a:rPr lang="fr-FR" b="0" i="1" smtClean="0">
+                        <a:latin typeface="Cambria Math"/>
+                        <a:ea typeface="Cambria Math"/>
+                      </a:rPr>
+                      <m:t>=4</m:t>
+                    </m:r>
+                  </m:oMath>
+                </a14:m>
+                <a:r>
+                  <a:rPr lang="fr-FR" dirty="0" smtClean="0">
+                    <a:ea typeface="Cambria Math"/>
+                  </a:rPr>
+                  <a:t> où </a:t>
+                </a:r>
+                <a14:m>
+                  <m:oMath xmlns:m="http://schemas.openxmlformats.org/officeDocument/2006/math">
+                    <m:r>
+                      <a:rPr lang="fr-FR" b="0" i="1" smtClean="0">
+                        <a:latin typeface="Cambria Math"/>
+                        <a:ea typeface="Cambria Math"/>
+                      </a:rPr>
+                      <m:t>𝑠</m:t>
+                    </m:r>
+                    <m:d>
+                      <m:dPr>
+                        <m:ctrlPr>
+                          <a:rPr lang="fr-FR" b="0" i="1" smtClean="0">
+                            <a:latin typeface="Cambria Math"/>
+                            <a:ea typeface="Cambria Math"/>
+                          </a:rPr>
+                        </m:ctrlPr>
+                      </m:dPr>
+                      <m:e>
+                        <m:r>
+                          <a:rPr lang="fr-FR" b="0" i="1" smtClean="0">
+                            <a:latin typeface="Cambria Math"/>
+                            <a:ea typeface="Cambria Math"/>
                           </a:rPr>
                           <m:t>0</m:t>
                         </m:r>
@@ -36993,141 +37656,443 @@
                     <m:r>
                       <a:rPr lang="fr-FR" b="0" i="1" smtClean="0">
                         <a:latin typeface="Cambria Math"/>
+                        <a:ea typeface="Cambria Math"/>
                       </a:rPr>
                       <m:t>=0</m:t>
                     </m:r>
                   </m:oMath>
                 </a14:m>
                 <a:r>
-                  <a:rPr lang="fr-FR" dirty="0" smtClean="0"/>
-                  <a:t>, la détermination du temps de réponse se fait par la résolution de l’équation </a:t>
+                  <a:rPr lang="fr-FR" dirty="0" smtClean="0">
+                    <a:ea typeface="Cambria Math"/>
+                  </a:rPr>
+                  <a:t> est </a:t>
+                </a:r>
+                <a14:m>
+                  <m:oMath xmlns:m="http://schemas.openxmlformats.org/officeDocument/2006/math">
+                    <m:d>
+                      <m:dPr>
+                        <m:ctrlPr>
+                          <a:rPr lang="fr-FR" i="1" smtClean="0">
+                            <a:latin typeface="Cambria Math"/>
+                            <a:ea typeface="Cambria Math"/>
+                          </a:rPr>
+                        </m:ctrlPr>
+                      </m:dPr>
+                      <m:e>
+                        <m:r>
+                          <a:rPr lang="fr-FR" b="0" i="1" smtClean="0">
+                            <a:latin typeface="Cambria Math"/>
+                            <a:ea typeface="Cambria Math"/>
+                          </a:rPr>
+                          <m:t>3+2</m:t>
+                        </m:r>
+                        <m:r>
+                          <a:rPr lang="fr-FR" b="0" i="1" smtClean="0">
+                            <a:latin typeface="Cambria Math"/>
+                            <a:ea typeface="Cambria Math"/>
+                          </a:rPr>
+                          <m:t>𝑝</m:t>
+                        </m:r>
+                      </m:e>
+                    </m:d>
+                    <m:r>
+                      <a:rPr lang="fr-FR" b="0" i="1" smtClean="0">
+                        <a:latin typeface="Cambria Math"/>
+                        <a:ea typeface="Cambria Math"/>
+                      </a:rPr>
+                      <m:t>𝑆</m:t>
+                    </m:r>
+                    <m:d>
+                      <m:dPr>
+                        <m:ctrlPr>
+                          <a:rPr lang="fr-FR" b="0" i="1" smtClean="0">
+                            <a:latin typeface="Cambria Math"/>
+                            <a:ea typeface="Cambria Math"/>
+                          </a:rPr>
+                        </m:ctrlPr>
+                      </m:dPr>
+                      <m:e>
+                        <m:r>
+                          <a:rPr lang="fr-FR" b="0" i="1" smtClean="0">
+                            <a:latin typeface="Cambria Math"/>
+                            <a:ea typeface="Cambria Math"/>
+                          </a:rPr>
+                          <m:t>𝑝</m:t>
+                        </m:r>
+                      </m:e>
+                    </m:d>
+                    <m:r>
+                      <a:rPr lang="fr-FR" b="0" i="1" smtClean="0">
+                        <a:latin typeface="Cambria Math"/>
+                        <a:ea typeface="Cambria Math"/>
+                      </a:rPr>
+                      <m:t>=4</m:t>
+                    </m:r>
+                  </m:oMath>
+                </a14:m>
+                <a:r>
+                  <a:rPr lang="fr-FR" dirty="0" smtClean="0">
+                    <a:ea typeface="Cambria Math"/>
+                  </a:rPr>
+                  <a:t>.</a:t>
+                </a:r>
+              </a:p>
+              <a:p>
+                <a:pPr marL="342900" indent="-342900">
+                  <a:buFontTx/>
+                  <a:buAutoNum type="arabicPeriod"/>
+                </a:pPr>
+                <a:r>
+                  <a:rPr lang="fr-FR" dirty="0" smtClean="0">
+                    <a:ea typeface="Cambria Math"/>
+                  </a:rPr>
+                  <a:t>Le système de fonction de transfert  </a:t>
                 </a:r>
                 <a14:m>
                   <m:oMath xmlns:m="http://schemas.openxmlformats.org/officeDocument/2006/math">
                     <m:r>
                       <a:rPr lang="fr-FR" b="0" i="1" smtClean="0">
                         <a:latin typeface="Cambria Math"/>
+                        <a:ea typeface="Cambria Math"/>
                       </a:rPr>
-                      <m:t>0,95×</m:t>
-                    </m:r>
-                    <m:sSub>
-                      <m:sSubPr>
-                        <m:ctrlPr>
-                          <a:rPr lang="fr-FR" b="0" i="1" smtClean="0">
-                            <a:latin typeface="Cambria Math"/>
-                          </a:rPr>
-                        </m:ctrlPr>
-                      </m:sSubPr>
-                      <m:e>
-                        <m:r>
-                          <a:rPr lang="fr-FR" b="0" i="1" smtClean="0">
-                            <a:latin typeface="Cambria Math"/>
-                          </a:rPr>
-                          <m:t>𝐸</m:t>
-                        </m:r>
-                      </m:e>
-                      <m:sub>
-                        <m:r>
-                          <a:rPr lang="fr-FR" b="0" i="1" smtClean="0">
-                            <a:latin typeface="Cambria Math"/>
-                          </a:rPr>
-                          <m:t>0</m:t>
-                        </m:r>
-                      </m:sub>
-                    </m:sSub>
-                    <m:r>
-                      <a:rPr lang="fr-FR" b="0" i="1" smtClean="0">
-                        <a:latin typeface="Cambria Math"/>
-                      </a:rPr>
-                      <m:t>=</m:t>
-                    </m:r>
-                    <m:r>
-                      <a:rPr lang="fr-FR" b="0" i="1" smtClean="0">
-                        <a:latin typeface="Cambria Math"/>
-                      </a:rPr>
-                      <m:t>𝑠</m:t>
+                      <m:t>𝐻</m:t>
                     </m:r>
                     <m:d>
                       <m:dPr>
                         <m:ctrlPr>
                           <a:rPr lang="fr-FR" b="0" i="1" smtClean="0">
                             <a:latin typeface="Cambria Math"/>
+                            <a:ea typeface="Cambria Math"/>
                           </a:rPr>
                         </m:ctrlPr>
                       </m:dPr>
                       <m:e>
-                        <m:sSub>
-                          <m:sSubPr>
+                        <m:r>
+                          <a:rPr lang="fr-FR" b="0" i="1" smtClean="0">
+                            <a:latin typeface="Cambria Math"/>
+                            <a:ea typeface="Cambria Math"/>
+                          </a:rPr>
+                          <m:t>𝑝</m:t>
+                        </m:r>
+                      </m:e>
+                    </m:d>
+                    <m:r>
+                      <a:rPr lang="fr-FR" b="0" i="1" smtClean="0">
+                        <a:latin typeface="Cambria Math"/>
+                        <a:ea typeface="Cambria Math"/>
+                      </a:rPr>
+                      <m:t>=</m:t>
+                    </m:r>
+                    <m:f>
+                      <m:fPr>
+                        <m:ctrlPr>
+                          <a:rPr lang="fr-FR" b="0" i="1" smtClean="0">
+                            <a:latin typeface="Cambria Math"/>
+                            <a:ea typeface="Cambria Math"/>
+                          </a:rPr>
+                        </m:ctrlPr>
+                      </m:fPr>
+                      <m:num>
+                        <m:r>
+                          <a:rPr lang="fr-FR" i="1">
+                            <a:latin typeface="Cambria Math"/>
+                            <a:ea typeface="Cambria Math"/>
+                          </a:rPr>
+                          <m:t>3+</m:t>
+                        </m:r>
+                        <m:r>
+                          <a:rPr lang="fr-FR" b="0" i="1" smtClean="0">
+                            <a:latin typeface="Cambria Math"/>
+                            <a:ea typeface="Cambria Math"/>
+                          </a:rPr>
+                          <m:t>𝑝</m:t>
+                        </m:r>
+                      </m:num>
+                      <m:den>
+                        <m:r>
+                          <a:rPr lang="fr-FR" b="0" i="1" smtClean="0">
+                            <a:latin typeface="Cambria Math"/>
+                            <a:ea typeface="Cambria Math"/>
+                          </a:rPr>
+                          <m:t>𝑝</m:t>
+                        </m:r>
+                        <m:d>
+                          <m:dPr>
                             <m:ctrlPr>
                               <a:rPr lang="fr-FR" b="0" i="1" smtClean="0">
                                 <a:latin typeface="Cambria Math"/>
+                                <a:ea typeface="Cambria Math"/>
                               </a:rPr>
                             </m:ctrlPr>
-                          </m:sSubPr>
+                          </m:dPr>
                           <m:e>
                             <m:r>
                               <a:rPr lang="fr-FR" b="0" i="1" smtClean="0">
                                 <a:latin typeface="Cambria Math"/>
+                                <a:ea typeface="Cambria Math"/>
                               </a:rPr>
-                              <m:t>𝑡</m:t>
+                              <m:t>1+2</m:t>
                             </m:r>
-                          </m:e>
-                          <m:sub>
                             <m:r>
                               <a:rPr lang="fr-FR" b="0" i="1" smtClean="0">
                                 <a:latin typeface="Cambria Math"/>
+                                <a:ea typeface="Cambria Math"/>
                               </a:rPr>
-                              <m:t>5%</m:t>
+                              <m:t>𝑝</m:t>
                             </m:r>
-                          </m:sub>
-                        </m:sSub>
-                      </m:e>
-                    </m:d>
+                          </m:e>
+                        </m:d>
+                      </m:den>
+                    </m:f>
+                    <m:r>
+                      <a:rPr lang="fr-FR" b="0" i="1" smtClean="0">
+                        <a:latin typeface="Cambria Math"/>
+                        <a:ea typeface="Cambria Math"/>
+                      </a:rPr>
+                      <m:t> </m:t>
+                    </m:r>
                   </m:oMath>
                 </a14:m>
                 <a:r>
-                  <a:rPr lang="fr-FR" dirty="0" smtClean="0"/>
-                  <a:t> où </a:t>
+                  <a:rPr lang="fr-FR" dirty="0" smtClean="0">
+                    <a:ea typeface="Cambria Math"/>
+                  </a:rPr>
+                  <a:t>est du second ordre, de classe 1. </a:t>
+                </a:r>
+              </a:p>
+              <a:p>
+                <a:pPr marL="342900" indent="-342900">
+                  <a:buFontTx/>
+                  <a:buAutoNum type="arabicPeriod"/>
+                </a:pPr>
+                <a:r>
+                  <a:rPr lang="fr-FR" dirty="0" smtClean="0">
+                    <a:ea typeface="Cambria Math"/>
+                  </a:rPr>
+                  <a:t>Le </a:t>
+                </a:r>
+                <a:r>
+                  <a:rPr lang="fr-FR" dirty="0">
+                    <a:ea typeface="Cambria Math"/>
+                  </a:rPr>
+                  <a:t>système de fonction de transfert  </a:t>
                 </a:r>
                 <a14:m>
                   <m:oMath xmlns:m="http://schemas.openxmlformats.org/officeDocument/2006/math">
-                    <m:sSub>
-                      <m:sSubPr>
+                    <m:r>
+                      <a:rPr lang="fr-FR" i="1">
+                        <a:latin typeface="Cambria Math"/>
+                        <a:ea typeface="Cambria Math"/>
+                      </a:rPr>
+                      <m:t>𝐻</m:t>
+                    </m:r>
+                    <m:d>
+                      <m:dPr>
+                        <m:ctrlPr>
+                          <a:rPr lang="fr-FR" i="1">
+                            <a:latin typeface="Cambria Math"/>
+                            <a:ea typeface="Cambria Math"/>
+                          </a:rPr>
+                        </m:ctrlPr>
+                      </m:dPr>
+                      <m:e>
+                        <m:r>
+                          <a:rPr lang="fr-FR" i="1">
+                            <a:latin typeface="Cambria Math"/>
+                            <a:ea typeface="Cambria Math"/>
+                          </a:rPr>
+                          <m:t>𝑝</m:t>
+                        </m:r>
+                      </m:e>
+                    </m:d>
+                    <m:r>
+                      <a:rPr lang="fr-FR" i="1">
+                        <a:latin typeface="Cambria Math"/>
+                        <a:ea typeface="Cambria Math"/>
+                      </a:rPr>
+                      <m:t>=</m:t>
+                    </m:r>
+                    <m:f>
+                      <m:fPr>
+                        <m:ctrlPr>
+                          <a:rPr lang="fr-FR" i="1">
+                            <a:latin typeface="Cambria Math"/>
+                            <a:ea typeface="Cambria Math"/>
+                          </a:rPr>
+                        </m:ctrlPr>
+                      </m:fPr>
+                      <m:num>
+                        <m:r>
+                          <a:rPr lang="fr-FR" b="0" i="1" smtClean="0">
+                            <a:latin typeface="Cambria Math"/>
+                            <a:ea typeface="Cambria Math"/>
+                          </a:rPr>
+                          <m:t>1</m:t>
+                        </m:r>
+                      </m:num>
+                      <m:den>
+                        <m:r>
+                          <a:rPr lang="fr-FR" b="0" i="1" smtClean="0">
+                            <a:latin typeface="Cambria Math"/>
+                            <a:ea typeface="Cambria Math"/>
+                          </a:rPr>
+                          <m:t>1+2</m:t>
+                        </m:r>
+                        <m:r>
+                          <a:rPr lang="fr-FR" b="0" i="1" smtClean="0">
+                            <a:latin typeface="Cambria Math"/>
+                            <a:ea typeface="Cambria Math"/>
+                          </a:rPr>
+                          <m:t>𝑝</m:t>
+                        </m:r>
+                      </m:den>
+                    </m:f>
+                    <m:r>
+                      <a:rPr lang="fr-FR" i="1">
+                        <a:latin typeface="Cambria Math"/>
+                        <a:ea typeface="Cambria Math"/>
+                      </a:rPr>
+                      <m:t> </m:t>
+                    </m:r>
+                  </m:oMath>
+                </a14:m>
+                <a:r>
+                  <a:rPr lang="fr-FR" dirty="0" smtClean="0">
+                    <a:ea typeface="Cambria Math"/>
+                  </a:rPr>
+                  <a:t> a un zéro et un pôle. </a:t>
+                </a:r>
+              </a:p>
+              <a:p>
+                <a:pPr marL="342900" indent="-342900">
+                  <a:buFontTx/>
+                  <a:buAutoNum type="arabicPeriod"/>
+                </a:pPr>
+                <a:r>
+                  <a:rPr lang="fr-FR" dirty="0" smtClean="0">
+                    <a:ea typeface="Cambria Math"/>
+                  </a:rPr>
+                  <a:t>Le système de fonction de transfert </a:t>
+                </a:r>
+                <a14:m>
+                  <m:oMath xmlns:m="http://schemas.openxmlformats.org/officeDocument/2006/math">
+                    <m:r>
+                      <a:rPr lang="fr-FR" b="0" i="1" smtClean="0">
+                        <a:latin typeface="Cambria Math"/>
+                        <a:ea typeface="Cambria Math"/>
+                      </a:rPr>
+                      <m:t>𝐻</m:t>
+                    </m:r>
+                    <m:d>
+                      <m:dPr>
                         <m:ctrlPr>
                           <a:rPr lang="fr-FR" b="0" i="1" smtClean="0">
                             <a:latin typeface="Cambria Math"/>
+                            <a:ea typeface="Cambria Math"/>
                           </a:rPr>
                         </m:ctrlPr>
-                      </m:sSubPr>
+                      </m:dPr>
                       <m:e>
                         <m:r>
                           <a:rPr lang="fr-FR" b="0" i="1" smtClean="0">
                             <a:latin typeface="Cambria Math"/>
+                            <a:ea typeface="Cambria Math"/>
                           </a:rPr>
-                          <m:t>𝐸</m:t>
+                          <m:t>𝑝</m:t>
                         </m:r>
                       </m:e>
-                      <m:sub>
+                    </m:d>
+                    <m:r>
+                      <a:rPr lang="fr-FR" b="0" i="0" smtClean="0">
+                        <a:latin typeface="Cambria Math"/>
+                        <a:ea typeface="Cambria Math"/>
+                      </a:rPr>
+                      <m:t>=</m:t>
+                    </m:r>
+                    <m:f>
+                      <m:fPr>
+                        <m:ctrlPr>
+                          <a:rPr lang="fr-FR" b="0" i="0" smtClean="0">
+                            <a:latin typeface="Cambria Math"/>
+                            <a:ea typeface="Cambria Math"/>
+                          </a:rPr>
+                        </m:ctrlPr>
+                      </m:fPr>
+                      <m:num>
+                        <m:r>
+                          <m:rPr>
+                            <m:sty m:val="p"/>
+                          </m:rPr>
+                          <a:rPr lang="fr-FR" b="0" i="0" smtClean="0">
+                            <a:latin typeface="Cambria Math"/>
+                            <a:ea typeface="Cambria Math"/>
+                          </a:rPr>
+                          <m:t>K</m:t>
+                        </m:r>
+                      </m:num>
+                      <m:den>
                         <m:r>
                           <a:rPr lang="fr-FR" b="0" i="1" smtClean="0">
                             <a:latin typeface="Cambria Math"/>
+                            <a:ea typeface="Cambria Math"/>
                           </a:rPr>
-                          <m:t>0</m:t>
+                          <m:t>𝑝</m:t>
                         </m:r>
-                      </m:sub>
-                    </m:sSub>
+                        <m:d>
+                          <m:dPr>
+                            <m:ctrlPr>
+                              <a:rPr lang="fr-FR" b="0" i="1" smtClean="0">
+                                <a:latin typeface="Cambria Math"/>
+                                <a:ea typeface="Cambria Math"/>
+                              </a:rPr>
+                            </m:ctrlPr>
+                          </m:dPr>
+                          <m:e>
+                            <m:r>
+                              <a:rPr lang="fr-FR" b="0" i="1" smtClean="0">
+                                <a:latin typeface="Cambria Math"/>
+                                <a:ea typeface="Cambria Math"/>
+                              </a:rPr>
+                              <m:t>1+</m:t>
+                            </m:r>
+                            <m:r>
+                              <a:rPr lang="fr-FR" b="0" i="1" smtClean="0">
+                                <a:latin typeface="Cambria Math"/>
+                                <a:ea typeface="Cambria Math"/>
+                              </a:rPr>
+                              <m:t>𝑝</m:t>
+                            </m:r>
+                          </m:e>
+                        </m:d>
+                      </m:den>
+                    </m:f>
                   </m:oMath>
                 </a14:m>
                 <a:r>
-                  <a:rPr lang="fr-FR" dirty="0" smtClean="0"/>
-                  <a:t> est l’amplitude de l’échelon d’entrée. </a:t>
+                  <a:rPr lang="fr-FR" dirty="0" smtClean="0">
+                    <a:ea typeface="Cambria Math"/>
+                  </a:rPr>
+                  <a:t> a pour gain statique </a:t>
                 </a:r>
-              </a:p>
-              <a:p>
-                <a:pPr marL="342900" indent="-342900">
-                  <a:buAutoNum type="arabicPeriod"/>
-                </a:pPr>
-                <a:endParaRPr lang="fr-FR" dirty="0"/>
+                <a14:m>
+                  <m:oMath xmlns:m="http://schemas.openxmlformats.org/officeDocument/2006/math">
+                    <m:r>
+                      <a:rPr lang="fr-FR" b="0" i="1" smtClean="0">
+                        <a:latin typeface="Cambria Math"/>
+                        <a:ea typeface="Cambria Math"/>
+                      </a:rPr>
+                      <m:t>𝐾</m:t>
+                    </m:r>
+                  </m:oMath>
+                </a14:m>
+                <a:r>
+                  <a:rPr lang="fr-FR" dirty="0" smtClean="0">
+                    <a:ea typeface="Cambria Math"/>
+                  </a:rPr>
+                  <a:t>.</a:t>
+                </a:r>
+                <a:endParaRPr lang="fr-FR" dirty="0" smtClean="0"/>
               </a:p>
             </p:txBody>
           </p:sp>
@@ -37144,7 +38109,7 @@
             <p:spPr>
               <a:xfrm>
                 <a:off x="235080" y="1260629"/>
-                <a:ext cx="7721296" cy="5355312"/>
+                <a:ext cx="7721296" cy="5107488"/>
               </a:xfrm>
               <a:prstGeom prst="rect">
                 <a:avLst/>
@@ -37152,7 +38117,7 @@
               <a:blipFill rotWithShape="1">
                 <a:blip r:embed="rId2"/>
                 <a:stretch>
-                  <a:fillRect l="-711" t="-569"/>
+                  <a:fillRect l="-711" t="-597" r="-1106"/>
                 </a:stretch>
               </a:blipFill>
             </p:spPr>
@@ -37171,321 +38136,6 @@
           </p:sp>
         </mc:Fallback>
       </mc:AlternateContent>
-      <p:grpSp>
-        <p:nvGrpSpPr>
-          <p:cNvPr id="21" name="Groupe 20"/>
-          <p:cNvGrpSpPr/>
-          <p:nvPr/>
-        </p:nvGrpSpPr>
-        <p:grpSpPr>
-          <a:xfrm>
-            <a:off x="7651904" y="2872206"/>
-            <a:ext cx="5457995" cy="585485"/>
-            <a:chOff x="3447201" y="399598"/>
-            <a:chExt cx="5457995" cy="585485"/>
-          </a:xfrm>
-        </p:grpSpPr>
-        <p:cxnSp>
-          <p:nvCxnSpPr>
-            <p:cNvPr id="8" name="Connecteur droit avec flèche 7"/>
-            <p:cNvCxnSpPr/>
-            <p:nvPr/>
-          </p:nvCxnSpPr>
-          <p:spPr>
-            <a:xfrm>
-              <a:off x="4499992" y="692696"/>
-              <a:ext cx="288032" cy="0"/>
-            </a:xfrm>
-            <a:prstGeom prst="straightConnector1">
-              <a:avLst/>
-            </a:prstGeom>
-            <a:ln w="28575">
-              <a:solidFill>
-                <a:schemeClr val="accent5">
-                  <a:lumMod val="50000"/>
-                </a:schemeClr>
-              </a:solidFill>
-              <a:tailEnd type="stealth" w="med" len="lg"/>
-            </a:ln>
-          </p:spPr>
-          <p:style>
-            <a:lnRef idx="1">
-              <a:schemeClr val="accent1"/>
-            </a:lnRef>
-            <a:fillRef idx="0">
-              <a:schemeClr val="accent1"/>
-            </a:fillRef>
-            <a:effectRef idx="0">
-              <a:schemeClr val="accent1"/>
-            </a:effectRef>
-            <a:fontRef idx="minor">
-              <a:schemeClr val="tx1"/>
-            </a:fontRef>
-          </p:style>
-        </p:cxnSp>
-        <p:sp>
-          <p:nvSpPr>
-            <p:cNvPr id="9" name="Rectangle 8"/>
-            <p:cNvSpPr/>
-            <p:nvPr/>
-          </p:nvSpPr>
-          <p:spPr>
-            <a:xfrm>
-              <a:off x="4788024" y="400309"/>
-              <a:ext cx="1356490" cy="584774"/>
-            </a:xfrm>
-            <a:prstGeom prst="rect">
-              <a:avLst/>
-            </a:prstGeom>
-            <a:solidFill>
-              <a:schemeClr val="bg1"/>
-            </a:solidFill>
-            <a:ln>
-              <a:solidFill>
-                <a:schemeClr val="accent5">
-                  <a:lumMod val="50000"/>
-                </a:schemeClr>
-              </a:solidFill>
-            </a:ln>
-          </p:spPr>
-          <p:style>
-            <a:lnRef idx="2">
-              <a:schemeClr val="accent1">
-                <a:shade val="50000"/>
-              </a:schemeClr>
-            </a:lnRef>
-            <a:fillRef idx="1">
-              <a:schemeClr val="accent1"/>
-            </a:fillRef>
-            <a:effectRef idx="0">
-              <a:schemeClr val="accent1"/>
-            </a:effectRef>
-            <a:fontRef idx="minor">
-              <a:schemeClr val="lt1"/>
-            </a:fontRef>
-          </p:style>
-          <p:txBody>
-            <a:bodyPr rtlCol="0" anchor="ctr"/>
-            <a:lstStyle/>
-            <a:p>
-              <a:pPr algn="ctr"/>
-              <a:r>
-                <a:rPr lang="fr-FR" sz="1600" dirty="0" smtClean="0">
-                  <a:solidFill>
-                    <a:schemeClr val="tx1"/>
-                  </a:solidFill>
-                </a:rPr>
-                <a:t>Variateur de vitesse</a:t>
-              </a:r>
-              <a:endParaRPr lang="fr-FR" sz="1600" dirty="0">
-                <a:solidFill>
-                  <a:schemeClr val="tx1"/>
-                </a:solidFill>
-              </a:endParaRPr>
-            </a:p>
-          </p:txBody>
-        </p:sp>
-        <p:cxnSp>
-          <p:nvCxnSpPr>
-            <p:cNvPr id="10" name="Connecteur droit avec flèche 9"/>
-            <p:cNvCxnSpPr>
-              <a:stCxn id="9" idx="3"/>
-            </p:cNvCxnSpPr>
-            <p:nvPr/>
-          </p:nvCxnSpPr>
-          <p:spPr>
-            <a:xfrm flipV="1">
-              <a:off x="6144514" y="691988"/>
-              <a:ext cx="333222" cy="708"/>
-            </a:xfrm>
-            <a:prstGeom prst="straightConnector1">
-              <a:avLst/>
-            </a:prstGeom>
-            <a:ln w="28575">
-              <a:solidFill>
-                <a:schemeClr val="accent5">
-                  <a:lumMod val="50000"/>
-                </a:schemeClr>
-              </a:solidFill>
-              <a:tailEnd type="stealth" w="med" len="lg"/>
-            </a:ln>
-          </p:spPr>
-          <p:style>
-            <a:lnRef idx="1">
-              <a:schemeClr val="accent1"/>
-            </a:lnRef>
-            <a:fillRef idx="0">
-              <a:schemeClr val="accent1"/>
-            </a:fillRef>
-            <a:effectRef idx="0">
-              <a:schemeClr val="accent1"/>
-            </a:effectRef>
-            <a:fontRef idx="minor">
-              <a:schemeClr val="tx1"/>
-            </a:fontRef>
-          </p:style>
-        </p:cxnSp>
-        <p:sp>
-          <p:nvSpPr>
-            <p:cNvPr id="11" name="Rectangle 10"/>
-            <p:cNvSpPr/>
-            <p:nvPr/>
-          </p:nvSpPr>
-          <p:spPr>
-            <a:xfrm>
-              <a:off x="6477735" y="496494"/>
-              <a:ext cx="994641" cy="392404"/>
-            </a:xfrm>
-            <a:prstGeom prst="rect">
-              <a:avLst/>
-            </a:prstGeom>
-            <a:solidFill>
-              <a:schemeClr val="bg1"/>
-            </a:solidFill>
-            <a:ln>
-              <a:solidFill>
-                <a:schemeClr val="accent5">
-                  <a:lumMod val="50000"/>
-                </a:schemeClr>
-              </a:solidFill>
-            </a:ln>
-          </p:spPr>
-          <p:style>
-            <a:lnRef idx="2">
-              <a:schemeClr val="accent1">
-                <a:shade val="50000"/>
-              </a:schemeClr>
-            </a:lnRef>
-            <a:fillRef idx="1">
-              <a:schemeClr val="accent1"/>
-            </a:fillRef>
-            <a:effectRef idx="0">
-              <a:schemeClr val="accent1"/>
-            </a:effectRef>
-            <a:fontRef idx="minor">
-              <a:schemeClr val="lt1"/>
-            </a:fontRef>
-          </p:style>
-          <p:txBody>
-            <a:bodyPr rtlCol="0" anchor="ctr"/>
-            <a:lstStyle/>
-            <a:p>
-              <a:pPr algn="ctr"/>
-              <a:r>
-                <a:rPr lang="fr-FR" sz="1600" dirty="0" smtClean="0">
-                  <a:solidFill>
-                    <a:schemeClr val="tx1"/>
-                  </a:solidFill>
-                </a:rPr>
-                <a:t>Moteur</a:t>
-              </a:r>
-              <a:endParaRPr lang="fr-FR" sz="1600" dirty="0">
-                <a:solidFill>
-                  <a:schemeClr val="tx1"/>
-                </a:solidFill>
-              </a:endParaRPr>
-            </a:p>
-          </p:txBody>
-        </p:sp>
-        <p:cxnSp>
-          <p:nvCxnSpPr>
-            <p:cNvPr id="12" name="Connecteur droit avec flèche 11"/>
-            <p:cNvCxnSpPr/>
-            <p:nvPr/>
-          </p:nvCxnSpPr>
-          <p:spPr>
-            <a:xfrm>
-              <a:off x="7467476" y="692696"/>
-              <a:ext cx="368856" cy="0"/>
-            </a:xfrm>
-            <a:prstGeom prst="straightConnector1">
-              <a:avLst/>
-            </a:prstGeom>
-            <a:ln w="28575">
-              <a:solidFill>
-                <a:schemeClr val="accent5">
-                  <a:lumMod val="50000"/>
-                </a:schemeClr>
-              </a:solidFill>
-              <a:tailEnd type="stealth" w="med" len="lg"/>
-            </a:ln>
-          </p:spPr>
-          <p:style>
-            <a:lnRef idx="1">
-              <a:schemeClr val="accent1"/>
-            </a:lnRef>
-            <a:fillRef idx="0">
-              <a:schemeClr val="accent1"/>
-            </a:fillRef>
-            <a:effectRef idx="0">
-              <a:schemeClr val="accent1"/>
-            </a:effectRef>
-            <a:fontRef idx="minor">
-              <a:schemeClr val="tx1"/>
-            </a:fontRef>
-          </p:style>
-        </p:cxnSp>
-        <p:sp>
-          <p:nvSpPr>
-            <p:cNvPr id="15" name="Rectangle 14"/>
-            <p:cNvSpPr/>
-            <p:nvPr/>
-          </p:nvSpPr>
-          <p:spPr>
-            <a:xfrm>
-              <a:off x="7836332" y="399599"/>
-              <a:ext cx="1068864" cy="584775"/>
-            </a:xfrm>
-            <a:prstGeom prst="rect">
-              <a:avLst/>
-            </a:prstGeom>
-          </p:spPr>
-          <p:txBody>
-            <a:bodyPr wrap="square">
-              <a:spAutoFit/>
-            </a:bodyPr>
-            <a:lstStyle/>
-            <a:p>
-              <a:pPr algn="ctr"/>
-              <a:r>
-                <a:rPr lang="fr-FR" sz="1600" dirty="0" smtClean="0"/>
-                <a:t>Vitesse de rotation</a:t>
-              </a:r>
-              <a:endParaRPr lang="fr-FR" sz="1600" dirty="0"/>
-            </a:p>
-          </p:txBody>
-        </p:sp>
-        <p:sp>
-          <p:nvSpPr>
-            <p:cNvPr id="17" name="Rectangle 16"/>
-            <p:cNvSpPr/>
-            <p:nvPr/>
-          </p:nvSpPr>
-          <p:spPr>
-            <a:xfrm>
-              <a:off x="3447201" y="399598"/>
-              <a:ext cx="1052791" cy="584775"/>
-            </a:xfrm>
-            <a:prstGeom prst="rect">
-              <a:avLst/>
-            </a:prstGeom>
-          </p:spPr>
-          <p:txBody>
-            <a:bodyPr wrap="square">
-              <a:spAutoFit/>
-            </a:bodyPr>
-            <a:lstStyle/>
-            <a:p>
-              <a:pPr algn="ctr"/>
-              <a:r>
-                <a:rPr lang="fr-FR" sz="1600" dirty="0" smtClean="0"/>
-                <a:t>Consigne de vitesse</a:t>
-              </a:r>
-              <a:endParaRPr lang="fr-FR" sz="1600" dirty="0"/>
-            </a:p>
-          </p:txBody>
-        </p:sp>
-      </p:grpSp>
     </p:spTree>
     <p:extLst>
       <p:ext uri="{BB962C8B-B14F-4D97-AF65-F5344CB8AC3E}">

--- a/QCM/QCM.pptx
+++ b/QCM/QCM.pptx
@@ -11,44 +11,45 @@
     <p:sldId id="299" r:id="rId5"/>
     <p:sldId id="297" r:id="rId6"/>
     <p:sldId id="277" r:id="rId7"/>
-    <p:sldId id="280" r:id="rId8"/>
-    <p:sldId id="281" r:id="rId9"/>
-    <p:sldId id="256" r:id="rId10"/>
-    <p:sldId id="257" r:id="rId11"/>
-    <p:sldId id="258" r:id="rId12"/>
-    <p:sldId id="259" r:id="rId13"/>
-    <p:sldId id="260" r:id="rId14"/>
-    <p:sldId id="261" r:id="rId15"/>
-    <p:sldId id="262" r:id="rId16"/>
-    <p:sldId id="263" r:id="rId17"/>
-    <p:sldId id="264" r:id="rId18"/>
-    <p:sldId id="265" r:id="rId19"/>
-    <p:sldId id="266" r:id="rId20"/>
-    <p:sldId id="267" r:id="rId21"/>
-    <p:sldId id="268" r:id="rId22"/>
-    <p:sldId id="272" r:id="rId23"/>
-    <p:sldId id="269" r:id="rId24"/>
-    <p:sldId id="273" r:id="rId25"/>
-    <p:sldId id="270" r:id="rId26"/>
-    <p:sldId id="271" r:id="rId27"/>
-    <p:sldId id="274" r:id="rId28"/>
-    <p:sldId id="275" r:id="rId29"/>
-    <p:sldId id="283" r:id="rId30"/>
-    <p:sldId id="282" r:id="rId31"/>
-    <p:sldId id="284" r:id="rId32"/>
-    <p:sldId id="285" r:id="rId33"/>
-    <p:sldId id="287" r:id="rId34"/>
-    <p:sldId id="288" r:id="rId35"/>
-    <p:sldId id="278" r:id="rId36"/>
-    <p:sldId id="286" r:id="rId37"/>
-    <p:sldId id="290" r:id="rId38"/>
-    <p:sldId id="289" r:id="rId39"/>
-    <p:sldId id="291" r:id="rId40"/>
-    <p:sldId id="292" r:id="rId41"/>
-    <p:sldId id="293" r:id="rId42"/>
-    <p:sldId id="294" r:id="rId43"/>
-    <p:sldId id="295" r:id="rId44"/>
-    <p:sldId id="296" r:id="rId45"/>
+    <p:sldId id="300" r:id="rId8"/>
+    <p:sldId id="280" r:id="rId9"/>
+    <p:sldId id="281" r:id="rId10"/>
+    <p:sldId id="256" r:id="rId11"/>
+    <p:sldId id="257" r:id="rId12"/>
+    <p:sldId id="258" r:id="rId13"/>
+    <p:sldId id="259" r:id="rId14"/>
+    <p:sldId id="260" r:id="rId15"/>
+    <p:sldId id="261" r:id="rId16"/>
+    <p:sldId id="262" r:id="rId17"/>
+    <p:sldId id="263" r:id="rId18"/>
+    <p:sldId id="264" r:id="rId19"/>
+    <p:sldId id="265" r:id="rId20"/>
+    <p:sldId id="266" r:id="rId21"/>
+    <p:sldId id="267" r:id="rId22"/>
+    <p:sldId id="268" r:id="rId23"/>
+    <p:sldId id="272" r:id="rId24"/>
+    <p:sldId id="269" r:id="rId25"/>
+    <p:sldId id="273" r:id="rId26"/>
+    <p:sldId id="270" r:id="rId27"/>
+    <p:sldId id="271" r:id="rId28"/>
+    <p:sldId id="274" r:id="rId29"/>
+    <p:sldId id="275" r:id="rId30"/>
+    <p:sldId id="283" r:id="rId31"/>
+    <p:sldId id="282" r:id="rId32"/>
+    <p:sldId id="284" r:id="rId33"/>
+    <p:sldId id="285" r:id="rId34"/>
+    <p:sldId id="287" r:id="rId35"/>
+    <p:sldId id="288" r:id="rId36"/>
+    <p:sldId id="278" r:id="rId37"/>
+    <p:sldId id="286" r:id="rId38"/>
+    <p:sldId id="290" r:id="rId39"/>
+    <p:sldId id="289" r:id="rId40"/>
+    <p:sldId id="291" r:id="rId41"/>
+    <p:sldId id="292" r:id="rId42"/>
+    <p:sldId id="293" r:id="rId43"/>
+    <p:sldId id="294" r:id="rId44"/>
+    <p:sldId id="295" r:id="rId45"/>
+    <p:sldId id="296" r:id="rId46"/>
   </p:sldIdLst>
   <p:sldSz cx="9144000" cy="6858000" type="screen4x3"/>
   <p:notesSz cx="6858000" cy="9144000"/>
@@ -331,7 +332,7 @@
           <a:p>
             <a:fld id="{AA309A6D-C09C-4548-B29A-6CF363A7E532}" type="datetimeFigureOut">
               <a:rPr lang="fr-FR" smtClean="0"/>
-              <a:t>27/06/2018</a:t>
+              <a:t>29/06/2018</a:t>
             </a:fld>
             <a:endParaRPr lang="fr-BE"/>
           </a:p>
@@ -496,7 +497,7 @@
           <a:p>
             <a:fld id="{AA309A6D-C09C-4548-B29A-6CF363A7E532}" type="datetimeFigureOut">
               <a:rPr lang="fr-FR" smtClean="0"/>
-              <a:t>27/06/2018</a:t>
+              <a:t>29/06/2018</a:t>
             </a:fld>
             <a:endParaRPr lang="fr-BE"/>
           </a:p>
@@ -671,7 +672,7 @@
           <a:p>
             <a:fld id="{AA309A6D-C09C-4548-B29A-6CF363A7E532}" type="datetimeFigureOut">
               <a:rPr lang="fr-FR" smtClean="0"/>
-              <a:t>27/06/2018</a:t>
+              <a:t>29/06/2018</a:t>
             </a:fld>
             <a:endParaRPr lang="fr-BE"/>
           </a:p>
@@ -836,7 +837,7 @@
           <a:p>
             <a:fld id="{AA309A6D-C09C-4548-B29A-6CF363A7E532}" type="datetimeFigureOut">
               <a:rPr lang="fr-FR" smtClean="0"/>
-              <a:t>27/06/2018</a:t>
+              <a:t>29/06/2018</a:t>
             </a:fld>
             <a:endParaRPr lang="fr-BE"/>
           </a:p>
@@ -1077,7 +1078,7 @@
           <a:p>
             <a:fld id="{AA309A6D-C09C-4548-B29A-6CF363A7E532}" type="datetimeFigureOut">
               <a:rPr lang="fr-FR" smtClean="0"/>
-              <a:t>27/06/2018</a:t>
+              <a:t>29/06/2018</a:t>
             </a:fld>
             <a:endParaRPr lang="fr-BE"/>
           </a:p>
@@ -1360,7 +1361,7 @@
           <a:p>
             <a:fld id="{AA309A6D-C09C-4548-B29A-6CF363A7E532}" type="datetimeFigureOut">
               <a:rPr lang="fr-FR" smtClean="0"/>
-              <a:t>27/06/2018</a:t>
+              <a:t>29/06/2018</a:t>
             </a:fld>
             <a:endParaRPr lang="fr-BE"/>
           </a:p>
@@ -1777,7 +1778,7 @@
           <a:p>
             <a:fld id="{AA309A6D-C09C-4548-B29A-6CF363A7E532}" type="datetimeFigureOut">
               <a:rPr lang="fr-FR" smtClean="0"/>
-              <a:t>27/06/2018</a:t>
+              <a:t>29/06/2018</a:t>
             </a:fld>
             <a:endParaRPr lang="fr-BE"/>
           </a:p>
@@ -1890,7 +1891,7 @@
           <a:p>
             <a:fld id="{AA309A6D-C09C-4548-B29A-6CF363A7E532}" type="datetimeFigureOut">
               <a:rPr lang="fr-FR" smtClean="0"/>
-              <a:t>27/06/2018</a:t>
+              <a:t>29/06/2018</a:t>
             </a:fld>
             <a:endParaRPr lang="fr-BE"/>
           </a:p>
@@ -1980,7 +1981,7 @@
           <a:p>
             <a:fld id="{AA309A6D-C09C-4548-B29A-6CF363A7E532}" type="datetimeFigureOut">
               <a:rPr lang="fr-FR" smtClean="0"/>
-              <a:t>27/06/2018</a:t>
+              <a:t>29/06/2018</a:t>
             </a:fld>
             <a:endParaRPr lang="fr-BE"/>
           </a:p>
@@ -2252,7 +2253,7 @@
           <a:p>
             <a:fld id="{AA309A6D-C09C-4548-B29A-6CF363A7E532}" type="datetimeFigureOut">
               <a:rPr lang="fr-FR" smtClean="0"/>
-              <a:t>27/06/2018</a:t>
+              <a:t>29/06/2018</a:t>
             </a:fld>
             <a:endParaRPr lang="fr-BE"/>
           </a:p>
@@ -2500,7 +2501,7 @@
           <a:p>
             <a:fld id="{AA309A6D-C09C-4548-B29A-6CF363A7E532}" type="datetimeFigureOut">
               <a:rPr lang="fr-FR" smtClean="0"/>
-              <a:t>27/06/2018</a:t>
+              <a:t>29/06/2018</a:t>
             </a:fld>
             <a:endParaRPr lang="fr-BE"/>
           </a:p>
@@ -2708,7 +2709,7 @@
           <a:p>
             <a:fld id="{AA309A6D-C09C-4548-B29A-6CF363A7E532}" type="datetimeFigureOut">
               <a:rPr lang="fr-FR" smtClean="0"/>
-              <a:t>27/06/2018</a:t>
+              <a:t>29/06/2018</a:t>
             </a:fld>
             <a:endParaRPr lang="fr-BE"/>
           </a:p>
@@ -3134,6 +3135,572 @@
 </file>
 
 <file path=ppt/slides/slide10.xml><?xml version="1.0" encoding="utf-8"?>
+<p:sld xmlns:a="http://schemas.openxmlformats.org/drawingml/2006/main" xmlns:r="http://schemas.openxmlformats.org/officeDocument/2006/relationships" xmlns:p="http://schemas.openxmlformats.org/presentationml/2006/main">
+  <p:cSld>
+    <p:spTree>
+      <p:nvGrpSpPr>
+        <p:cNvPr id="1" name=""/>
+        <p:cNvGrpSpPr/>
+        <p:nvPr/>
+      </p:nvGrpSpPr>
+      <p:grpSpPr>
+        <a:xfrm>
+          <a:off x="0" y="0"/>
+          <a:ext cx="0" cy="0"/>
+          <a:chOff x="0" y="0"/>
+          <a:chExt cx="0" cy="0"/>
+        </a:xfrm>
+      </p:grpSpPr>
+      <p:sp>
+        <p:nvSpPr>
+          <p:cNvPr id="4" name="ZoneTexte 3"/>
+          <p:cNvSpPr txBox="1"/>
+          <p:nvPr/>
+        </p:nvSpPr>
+        <p:spPr>
+          <a:xfrm>
+            <a:off x="437869" y="260648"/>
+            <a:ext cx="2847383" cy="369332"/>
+          </a:xfrm>
+          <a:prstGeom prst="rect">
+            <a:avLst/>
+          </a:prstGeom>
+          <a:noFill/>
+        </p:spPr>
+        <p:txBody>
+          <a:bodyPr wrap="none" rtlCol="0">
+            <a:spAutoFit/>
+          </a:bodyPr>
+          <a:lstStyle/>
+          <a:p>
+            <a:r>
+              <a:rPr lang="fr-FR" dirty="0" smtClean="0"/>
+              <a:t>Ressources de R </a:t>
+            </a:r>
+            <a:r>
+              <a:rPr lang="fr-FR" dirty="0" err="1" smtClean="0"/>
+              <a:t>Papanicola</a:t>
+            </a:r>
+            <a:endParaRPr lang="fr-FR" dirty="0"/>
+          </a:p>
+        </p:txBody>
+      </p:sp>
+      <p:sp>
+        <p:nvSpPr>
+          <p:cNvPr id="5" name="Rectangle 4"/>
+          <p:cNvSpPr/>
+          <p:nvPr/>
+        </p:nvSpPr>
+        <p:spPr>
+          <a:xfrm>
+            <a:off x="4338" y="908720"/>
+            <a:ext cx="9139661" cy="369332"/>
+          </a:xfrm>
+          <a:prstGeom prst="rect">
+            <a:avLst/>
+          </a:prstGeom>
+        </p:spPr>
+        <p:txBody>
+          <a:bodyPr wrap="square">
+            <a:spAutoFit/>
+          </a:bodyPr>
+          <a:lstStyle/>
+          <a:p>
+            <a:r>
+              <a:rPr lang="fr-FR" dirty="0"/>
+              <a:t>1) Voici quelques réponses de systèmes à une entrée en échelon et en rampe : </a:t>
+            </a:r>
+          </a:p>
+        </p:txBody>
+      </p:sp>
+      <p:pic>
+        <p:nvPicPr>
+          <p:cNvPr id="1027" name="Picture 3" descr="C:\Enseignement\GitHub\Cy_01_PSI_ModelisationLinNonLin\QCM\Ord2_Ramp_K.png"/>
+          <p:cNvPicPr>
+            <a:picLocks noChangeAspect="1" noChangeArrowheads="1"/>
+          </p:cNvPicPr>
+          <p:nvPr/>
+        </p:nvPicPr>
+        <p:blipFill>
+          <a:blip r:embed="rId2">
+            <a:extLst>
+              <a:ext uri="{28A0092B-C50C-407E-A947-70E740481C1C}">
+                <a14:useLocalDpi xmlns:a14="http://schemas.microsoft.com/office/drawing/2010/main" val="0"/>
+              </a:ext>
+            </a:extLst>
+          </a:blip>
+          <a:srcRect/>
+          <a:stretch>
+            <a:fillRect/>
+          </a:stretch>
+        </p:blipFill>
+        <p:spPr bwMode="auto">
+          <a:xfrm>
+            <a:off x="4523994" y="1552539"/>
+            <a:ext cx="1800000" cy="1218932"/>
+          </a:xfrm>
+          <a:prstGeom prst="rect">
+            <a:avLst/>
+          </a:prstGeom>
+          <a:noFill/>
+          <a:extLst>
+            <a:ext uri="{909E8E84-426E-40DD-AFC4-6F175D3DCCD1}">
+              <a14:hiddenFill xmlns:a14="http://schemas.microsoft.com/office/drawing/2010/main">
+                <a:solidFill>
+                  <a:srgbClr val="FFFFFF"/>
+                </a:solidFill>
+              </a14:hiddenFill>
+            </a:ext>
+          </a:extLst>
+        </p:spPr>
+      </p:pic>
+      <p:pic>
+        <p:nvPicPr>
+          <p:cNvPr id="1028" name="Picture 4" descr="C:\Enseignement\GitHub\Cy_01_PSI_ModelisationLinNonLin\QCM\Ord2_Ramp_K1.png"/>
+          <p:cNvPicPr>
+            <a:picLocks noChangeAspect="1" noChangeArrowheads="1"/>
+          </p:cNvPicPr>
+          <p:nvPr/>
+        </p:nvPicPr>
+        <p:blipFill>
+          <a:blip r:embed="rId3">
+            <a:extLst>
+              <a:ext uri="{28A0092B-C50C-407E-A947-70E740481C1C}">
+                <a14:useLocalDpi xmlns:a14="http://schemas.microsoft.com/office/drawing/2010/main" val="0"/>
+              </a:ext>
+            </a:extLst>
+          </a:blip>
+          <a:srcRect/>
+          <a:stretch>
+            <a:fillRect/>
+          </a:stretch>
+        </p:blipFill>
+        <p:spPr bwMode="auto">
+          <a:xfrm>
+            <a:off x="251520" y="1551909"/>
+            <a:ext cx="1800000" cy="1220192"/>
+          </a:xfrm>
+          <a:prstGeom prst="rect">
+            <a:avLst/>
+          </a:prstGeom>
+          <a:noFill/>
+          <a:extLst>
+            <a:ext uri="{909E8E84-426E-40DD-AFC4-6F175D3DCCD1}">
+              <a14:hiddenFill xmlns:a14="http://schemas.microsoft.com/office/drawing/2010/main">
+                <a:solidFill>
+                  <a:srgbClr val="FFFFFF"/>
+                </a:solidFill>
+              </a14:hiddenFill>
+            </a:ext>
+          </a:extLst>
+        </p:spPr>
+      </p:pic>
+      <p:pic>
+        <p:nvPicPr>
+          <p:cNvPr id="1029" name="Picture 5" descr="C:\Enseignement\GitHub\Cy_01_PSI_ModelisationLinNonLin\QCM\Ord2_Ech_K.png"/>
+          <p:cNvPicPr>
+            <a:picLocks noChangeAspect="1" noChangeArrowheads="1"/>
+          </p:cNvPicPr>
+          <p:nvPr/>
+        </p:nvPicPr>
+        <p:blipFill>
+          <a:blip r:embed="rId4">
+            <a:extLst>
+              <a:ext uri="{28A0092B-C50C-407E-A947-70E740481C1C}">
+                <a14:useLocalDpi xmlns:a14="http://schemas.microsoft.com/office/drawing/2010/main" val="0"/>
+              </a:ext>
+            </a:extLst>
+          </a:blip>
+          <a:srcRect/>
+          <a:stretch>
+            <a:fillRect/>
+          </a:stretch>
+        </p:blipFill>
+        <p:spPr bwMode="auto">
+          <a:xfrm>
+            <a:off x="2387757" y="1562732"/>
+            <a:ext cx="1800000" cy="1198547"/>
+          </a:xfrm>
+          <a:prstGeom prst="rect">
+            <a:avLst/>
+          </a:prstGeom>
+          <a:noFill/>
+          <a:extLst>
+            <a:ext uri="{909E8E84-426E-40DD-AFC4-6F175D3DCCD1}">
+              <a14:hiddenFill xmlns:a14="http://schemas.microsoft.com/office/drawing/2010/main">
+                <a:solidFill>
+                  <a:srgbClr val="FFFFFF"/>
+                </a:solidFill>
+              </a14:hiddenFill>
+            </a:ext>
+          </a:extLst>
+        </p:spPr>
+      </p:pic>
+      <p:pic>
+        <p:nvPicPr>
+          <p:cNvPr id="1030" name="Picture 6" descr="C:\Enseignement\GitHub\Cy_01_PSI_ModelisationLinNonLin\QCM\Ord2_Ech_K1.png"/>
+          <p:cNvPicPr>
+            <a:picLocks noChangeAspect="1" noChangeArrowheads="1"/>
+          </p:cNvPicPr>
+          <p:nvPr/>
+        </p:nvPicPr>
+        <p:blipFill>
+          <a:blip r:embed="rId5">
+            <a:extLst>
+              <a:ext uri="{28A0092B-C50C-407E-A947-70E740481C1C}">
+                <a14:useLocalDpi xmlns:a14="http://schemas.microsoft.com/office/drawing/2010/main" val="0"/>
+              </a:ext>
+            </a:extLst>
+          </a:blip>
+          <a:srcRect/>
+          <a:stretch>
+            <a:fillRect/>
+          </a:stretch>
+        </p:blipFill>
+        <p:spPr bwMode="auto">
+          <a:xfrm>
+            <a:off x="6660232" y="1555530"/>
+            <a:ext cx="1800000" cy="1212950"/>
+          </a:xfrm>
+          <a:prstGeom prst="rect">
+            <a:avLst/>
+          </a:prstGeom>
+          <a:noFill/>
+          <a:extLst>
+            <a:ext uri="{909E8E84-426E-40DD-AFC4-6F175D3DCCD1}">
+              <a14:hiddenFill xmlns:a14="http://schemas.microsoft.com/office/drawing/2010/main">
+                <a:solidFill>
+                  <a:srgbClr val="FFFFFF"/>
+                </a:solidFill>
+              </a14:hiddenFill>
+            </a:ext>
+          </a:extLst>
+        </p:spPr>
+      </p:pic>
+      <p:sp>
+        <p:nvSpPr>
+          <p:cNvPr id="11" name="Rectangle 10"/>
+          <p:cNvSpPr/>
+          <p:nvPr/>
+        </p:nvSpPr>
+        <p:spPr>
+          <a:xfrm>
+            <a:off x="-10763" y="3059668"/>
+            <a:ext cx="9139661" cy="1477328"/>
+          </a:xfrm>
+          <a:prstGeom prst="rect">
+            <a:avLst/>
+          </a:prstGeom>
+        </p:spPr>
+        <p:txBody>
+          <a:bodyPr wrap="square">
+            <a:spAutoFit/>
+          </a:bodyPr>
+          <a:lstStyle/>
+          <a:p>
+            <a:pPr marL="342900" indent="-342900">
+              <a:buAutoNum type="arabicParenR"/>
+            </a:pPr>
+            <a:r>
+              <a:rPr lang="fr-FR" dirty="0" smtClean="0"/>
+              <a:t>Voici </a:t>
+            </a:r>
+            <a:r>
+              <a:rPr lang="fr-FR" dirty="0"/>
+              <a:t>quelques réponses de systèmes à une entrée en échelon et en rampe : </a:t>
+            </a:r>
+          </a:p>
+          <a:p>
+            <a:pPr marL="800100" lvl="1" indent="-342900">
+              <a:buAutoNum type="alphaLcParenR"/>
+            </a:pPr>
+            <a:r>
+              <a:rPr lang="fr-FR" b="1" dirty="0" smtClean="0"/>
+              <a:t>Le </a:t>
+            </a:r>
+            <a:r>
+              <a:rPr lang="fr-FR" b="1" dirty="0"/>
+              <a:t>système A possède un gain égal à 1 </a:t>
+            </a:r>
+            <a:endParaRPr lang="fr-FR" b="1" dirty="0" smtClean="0"/>
+          </a:p>
+          <a:p>
+            <a:pPr marL="800100" lvl="1" indent="-342900">
+              <a:buAutoNum type="alphaLcParenR"/>
+            </a:pPr>
+            <a:r>
+              <a:rPr lang="fr-FR" dirty="0" smtClean="0"/>
+              <a:t>Le </a:t>
+            </a:r>
+            <a:r>
+              <a:rPr lang="fr-FR" dirty="0"/>
+              <a:t>système B possède un gain supérieur à 1 </a:t>
+            </a:r>
+          </a:p>
+          <a:p>
+            <a:pPr marL="800100" lvl="1" indent="-342900">
+              <a:buAutoNum type="alphaLcParenR"/>
+            </a:pPr>
+            <a:r>
+              <a:rPr lang="fr-FR" dirty="0" smtClean="0"/>
+              <a:t>Le système </a:t>
+            </a:r>
+            <a:r>
+              <a:rPr lang="fr-FR" dirty="0"/>
+              <a:t>C possède un gain supérieur à 1 </a:t>
+            </a:r>
+          </a:p>
+          <a:p>
+            <a:pPr marL="800100" lvl="1" indent="-342900">
+              <a:buAutoNum type="alphaLcParenR"/>
+            </a:pPr>
+            <a:r>
+              <a:rPr lang="fr-FR" b="1" dirty="0" smtClean="0"/>
+              <a:t>Le </a:t>
+            </a:r>
+            <a:r>
+              <a:rPr lang="fr-FR" b="1" dirty="0"/>
+              <a:t>système D possède un gain égal à 1 </a:t>
+            </a:r>
+          </a:p>
+        </p:txBody>
+      </p:sp>
+      <p:sp>
+        <p:nvSpPr>
+          <p:cNvPr id="6" name="Ellipse 5"/>
+          <p:cNvSpPr/>
+          <p:nvPr/>
+        </p:nvSpPr>
+        <p:spPr>
+          <a:xfrm>
+            <a:off x="251520" y="1555530"/>
+            <a:ext cx="441340" cy="441340"/>
+          </a:xfrm>
+          <a:prstGeom prst="ellipse">
+            <a:avLst/>
+          </a:prstGeom>
+          <a:noFill/>
+          <a:ln w="28575">
+            <a:solidFill>
+              <a:srgbClr val="FF0000"/>
+            </a:solidFill>
+          </a:ln>
+        </p:spPr>
+        <p:style>
+          <a:lnRef idx="2">
+            <a:schemeClr val="accent1">
+              <a:shade val="50000"/>
+            </a:schemeClr>
+          </a:lnRef>
+          <a:fillRef idx="1">
+            <a:schemeClr val="accent1"/>
+          </a:fillRef>
+          <a:effectRef idx="0">
+            <a:schemeClr val="accent1"/>
+          </a:effectRef>
+          <a:fontRef idx="minor">
+            <a:schemeClr val="lt1"/>
+          </a:fontRef>
+        </p:style>
+        <p:txBody>
+          <a:bodyPr rtlCol="0" anchor="ctr"/>
+          <a:lstStyle/>
+          <a:p>
+            <a:pPr algn="ctr"/>
+            <a:r>
+              <a:rPr lang="fr-FR" b="1" dirty="0" smtClean="0">
+                <a:solidFill>
+                  <a:srgbClr val="FF0000"/>
+                </a:solidFill>
+              </a:rPr>
+              <a:t>A</a:t>
+            </a:r>
+            <a:endParaRPr lang="fr-FR" b="1" dirty="0">
+              <a:solidFill>
+                <a:srgbClr val="FF0000"/>
+              </a:solidFill>
+            </a:endParaRPr>
+          </a:p>
+        </p:txBody>
+      </p:sp>
+      <p:sp>
+        <p:nvSpPr>
+          <p:cNvPr id="13" name="Ellipse 12"/>
+          <p:cNvSpPr/>
+          <p:nvPr/>
+        </p:nvSpPr>
+        <p:spPr>
+          <a:xfrm>
+            <a:off x="3064582" y="2025158"/>
+            <a:ext cx="441340" cy="441340"/>
+          </a:xfrm>
+          <a:prstGeom prst="ellipse">
+            <a:avLst/>
+          </a:prstGeom>
+          <a:noFill/>
+          <a:ln w="28575">
+            <a:solidFill>
+              <a:srgbClr val="FF0000"/>
+            </a:solidFill>
+          </a:ln>
+        </p:spPr>
+        <p:style>
+          <a:lnRef idx="2">
+            <a:schemeClr val="accent1">
+              <a:shade val="50000"/>
+            </a:schemeClr>
+          </a:lnRef>
+          <a:fillRef idx="1">
+            <a:schemeClr val="accent1"/>
+          </a:fillRef>
+          <a:effectRef idx="0">
+            <a:schemeClr val="accent1"/>
+          </a:effectRef>
+          <a:fontRef idx="minor">
+            <a:schemeClr val="lt1"/>
+          </a:fontRef>
+        </p:style>
+        <p:txBody>
+          <a:bodyPr rtlCol="0" anchor="ctr"/>
+          <a:lstStyle/>
+          <a:p>
+            <a:pPr algn="ctr"/>
+            <a:r>
+              <a:rPr lang="fr-FR" b="1" dirty="0">
+                <a:solidFill>
+                  <a:srgbClr val="FF0000"/>
+                </a:solidFill>
+              </a:rPr>
+              <a:t>B</a:t>
+            </a:r>
+          </a:p>
+        </p:txBody>
+      </p:sp>
+      <p:sp>
+        <p:nvSpPr>
+          <p:cNvPr id="16" name="Ellipse 15"/>
+          <p:cNvSpPr/>
+          <p:nvPr/>
+        </p:nvSpPr>
+        <p:spPr>
+          <a:xfrm>
+            <a:off x="4523994" y="1555530"/>
+            <a:ext cx="441340" cy="441340"/>
+          </a:xfrm>
+          <a:prstGeom prst="ellipse">
+            <a:avLst/>
+          </a:prstGeom>
+          <a:noFill/>
+          <a:ln w="28575">
+            <a:solidFill>
+              <a:srgbClr val="FF0000"/>
+            </a:solidFill>
+          </a:ln>
+        </p:spPr>
+        <p:style>
+          <a:lnRef idx="2">
+            <a:schemeClr val="accent1">
+              <a:shade val="50000"/>
+            </a:schemeClr>
+          </a:lnRef>
+          <a:fillRef idx="1">
+            <a:schemeClr val="accent1"/>
+          </a:fillRef>
+          <a:effectRef idx="0">
+            <a:schemeClr val="accent1"/>
+          </a:effectRef>
+          <a:fontRef idx="minor">
+            <a:schemeClr val="lt1"/>
+          </a:fontRef>
+        </p:style>
+        <p:txBody>
+          <a:bodyPr rtlCol="0" anchor="ctr"/>
+          <a:lstStyle/>
+          <a:p>
+            <a:pPr algn="ctr"/>
+            <a:r>
+              <a:rPr lang="fr-FR" b="1" dirty="0">
+                <a:solidFill>
+                  <a:srgbClr val="FF0000"/>
+                </a:solidFill>
+              </a:rPr>
+              <a:t>C</a:t>
+            </a:r>
+          </a:p>
+        </p:txBody>
+      </p:sp>
+      <p:sp>
+        <p:nvSpPr>
+          <p:cNvPr id="19" name="Ellipse 18"/>
+          <p:cNvSpPr/>
+          <p:nvPr/>
+        </p:nvSpPr>
+        <p:spPr>
+          <a:xfrm>
+            <a:off x="8018892" y="2331739"/>
+            <a:ext cx="441340" cy="441340"/>
+          </a:xfrm>
+          <a:prstGeom prst="ellipse">
+            <a:avLst/>
+          </a:prstGeom>
+          <a:noFill/>
+          <a:ln w="28575">
+            <a:solidFill>
+              <a:srgbClr val="FF0000"/>
+            </a:solidFill>
+          </a:ln>
+        </p:spPr>
+        <p:style>
+          <a:lnRef idx="2">
+            <a:schemeClr val="accent1">
+              <a:shade val="50000"/>
+            </a:schemeClr>
+          </a:lnRef>
+          <a:fillRef idx="1">
+            <a:schemeClr val="accent1"/>
+          </a:fillRef>
+          <a:effectRef idx="0">
+            <a:schemeClr val="accent1"/>
+          </a:effectRef>
+          <a:fontRef idx="minor">
+            <a:schemeClr val="lt1"/>
+          </a:fontRef>
+        </p:style>
+        <p:txBody>
+          <a:bodyPr rtlCol="0" anchor="ctr"/>
+          <a:lstStyle/>
+          <a:p>
+            <a:pPr algn="ctr"/>
+            <a:r>
+              <a:rPr lang="fr-FR" b="1" dirty="0" smtClean="0">
+                <a:solidFill>
+                  <a:srgbClr val="FF0000"/>
+                </a:solidFill>
+              </a:rPr>
+              <a:t>D</a:t>
+            </a:r>
+            <a:endParaRPr lang="fr-FR" b="1" dirty="0">
+              <a:solidFill>
+                <a:srgbClr val="FF0000"/>
+              </a:solidFill>
+            </a:endParaRPr>
+          </a:p>
+        </p:txBody>
+      </p:sp>
+    </p:spTree>
+    <p:extLst>
+      <p:ext uri="{BB962C8B-B14F-4D97-AF65-F5344CB8AC3E}">
+        <p14:creationId xmlns:p14="http://schemas.microsoft.com/office/powerpoint/2010/main" val="4281575923"/>
+      </p:ext>
+    </p:extLst>
+  </p:cSld>
+  <p:clrMapOvr>
+    <a:masterClrMapping/>
+  </p:clrMapOvr>
+</p:sld>
+</file>
+
+<file path=ppt/slides/slide11.xml><?xml version="1.0" encoding="utf-8"?>
 <p:sld xmlns:a="http://schemas.openxmlformats.org/drawingml/2006/main" xmlns:r="http://schemas.openxmlformats.org/officeDocument/2006/relationships" xmlns:p="http://schemas.openxmlformats.org/presentationml/2006/main">
   <p:cSld>
     <p:spTree>
@@ -4851,7 +5418,7 @@
 </p:sld>
 </file>
 
-<file path=ppt/slides/slide11.xml><?xml version="1.0" encoding="utf-8"?>
+<file path=ppt/slides/slide12.xml><?xml version="1.0" encoding="utf-8"?>
 <p:sld xmlns:a="http://schemas.openxmlformats.org/drawingml/2006/main" xmlns:r="http://schemas.openxmlformats.org/officeDocument/2006/relationships" xmlns:p="http://schemas.openxmlformats.org/presentationml/2006/main">
   <p:cSld>
     <p:spTree>
@@ -6389,7 +6956,7 @@
 </p:sld>
 </file>
 
-<file path=ppt/slides/slide12.xml><?xml version="1.0" encoding="utf-8"?>
+<file path=ppt/slides/slide13.xml><?xml version="1.0" encoding="utf-8"?>
 <p:sld xmlns:a="http://schemas.openxmlformats.org/drawingml/2006/main" xmlns:r="http://schemas.openxmlformats.org/officeDocument/2006/relationships" xmlns:p="http://schemas.openxmlformats.org/presentationml/2006/main">
   <p:cSld>
     <p:spTree>
@@ -7857,7 +8424,7 @@
 </p:sld>
 </file>
 
-<file path=ppt/slides/slide13.xml><?xml version="1.0" encoding="utf-8"?>
+<file path=ppt/slides/slide14.xml><?xml version="1.0" encoding="utf-8"?>
 <p:sld xmlns:a="http://schemas.openxmlformats.org/drawingml/2006/main" xmlns:r="http://schemas.openxmlformats.org/officeDocument/2006/relationships" xmlns:p="http://schemas.openxmlformats.org/presentationml/2006/main">
   <p:cSld>
     <p:spTree>
@@ -9079,7 +9646,7 @@
 </p:sld>
 </file>
 
-<file path=ppt/slides/slide14.xml><?xml version="1.0" encoding="utf-8"?>
+<file path=ppt/slides/slide15.xml><?xml version="1.0" encoding="utf-8"?>
 <p:sld xmlns:a="http://schemas.openxmlformats.org/drawingml/2006/main" xmlns:r="http://schemas.openxmlformats.org/officeDocument/2006/relationships" xmlns:p="http://schemas.openxmlformats.org/presentationml/2006/main">
   <p:cSld>
     <p:spTree>
@@ -9506,7 +10073,7 @@
 </p:sld>
 </file>
 
-<file path=ppt/slides/slide15.xml><?xml version="1.0" encoding="utf-8"?>
+<file path=ppt/slides/slide16.xml><?xml version="1.0" encoding="utf-8"?>
 <p:sld xmlns:a="http://schemas.openxmlformats.org/drawingml/2006/main" xmlns:r="http://schemas.openxmlformats.org/officeDocument/2006/relationships" xmlns:p="http://schemas.openxmlformats.org/presentationml/2006/main">
   <p:cSld>
     <p:spTree>
@@ -10654,7 +11221,7 @@
 </p:sld>
 </file>
 
-<file path=ppt/slides/slide16.xml><?xml version="1.0" encoding="utf-8"?>
+<file path=ppt/slides/slide17.xml><?xml version="1.0" encoding="utf-8"?>
 <p:sld xmlns:a="http://schemas.openxmlformats.org/drawingml/2006/main" xmlns:r="http://schemas.openxmlformats.org/officeDocument/2006/relationships" xmlns:p="http://schemas.openxmlformats.org/presentationml/2006/main">
   <p:cSld>
     <p:spTree>
@@ -10846,7 +11413,7 @@
 </p:sld>
 </file>
 
-<file path=ppt/slides/slide17.xml><?xml version="1.0" encoding="utf-8"?>
+<file path=ppt/slides/slide18.xml><?xml version="1.0" encoding="utf-8"?>
 <p:sld xmlns:a="http://schemas.openxmlformats.org/drawingml/2006/main" xmlns:r="http://schemas.openxmlformats.org/officeDocument/2006/relationships" xmlns:p="http://schemas.openxmlformats.org/presentationml/2006/main">
   <p:cSld>
     <p:spTree>
@@ -11022,7 +11589,7 @@
 </p:sld>
 </file>
 
-<file path=ppt/slides/slide18.xml><?xml version="1.0" encoding="utf-8"?>
+<file path=ppt/slides/slide19.xml><?xml version="1.0" encoding="utf-8"?>
 <p:sld xmlns:a="http://schemas.openxmlformats.org/drawingml/2006/main" xmlns:r="http://schemas.openxmlformats.org/officeDocument/2006/relationships" xmlns:p="http://schemas.openxmlformats.org/presentationml/2006/main">
   <p:cSld>
     <p:spTree>
@@ -11118,613 +11685,6 @@
               <a:rPr lang="fr-FR" dirty="0"/>
               <a:t> est grande</a:t>
             </a:r>
-          </a:p>
-        </p:txBody>
-      </p:sp>
-    </p:spTree>
-    <p:extLst>
-      <p:ext uri="{BB962C8B-B14F-4D97-AF65-F5344CB8AC3E}">
-        <p14:creationId xmlns:p14="http://schemas.microsoft.com/office/powerpoint/2010/main" val="812773147"/>
-      </p:ext>
-    </p:extLst>
-  </p:cSld>
-  <p:clrMapOvr>
-    <a:masterClrMapping/>
-  </p:clrMapOvr>
-</p:sld>
-</file>
-
-<file path=ppt/slides/slide19.xml><?xml version="1.0" encoding="utf-8"?>
-<p:sld xmlns:a="http://schemas.openxmlformats.org/drawingml/2006/main" xmlns:r="http://schemas.openxmlformats.org/officeDocument/2006/relationships" xmlns:p="http://schemas.openxmlformats.org/presentationml/2006/main">
-  <p:cSld>
-    <p:spTree>
-      <p:nvGrpSpPr>
-        <p:cNvPr id="1" name=""/>
-        <p:cNvGrpSpPr/>
-        <p:nvPr/>
-      </p:nvGrpSpPr>
-      <p:grpSpPr>
-        <a:xfrm>
-          <a:off x="0" y="0"/>
-          <a:ext cx="0" cy="0"/>
-          <a:chOff x="0" y="0"/>
-          <a:chExt cx="0" cy="0"/>
-        </a:xfrm>
-      </p:grpSpPr>
-      <mc:AlternateContent xmlns:mc="http://schemas.openxmlformats.org/markup-compatibility/2006" xmlns:a14="http://schemas.microsoft.com/office/drawing/2010/main">
-        <mc:Choice Requires="a14">
-          <p:sp>
-            <p:nvSpPr>
-              <p:cNvPr id="2" name="Rectangle 1"/>
-              <p:cNvSpPr/>
-              <p:nvPr/>
-            </p:nvSpPr>
-            <p:spPr>
-              <a:xfrm>
-                <a:off x="0" y="404664"/>
-                <a:ext cx="9540552" cy="792974"/>
-              </a:xfrm>
-              <a:prstGeom prst="rect">
-                <a:avLst/>
-              </a:prstGeom>
-            </p:spPr>
-            <p:txBody>
-              <a:bodyPr wrap="square">
-                <a:spAutoFit/>
-              </a:bodyPr>
-              <a:lstStyle/>
-              <a:p>
-                <a:r>
-                  <a:rPr lang="fr-FR" dirty="0" smtClean="0"/>
-                  <a:t>Soit la fonction transfert suivante :</a:t>
-                </a:r>
-                <a14:m>
-                  <m:oMath xmlns:m="http://schemas.openxmlformats.org/officeDocument/2006/math">
-                    <m:r>
-                      <a:rPr lang="fr-FR" b="0" i="1" smtClean="0">
-                        <a:latin typeface="Cambria Math"/>
-                      </a:rPr>
-                      <m:t>𝐻</m:t>
-                    </m:r>
-                    <m:d>
-                      <m:dPr>
-                        <m:ctrlPr>
-                          <a:rPr lang="fr-FR" b="0" i="1" smtClean="0">
-                            <a:latin typeface="Cambria Math"/>
-                          </a:rPr>
-                        </m:ctrlPr>
-                      </m:dPr>
-                      <m:e>
-                        <m:r>
-                          <a:rPr lang="fr-FR" b="0" i="1" smtClean="0">
-                            <a:latin typeface="Cambria Math"/>
-                          </a:rPr>
-                          <m:t>𝑝</m:t>
-                        </m:r>
-                      </m:e>
-                    </m:d>
-                    <m:r>
-                      <a:rPr lang="fr-FR" b="0" i="1" smtClean="0">
-                        <a:latin typeface="Cambria Math"/>
-                      </a:rPr>
-                      <m:t>=</m:t>
-                    </m:r>
-                    <m:f>
-                      <m:fPr>
-                        <m:ctrlPr>
-                          <a:rPr lang="fr-FR" b="0" i="1" smtClean="0">
-                            <a:latin typeface="Cambria Math"/>
-                          </a:rPr>
-                        </m:ctrlPr>
-                      </m:fPr>
-                      <m:num>
-                        <m:r>
-                          <a:rPr lang="fr-FR" b="0" i="1" smtClean="0">
-                            <a:latin typeface="Cambria Math"/>
-                          </a:rPr>
-                          <m:t>400</m:t>
-                        </m:r>
-                      </m:num>
-                      <m:den>
-                        <m:sSup>
-                          <m:sSupPr>
-                            <m:ctrlPr>
-                              <a:rPr lang="fr-FR" b="0" i="1" smtClean="0">
-                                <a:latin typeface="Cambria Math"/>
-                              </a:rPr>
-                            </m:ctrlPr>
-                          </m:sSupPr>
-                          <m:e>
-                            <m:r>
-                              <a:rPr lang="fr-FR" b="0" i="1" smtClean="0">
-                                <a:latin typeface="Cambria Math"/>
-                              </a:rPr>
-                              <m:t>𝑝</m:t>
-                            </m:r>
-                          </m:e>
-                          <m:sup>
-                            <m:r>
-                              <a:rPr lang="fr-FR" b="0" i="1" smtClean="0">
-                                <a:latin typeface="Cambria Math"/>
-                              </a:rPr>
-                              <m:t>2</m:t>
-                            </m:r>
-                          </m:sup>
-                        </m:sSup>
-                        <m:r>
-                          <a:rPr lang="fr-FR" b="0" i="1" smtClean="0">
-                            <a:latin typeface="Cambria Math"/>
-                          </a:rPr>
-                          <m:t>+30</m:t>
-                        </m:r>
-                        <m:r>
-                          <a:rPr lang="fr-FR" b="0" i="1" smtClean="0">
-                            <a:latin typeface="Cambria Math"/>
-                          </a:rPr>
-                          <m:t>𝑝</m:t>
-                        </m:r>
-                        <m:r>
-                          <a:rPr lang="fr-FR" b="0" i="1" smtClean="0">
-                            <a:latin typeface="Cambria Math"/>
-                          </a:rPr>
-                          <m:t>+300</m:t>
-                        </m:r>
-                      </m:den>
-                    </m:f>
-                  </m:oMath>
-                </a14:m>
-                <a:r>
-                  <a:rPr lang="fr-FR" dirty="0" smtClean="0"/>
-                  <a:t>. On </a:t>
-                </a:r>
-                <a:r>
-                  <a:rPr lang="fr-FR" dirty="0"/>
-                  <a:t>sollicite ce système par un échelon </a:t>
-                </a:r>
-                <a:r>
-                  <a:rPr lang="fr-FR" dirty="0" smtClean="0"/>
-                  <a:t>unitaire.</a:t>
-                </a:r>
-                <a:endParaRPr lang="fr-FR" dirty="0"/>
-              </a:p>
-            </p:txBody>
-          </p:sp>
-        </mc:Choice>
-        <mc:Fallback xmlns="">
-          <p:sp>
-            <p:nvSpPr>
-              <p:cNvPr id="2" name="Rectangle 1"/>
-              <p:cNvSpPr>
-                <a:spLocks noRot="1" noChangeAspect="1" noMove="1" noResize="1" noEditPoints="1" noAdjustHandles="1" noChangeArrowheads="1" noChangeShapeType="1" noTextEdit="1"/>
-              </p:cNvSpPr>
-              <p:nvPr/>
-            </p:nvSpPr>
-            <p:spPr>
-              <a:xfrm>
-                <a:off x="0" y="404664"/>
-                <a:ext cx="9540552" cy="792974"/>
-              </a:xfrm>
-              <a:prstGeom prst="rect">
-                <a:avLst/>
-              </a:prstGeom>
-              <a:blipFill rotWithShape="1">
-                <a:blip r:embed="rId2"/>
-                <a:stretch>
-                  <a:fillRect l="-511" b="-11538"/>
-                </a:stretch>
-              </a:blipFill>
-            </p:spPr>
-            <p:txBody>
-              <a:bodyPr/>
-              <a:lstStyle/>
-              <a:p>
-                <a:r>
-                  <a:rPr lang="fr-FR">
-                    <a:noFill/>
-                  </a:rPr>
-                  <a:t> </a:t>
-                </a:r>
-              </a:p>
-            </p:txBody>
-          </p:sp>
-        </mc:Fallback>
-      </mc:AlternateContent>
-      <p:pic>
-        <p:nvPicPr>
-          <p:cNvPr id="8194" name="Picture 2" descr="C:\Enseignement\GitHub\Cy_01_PSI_ModelisationLinNonLin\QCM\Q11_A.png"/>
-          <p:cNvPicPr>
-            <a:picLocks noChangeAspect="1" noChangeArrowheads="1"/>
-          </p:cNvPicPr>
-          <p:nvPr/>
-        </p:nvPicPr>
-        <p:blipFill>
-          <a:blip r:embed="rId3">
-            <a:extLst>
-              <a:ext uri="{28A0092B-C50C-407E-A947-70E740481C1C}">
-                <a14:useLocalDpi xmlns:a14="http://schemas.microsoft.com/office/drawing/2010/main" val="0"/>
-              </a:ext>
-            </a:extLst>
-          </a:blip>
-          <a:srcRect/>
-          <a:stretch>
-            <a:fillRect/>
-          </a:stretch>
-        </p:blipFill>
-        <p:spPr bwMode="auto">
-          <a:xfrm>
-            <a:off x="251520" y="1555530"/>
-            <a:ext cx="3971925" cy="2676525"/>
-          </a:xfrm>
-          <a:prstGeom prst="rect">
-            <a:avLst/>
-          </a:prstGeom>
-          <a:noFill/>
-          <a:extLst>
-            <a:ext uri="{909E8E84-426E-40DD-AFC4-6F175D3DCCD1}">
-              <a14:hiddenFill xmlns:a14="http://schemas.microsoft.com/office/drawing/2010/main">
-                <a:solidFill>
-                  <a:srgbClr val="FFFFFF"/>
-                </a:solidFill>
-              </a14:hiddenFill>
-            </a:ext>
-          </a:extLst>
-        </p:spPr>
-      </p:pic>
-      <p:pic>
-        <p:nvPicPr>
-          <p:cNvPr id="8195" name="Picture 3" descr="C:\Enseignement\GitHub\Cy_01_PSI_ModelisationLinNonLin\QCM\Q11_B.png"/>
-          <p:cNvPicPr>
-            <a:picLocks noChangeAspect="1" noChangeArrowheads="1"/>
-          </p:cNvPicPr>
-          <p:nvPr/>
-        </p:nvPicPr>
-        <p:blipFill>
-          <a:blip r:embed="rId4">
-            <a:extLst>
-              <a:ext uri="{28A0092B-C50C-407E-A947-70E740481C1C}">
-                <a14:useLocalDpi xmlns:a14="http://schemas.microsoft.com/office/drawing/2010/main" val="0"/>
-              </a:ext>
-            </a:extLst>
-          </a:blip>
-          <a:srcRect/>
-          <a:stretch>
-            <a:fillRect/>
-          </a:stretch>
-        </p:blipFill>
-        <p:spPr bwMode="auto">
-          <a:xfrm>
-            <a:off x="4996564" y="1555530"/>
-            <a:ext cx="3971925" cy="2676525"/>
-          </a:xfrm>
-          <a:prstGeom prst="rect">
-            <a:avLst/>
-          </a:prstGeom>
-          <a:noFill/>
-          <a:extLst>
-            <a:ext uri="{909E8E84-426E-40DD-AFC4-6F175D3DCCD1}">
-              <a14:hiddenFill xmlns:a14="http://schemas.microsoft.com/office/drawing/2010/main">
-                <a:solidFill>
-                  <a:srgbClr val="FFFFFF"/>
-                </a:solidFill>
-              </a14:hiddenFill>
-            </a:ext>
-          </a:extLst>
-        </p:spPr>
-      </p:pic>
-      <p:pic>
-        <p:nvPicPr>
-          <p:cNvPr id="8196" name="Picture 4" descr="C:\Enseignement\GitHub\Cy_01_PSI_ModelisationLinNonLin\QCM\Q11_C.png"/>
-          <p:cNvPicPr>
-            <a:picLocks noChangeAspect="1" noChangeArrowheads="1"/>
-          </p:cNvPicPr>
-          <p:nvPr/>
-        </p:nvPicPr>
-        <p:blipFill>
-          <a:blip r:embed="rId5">
-            <a:extLst>
-              <a:ext uri="{28A0092B-C50C-407E-A947-70E740481C1C}">
-                <a14:useLocalDpi xmlns:a14="http://schemas.microsoft.com/office/drawing/2010/main" val="0"/>
-              </a:ext>
-            </a:extLst>
-          </a:blip>
-          <a:srcRect/>
-          <a:stretch>
-            <a:fillRect/>
-          </a:stretch>
-        </p:blipFill>
-        <p:spPr bwMode="auto">
-          <a:xfrm>
-            <a:off x="0" y="4181475"/>
-            <a:ext cx="3971925" cy="2676525"/>
-          </a:xfrm>
-          <a:prstGeom prst="rect">
-            <a:avLst/>
-          </a:prstGeom>
-          <a:noFill/>
-          <a:extLst>
-            <a:ext uri="{909E8E84-426E-40DD-AFC4-6F175D3DCCD1}">
-              <a14:hiddenFill xmlns:a14="http://schemas.microsoft.com/office/drawing/2010/main">
-                <a:solidFill>
-                  <a:srgbClr val="FFFFFF"/>
-                </a:solidFill>
-              </a14:hiddenFill>
-            </a:ext>
-          </a:extLst>
-        </p:spPr>
-      </p:pic>
-      <p:pic>
-        <p:nvPicPr>
-          <p:cNvPr id="8197" name="Picture 5" descr="C:\Enseignement\GitHub\Cy_01_PSI_ModelisationLinNonLin\QCM\Q11_D.png"/>
-          <p:cNvPicPr>
-            <a:picLocks noChangeAspect="1" noChangeArrowheads="1"/>
-          </p:cNvPicPr>
-          <p:nvPr/>
-        </p:nvPicPr>
-        <p:blipFill>
-          <a:blip r:embed="rId6">
-            <a:extLst>
-              <a:ext uri="{28A0092B-C50C-407E-A947-70E740481C1C}">
-                <a14:useLocalDpi xmlns:a14="http://schemas.microsoft.com/office/drawing/2010/main" val="0"/>
-              </a:ext>
-            </a:extLst>
-          </a:blip>
-          <a:srcRect/>
-          <a:stretch>
-            <a:fillRect/>
-          </a:stretch>
-        </p:blipFill>
-        <p:spPr bwMode="auto">
-          <a:xfrm>
-            <a:off x="5172075" y="4137584"/>
-            <a:ext cx="3971925" cy="2676525"/>
-          </a:xfrm>
-          <a:prstGeom prst="rect">
-            <a:avLst/>
-          </a:prstGeom>
-          <a:noFill/>
-          <a:extLst>
-            <a:ext uri="{909E8E84-426E-40DD-AFC4-6F175D3DCCD1}">
-              <a14:hiddenFill xmlns:a14="http://schemas.microsoft.com/office/drawing/2010/main">
-                <a:solidFill>
-                  <a:srgbClr val="FFFFFF"/>
-                </a:solidFill>
-              </a14:hiddenFill>
-            </a:ext>
-          </a:extLst>
-        </p:spPr>
-      </p:pic>
-      <p:sp>
-        <p:nvSpPr>
-          <p:cNvPr id="8" name="Ellipse 7"/>
-          <p:cNvSpPr/>
-          <p:nvPr/>
-        </p:nvSpPr>
-        <p:spPr>
-          <a:xfrm>
-            <a:off x="3496526" y="2987660"/>
-            <a:ext cx="441340" cy="441340"/>
-          </a:xfrm>
-          <a:prstGeom prst="ellipse">
-            <a:avLst/>
-          </a:prstGeom>
-          <a:solidFill>
-            <a:schemeClr val="bg1"/>
-          </a:solidFill>
-          <a:ln w="28575">
-            <a:solidFill>
-              <a:srgbClr val="FF0000"/>
-            </a:solidFill>
-          </a:ln>
-        </p:spPr>
-        <p:style>
-          <a:lnRef idx="2">
-            <a:schemeClr val="accent1">
-              <a:shade val="50000"/>
-            </a:schemeClr>
-          </a:lnRef>
-          <a:fillRef idx="1">
-            <a:schemeClr val="accent1"/>
-          </a:fillRef>
-          <a:effectRef idx="0">
-            <a:schemeClr val="accent1"/>
-          </a:effectRef>
-          <a:fontRef idx="minor">
-            <a:schemeClr val="lt1"/>
-          </a:fontRef>
-        </p:style>
-        <p:txBody>
-          <a:bodyPr rtlCol="0" anchor="ctr"/>
-          <a:lstStyle/>
-          <a:p>
-            <a:pPr algn="ctr"/>
-            <a:r>
-              <a:rPr lang="fr-FR" b="1" dirty="0" smtClean="0">
-                <a:solidFill>
-                  <a:srgbClr val="FF0000"/>
-                </a:solidFill>
-              </a:rPr>
-              <a:t>A</a:t>
-            </a:r>
-            <a:endParaRPr lang="fr-FR" b="1" dirty="0">
-              <a:solidFill>
-                <a:srgbClr val="FF0000"/>
-              </a:solidFill>
-            </a:endParaRPr>
-          </a:p>
-        </p:txBody>
-      </p:sp>
-      <p:sp>
-        <p:nvSpPr>
-          <p:cNvPr id="9" name="Ellipse 8"/>
-          <p:cNvSpPr/>
-          <p:nvPr/>
-        </p:nvSpPr>
-        <p:spPr>
-          <a:xfrm>
-            <a:off x="8299547" y="3208330"/>
-            <a:ext cx="441340" cy="441340"/>
-          </a:xfrm>
-          <a:prstGeom prst="ellipse">
-            <a:avLst/>
-          </a:prstGeom>
-          <a:solidFill>
-            <a:schemeClr val="bg1"/>
-          </a:solidFill>
-          <a:ln w="28575">
-            <a:solidFill>
-              <a:srgbClr val="FF0000"/>
-            </a:solidFill>
-          </a:ln>
-        </p:spPr>
-        <p:style>
-          <a:lnRef idx="2">
-            <a:schemeClr val="accent1">
-              <a:shade val="50000"/>
-            </a:schemeClr>
-          </a:lnRef>
-          <a:fillRef idx="1">
-            <a:schemeClr val="accent1"/>
-          </a:fillRef>
-          <a:effectRef idx="0">
-            <a:schemeClr val="accent1"/>
-          </a:effectRef>
-          <a:fontRef idx="minor">
-            <a:schemeClr val="lt1"/>
-          </a:fontRef>
-        </p:style>
-        <p:txBody>
-          <a:bodyPr rtlCol="0" anchor="ctr"/>
-          <a:lstStyle/>
-          <a:p>
-            <a:pPr algn="ctr"/>
-            <a:r>
-              <a:rPr lang="fr-FR" b="1" dirty="0" smtClean="0">
-                <a:solidFill>
-                  <a:srgbClr val="FF0000"/>
-                </a:solidFill>
-              </a:rPr>
-              <a:t>B</a:t>
-            </a:r>
-            <a:endParaRPr lang="fr-FR" b="1" dirty="0">
-              <a:solidFill>
-                <a:srgbClr val="FF0000"/>
-              </a:solidFill>
-            </a:endParaRPr>
-          </a:p>
-        </p:txBody>
-      </p:sp>
-      <p:sp>
-        <p:nvSpPr>
-          <p:cNvPr id="10" name="Ellipse 9"/>
-          <p:cNvSpPr/>
-          <p:nvPr/>
-        </p:nvSpPr>
-        <p:spPr>
-          <a:xfrm>
-            <a:off x="3275856" y="4902905"/>
-            <a:ext cx="441340" cy="441340"/>
-          </a:xfrm>
-          <a:prstGeom prst="ellipse">
-            <a:avLst/>
-          </a:prstGeom>
-          <a:solidFill>
-            <a:schemeClr val="bg1"/>
-          </a:solidFill>
-          <a:ln w="28575">
-            <a:solidFill>
-              <a:srgbClr val="FF0000"/>
-            </a:solidFill>
-          </a:ln>
-        </p:spPr>
-        <p:style>
-          <a:lnRef idx="2">
-            <a:schemeClr val="accent1">
-              <a:shade val="50000"/>
-            </a:schemeClr>
-          </a:lnRef>
-          <a:fillRef idx="1">
-            <a:schemeClr val="accent1"/>
-          </a:fillRef>
-          <a:effectRef idx="0">
-            <a:schemeClr val="accent1"/>
-          </a:effectRef>
-          <a:fontRef idx="minor">
-            <a:schemeClr val="lt1"/>
-          </a:fontRef>
-        </p:style>
-        <p:txBody>
-          <a:bodyPr rtlCol="0" anchor="ctr"/>
-          <a:lstStyle/>
-          <a:p>
-            <a:pPr algn="ctr"/>
-            <a:r>
-              <a:rPr lang="fr-FR" b="1" dirty="0">
-                <a:solidFill>
-                  <a:srgbClr val="FF0000"/>
-                </a:solidFill>
-              </a:rPr>
-              <a:t>C</a:t>
-            </a:r>
-          </a:p>
-        </p:txBody>
-      </p:sp>
-      <p:sp>
-        <p:nvSpPr>
-          <p:cNvPr id="11" name="Ellipse 10"/>
-          <p:cNvSpPr/>
-          <p:nvPr/>
-        </p:nvSpPr>
-        <p:spPr>
-          <a:xfrm>
-            <a:off x="8520217" y="5949280"/>
-            <a:ext cx="441340" cy="441340"/>
-          </a:xfrm>
-          <a:prstGeom prst="ellipse">
-            <a:avLst/>
-          </a:prstGeom>
-          <a:solidFill>
-            <a:schemeClr val="bg1"/>
-          </a:solidFill>
-          <a:ln w="28575">
-            <a:solidFill>
-              <a:srgbClr val="FF0000"/>
-            </a:solidFill>
-          </a:ln>
-        </p:spPr>
-        <p:style>
-          <a:lnRef idx="2">
-            <a:schemeClr val="accent1">
-              <a:shade val="50000"/>
-            </a:schemeClr>
-          </a:lnRef>
-          <a:fillRef idx="1">
-            <a:schemeClr val="accent1"/>
-          </a:fillRef>
-          <a:effectRef idx="0">
-            <a:schemeClr val="accent1"/>
-          </a:effectRef>
-          <a:fontRef idx="minor">
-            <a:schemeClr val="lt1"/>
-          </a:fontRef>
-        </p:style>
-        <p:txBody>
-          <a:bodyPr rtlCol="0" anchor="ctr"/>
-          <a:lstStyle/>
-          <a:p>
-            <a:pPr algn="ctr"/>
-            <a:r>
-              <a:rPr lang="fr-FR" b="1" dirty="0" smtClean="0">
-                <a:solidFill>
-                  <a:srgbClr val="FF0000"/>
-                </a:solidFill>
-              </a:rPr>
-              <a:t>D</a:t>
-            </a:r>
-            <a:endParaRPr lang="fr-FR" b="1" dirty="0">
-              <a:solidFill>
-                <a:srgbClr val="FF0000"/>
-              </a:solidFill>
-            </a:endParaRPr>
           </a:p>
         </p:txBody>
       </p:sp>
@@ -12837,6 +12797,613 @@
           <a:chExt cx="0" cy="0"/>
         </a:xfrm>
       </p:grpSpPr>
+      <mc:AlternateContent xmlns:mc="http://schemas.openxmlformats.org/markup-compatibility/2006" xmlns:a14="http://schemas.microsoft.com/office/drawing/2010/main">
+        <mc:Choice Requires="a14">
+          <p:sp>
+            <p:nvSpPr>
+              <p:cNvPr id="2" name="Rectangle 1"/>
+              <p:cNvSpPr/>
+              <p:nvPr/>
+            </p:nvSpPr>
+            <p:spPr>
+              <a:xfrm>
+                <a:off x="0" y="404664"/>
+                <a:ext cx="9540552" cy="792974"/>
+              </a:xfrm>
+              <a:prstGeom prst="rect">
+                <a:avLst/>
+              </a:prstGeom>
+            </p:spPr>
+            <p:txBody>
+              <a:bodyPr wrap="square">
+                <a:spAutoFit/>
+              </a:bodyPr>
+              <a:lstStyle/>
+              <a:p>
+                <a:r>
+                  <a:rPr lang="fr-FR" dirty="0" smtClean="0"/>
+                  <a:t>Soit la fonction transfert suivante :</a:t>
+                </a:r>
+                <a14:m>
+                  <m:oMath xmlns:m="http://schemas.openxmlformats.org/officeDocument/2006/math">
+                    <m:r>
+                      <a:rPr lang="fr-FR" b="0" i="1" smtClean="0">
+                        <a:latin typeface="Cambria Math"/>
+                      </a:rPr>
+                      <m:t>𝐻</m:t>
+                    </m:r>
+                    <m:d>
+                      <m:dPr>
+                        <m:ctrlPr>
+                          <a:rPr lang="fr-FR" b="0" i="1" smtClean="0">
+                            <a:latin typeface="Cambria Math"/>
+                          </a:rPr>
+                        </m:ctrlPr>
+                      </m:dPr>
+                      <m:e>
+                        <m:r>
+                          <a:rPr lang="fr-FR" b="0" i="1" smtClean="0">
+                            <a:latin typeface="Cambria Math"/>
+                          </a:rPr>
+                          <m:t>𝑝</m:t>
+                        </m:r>
+                      </m:e>
+                    </m:d>
+                    <m:r>
+                      <a:rPr lang="fr-FR" b="0" i="1" smtClean="0">
+                        <a:latin typeface="Cambria Math"/>
+                      </a:rPr>
+                      <m:t>=</m:t>
+                    </m:r>
+                    <m:f>
+                      <m:fPr>
+                        <m:ctrlPr>
+                          <a:rPr lang="fr-FR" b="0" i="1" smtClean="0">
+                            <a:latin typeface="Cambria Math"/>
+                          </a:rPr>
+                        </m:ctrlPr>
+                      </m:fPr>
+                      <m:num>
+                        <m:r>
+                          <a:rPr lang="fr-FR" b="0" i="1" smtClean="0">
+                            <a:latin typeface="Cambria Math"/>
+                          </a:rPr>
+                          <m:t>400</m:t>
+                        </m:r>
+                      </m:num>
+                      <m:den>
+                        <m:sSup>
+                          <m:sSupPr>
+                            <m:ctrlPr>
+                              <a:rPr lang="fr-FR" b="0" i="1" smtClean="0">
+                                <a:latin typeface="Cambria Math"/>
+                              </a:rPr>
+                            </m:ctrlPr>
+                          </m:sSupPr>
+                          <m:e>
+                            <m:r>
+                              <a:rPr lang="fr-FR" b="0" i="1" smtClean="0">
+                                <a:latin typeface="Cambria Math"/>
+                              </a:rPr>
+                              <m:t>𝑝</m:t>
+                            </m:r>
+                          </m:e>
+                          <m:sup>
+                            <m:r>
+                              <a:rPr lang="fr-FR" b="0" i="1" smtClean="0">
+                                <a:latin typeface="Cambria Math"/>
+                              </a:rPr>
+                              <m:t>2</m:t>
+                            </m:r>
+                          </m:sup>
+                        </m:sSup>
+                        <m:r>
+                          <a:rPr lang="fr-FR" b="0" i="1" smtClean="0">
+                            <a:latin typeface="Cambria Math"/>
+                          </a:rPr>
+                          <m:t>+30</m:t>
+                        </m:r>
+                        <m:r>
+                          <a:rPr lang="fr-FR" b="0" i="1" smtClean="0">
+                            <a:latin typeface="Cambria Math"/>
+                          </a:rPr>
+                          <m:t>𝑝</m:t>
+                        </m:r>
+                        <m:r>
+                          <a:rPr lang="fr-FR" b="0" i="1" smtClean="0">
+                            <a:latin typeface="Cambria Math"/>
+                          </a:rPr>
+                          <m:t>+300</m:t>
+                        </m:r>
+                      </m:den>
+                    </m:f>
+                  </m:oMath>
+                </a14:m>
+                <a:r>
+                  <a:rPr lang="fr-FR" dirty="0" smtClean="0"/>
+                  <a:t>. On </a:t>
+                </a:r>
+                <a:r>
+                  <a:rPr lang="fr-FR" dirty="0"/>
+                  <a:t>sollicite ce système par un échelon </a:t>
+                </a:r>
+                <a:r>
+                  <a:rPr lang="fr-FR" dirty="0" smtClean="0"/>
+                  <a:t>unitaire.</a:t>
+                </a:r>
+                <a:endParaRPr lang="fr-FR" dirty="0"/>
+              </a:p>
+            </p:txBody>
+          </p:sp>
+        </mc:Choice>
+        <mc:Fallback xmlns="">
+          <p:sp>
+            <p:nvSpPr>
+              <p:cNvPr id="2" name="Rectangle 1"/>
+              <p:cNvSpPr>
+                <a:spLocks noRot="1" noChangeAspect="1" noMove="1" noResize="1" noEditPoints="1" noAdjustHandles="1" noChangeArrowheads="1" noChangeShapeType="1" noTextEdit="1"/>
+              </p:cNvSpPr>
+              <p:nvPr/>
+            </p:nvSpPr>
+            <p:spPr>
+              <a:xfrm>
+                <a:off x="0" y="404664"/>
+                <a:ext cx="9540552" cy="792974"/>
+              </a:xfrm>
+              <a:prstGeom prst="rect">
+                <a:avLst/>
+              </a:prstGeom>
+              <a:blipFill rotWithShape="1">
+                <a:blip r:embed="rId2"/>
+                <a:stretch>
+                  <a:fillRect l="-511" b="-11538"/>
+                </a:stretch>
+              </a:blipFill>
+            </p:spPr>
+            <p:txBody>
+              <a:bodyPr/>
+              <a:lstStyle/>
+              <a:p>
+                <a:r>
+                  <a:rPr lang="fr-FR">
+                    <a:noFill/>
+                  </a:rPr>
+                  <a:t> </a:t>
+                </a:r>
+              </a:p>
+            </p:txBody>
+          </p:sp>
+        </mc:Fallback>
+      </mc:AlternateContent>
+      <p:pic>
+        <p:nvPicPr>
+          <p:cNvPr id="8194" name="Picture 2" descr="C:\Enseignement\GitHub\Cy_01_PSI_ModelisationLinNonLin\QCM\Q11_A.png"/>
+          <p:cNvPicPr>
+            <a:picLocks noChangeAspect="1" noChangeArrowheads="1"/>
+          </p:cNvPicPr>
+          <p:nvPr/>
+        </p:nvPicPr>
+        <p:blipFill>
+          <a:blip r:embed="rId3">
+            <a:extLst>
+              <a:ext uri="{28A0092B-C50C-407E-A947-70E740481C1C}">
+                <a14:useLocalDpi xmlns:a14="http://schemas.microsoft.com/office/drawing/2010/main" val="0"/>
+              </a:ext>
+            </a:extLst>
+          </a:blip>
+          <a:srcRect/>
+          <a:stretch>
+            <a:fillRect/>
+          </a:stretch>
+        </p:blipFill>
+        <p:spPr bwMode="auto">
+          <a:xfrm>
+            <a:off x="251520" y="1555530"/>
+            <a:ext cx="3971925" cy="2676525"/>
+          </a:xfrm>
+          <a:prstGeom prst="rect">
+            <a:avLst/>
+          </a:prstGeom>
+          <a:noFill/>
+          <a:extLst>
+            <a:ext uri="{909E8E84-426E-40DD-AFC4-6F175D3DCCD1}">
+              <a14:hiddenFill xmlns:a14="http://schemas.microsoft.com/office/drawing/2010/main">
+                <a:solidFill>
+                  <a:srgbClr val="FFFFFF"/>
+                </a:solidFill>
+              </a14:hiddenFill>
+            </a:ext>
+          </a:extLst>
+        </p:spPr>
+      </p:pic>
+      <p:pic>
+        <p:nvPicPr>
+          <p:cNvPr id="8195" name="Picture 3" descr="C:\Enseignement\GitHub\Cy_01_PSI_ModelisationLinNonLin\QCM\Q11_B.png"/>
+          <p:cNvPicPr>
+            <a:picLocks noChangeAspect="1" noChangeArrowheads="1"/>
+          </p:cNvPicPr>
+          <p:nvPr/>
+        </p:nvPicPr>
+        <p:blipFill>
+          <a:blip r:embed="rId4">
+            <a:extLst>
+              <a:ext uri="{28A0092B-C50C-407E-A947-70E740481C1C}">
+                <a14:useLocalDpi xmlns:a14="http://schemas.microsoft.com/office/drawing/2010/main" val="0"/>
+              </a:ext>
+            </a:extLst>
+          </a:blip>
+          <a:srcRect/>
+          <a:stretch>
+            <a:fillRect/>
+          </a:stretch>
+        </p:blipFill>
+        <p:spPr bwMode="auto">
+          <a:xfrm>
+            <a:off x="4996564" y="1555530"/>
+            <a:ext cx="3971925" cy="2676525"/>
+          </a:xfrm>
+          <a:prstGeom prst="rect">
+            <a:avLst/>
+          </a:prstGeom>
+          <a:noFill/>
+          <a:extLst>
+            <a:ext uri="{909E8E84-426E-40DD-AFC4-6F175D3DCCD1}">
+              <a14:hiddenFill xmlns:a14="http://schemas.microsoft.com/office/drawing/2010/main">
+                <a:solidFill>
+                  <a:srgbClr val="FFFFFF"/>
+                </a:solidFill>
+              </a14:hiddenFill>
+            </a:ext>
+          </a:extLst>
+        </p:spPr>
+      </p:pic>
+      <p:pic>
+        <p:nvPicPr>
+          <p:cNvPr id="8196" name="Picture 4" descr="C:\Enseignement\GitHub\Cy_01_PSI_ModelisationLinNonLin\QCM\Q11_C.png"/>
+          <p:cNvPicPr>
+            <a:picLocks noChangeAspect="1" noChangeArrowheads="1"/>
+          </p:cNvPicPr>
+          <p:nvPr/>
+        </p:nvPicPr>
+        <p:blipFill>
+          <a:blip r:embed="rId5">
+            <a:extLst>
+              <a:ext uri="{28A0092B-C50C-407E-A947-70E740481C1C}">
+                <a14:useLocalDpi xmlns:a14="http://schemas.microsoft.com/office/drawing/2010/main" val="0"/>
+              </a:ext>
+            </a:extLst>
+          </a:blip>
+          <a:srcRect/>
+          <a:stretch>
+            <a:fillRect/>
+          </a:stretch>
+        </p:blipFill>
+        <p:spPr bwMode="auto">
+          <a:xfrm>
+            <a:off x="0" y="4181475"/>
+            <a:ext cx="3971925" cy="2676525"/>
+          </a:xfrm>
+          <a:prstGeom prst="rect">
+            <a:avLst/>
+          </a:prstGeom>
+          <a:noFill/>
+          <a:extLst>
+            <a:ext uri="{909E8E84-426E-40DD-AFC4-6F175D3DCCD1}">
+              <a14:hiddenFill xmlns:a14="http://schemas.microsoft.com/office/drawing/2010/main">
+                <a:solidFill>
+                  <a:srgbClr val="FFFFFF"/>
+                </a:solidFill>
+              </a14:hiddenFill>
+            </a:ext>
+          </a:extLst>
+        </p:spPr>
+      </p:pic>
+      <p:pic>
+        <p:nvPicPr>
+          <p:cNvPr id="8197" name="Picture 5" descr="C:\Enseignement\GitHub\Cy_01_PSI_ModelisationLinNonLin\QCM\Q11_D.png"/>
+          <p:cNvPicPr>
+            <a:picLocks noChangeAspect="1" noChangeArrowheads="1"/>
+          </p:cNvPicPr>
+          <p:nvPr/>
+        </p:nvPicPr>
+        <p:blipFill>
+          <a:blip r:embed="rId6">
+            <a:extLst>
+              <a:ext uri="{28A0092B-C50C-407E-A947-70E740481C1C}">
+                <a14:useLocalDpi xmlns:a14="http://schemas.microsoft.com/office/drawing/2010/main" val="0"/>
+              </a:ext>
+            </a:extLst>
+          </a:blip>
+          <a:srcRect/>
+          <a:stretch>
+            <a:fillRect/>
+          </a:stretch>
+        </p:blipFill>
+        <p:spPr bwMode="auto">
+          <a:xfrm>
+            <a:off x="5172075" y="4137584"/>
+            <a:ext cx="3971925" cy="2676525"/>
+          </a:xfrm>
+          <a:prstGeom prst="rect">
+            <a:avLst/>
+          </a:prstGeom>
+          <a:noFill/>
+          <a:extLst>
+            <a:ext uri="{909E8E84-426E-40DD-AFC4-6F175D3DCCD1}">
+              <a14:hiddenFill xmlns:a14="http://schemas.microsoft.com/office/drawing/2010/main">
+                <a:solidFill>
+                  <a:srgbClr val="FFFFFF"/>
+                </a:solidFill>
+              </a14:hiddenFill>
+            </a:ext>
+          </a:extLst>
+        </p:spPr>
+      </p:pic>
+      <p:sp>
+        <p:nvSpPr>
+          <p:cNvPr id="8" name="Ellipse 7"/>
+          <p:cNvSpPr/>
+          <p:nvPr/>
+        </p:nvSpPr>
+        <p:spPr>
+          <a:xfrm>
+            <a:off x="3496526" y="2987660"/>
+            <a:ext cx="441340" cy="441340"/>
+          </a:xfrm>
+          <a:prstGeom prst="ellipse">
+            <a:avLst/>
+          </a:prstGeom>
+          <a:solidFill>
+            <a:schemeClr val="bg1"/>
+          </a:solidFill>
+          <a:ln w="28575">
+            <a:solidFill>
+              <a:srgbClr val="FF0000"/>
+            </a:solidFill>
+          </a:ln>
+        </p:spPr>
+        <p:style>
+          <a:lnRef idx="2">
+            <a:schemeClr val="accent1">
+              <a:shade val="50000"/>
+            </a:schemeClr>
+          </a:lnRef>
+          <a:fillRef idx="1">
+            <a:schemeClr val="accent1"/>
+          </a:fillRef>
+          <a:effectRef idx="0">
+            <a:schemeClr val="accent1"/>
+          </a:effectRef>
+          <a:fontRef idx="minor">
+            <a:schemeClr val="lt1"/>
+          </a:fontRef>
+        </p:style>
+        <p:txBody>
+          <a:bodyPr rtlCol="0" anchor="ctr"/>
+          <a:lstStyle/>
+          <a:p>
+            <a:pPr algn="ctr"/>
+            <a:r>
+              <a:rPr lang="fr-FR" b="1" dirty="0" smtClean="0">
+                <a:solidFill>
+                  <a:srgbClr val="FF0000"/>
+                </a:solidFill>
+              </a:rPr>
+              <a:t>A</a:t>
+            </a:r>
+            <a:endParaRPr lang="fr-FR" b="1" dirty="0">
+              <a:solidFill>
+                <a:srgbClr val="FF0000"/>
+              </a:solidFill>
+            </a:endParaRPr>
+          </a:p>
+        </p:txBody>
+      </p:sp>
+      <p:sp>
+        <p:nvSpPr>
+          <p:cNvPr id="9" name="Ellipse 8"/>
+          <p:cNvSpPr/>
+          <p:nvPr/>
+        </p:nvSpPr>
+        <p:spPr>
+          <a:xfrm>
+            <a:off x="8299547" y="3208330"/>
+            <a:ext cx="441340" cy="441340"/>
+          </a:xfrm>
+          <a:prstGeom prst="ellipse">
+            <a:avLst/>
+          </a:prstGeom>
+          <a:solidFill>
+            <a:schemeClr val="bg1"/>
+          </a:solidFill>
+          <a:ln w="28575">
+            <a:solidFill>
+              <a:srgbClr val="FF0000"/>
+            </a:solidFill>
+          </a:ln>
+        </p:spPr>
+        <p:style>
+          <a:lnRef idx="2">
+            <a:schemeClr val="accent1">
+              <a:shade val="50000"/>
+            </a:schemeClr>
+          </a:lnRef>
+          <a:fillRef idx="1">
+            <a:schemeClr val="accent1"/>
+          </a:fillRef>
+          <a:effectRef idx="0">
+            <a:schemeClr val="accent1"/>
+          </a:effectRef>
+          <a:fontRef idx="minor">
+            <a:schemeClr val="lt1"/>
+          </a:fontRef>
+        </p:style>
+        <p:txBody>
+          <a:bodyPr rtlCol="0" anchor="ctr"/>
+          <a:lstStyle/>
+          <a:p>
+            <a:pPr algn="ctr"/>
+            <a:r>
+              <a:rPr lang="fr-FR" b="1" dirty="0" smtClean="0">
+                <a:solidFill>
+                  <a:srgbClr val="FF0000"/>
+                </a:solidFill>
+              </a:rPr>
+              <a:t>B</a:t>
+            </a:r>
+            <a:endParaRPr lang="fr-FR" b="1" dirty="0">
+              <a:solidFill>
+                <a:srgbClr val="FF0000"/>
+              </a:solidFill>
+            </a:endParaRPr>
+          </a:p>
+        </p:txBody>
+      </p:sp>
+      <p:sp>
+        <p:nvSpPr>
+          <p:cNvPr id="10" name="Ellipse 9"/>
+          <p:cNvSpPr/>
+          <p:nvPr/>
+        </p:nvSpPr>
+        <p:spPr>
+          <a:xfrm>
+            <a:off x="3275856" y="4902905"/>
+            <a:ext cx="441340" cy="441340"/>
+          </a:xfrm>
+          <a:prstGeom prst="ellipse">
+            <a:avLst/>
+          </a:prstGeom>
+          <a:solidFill>
+            <a:schemeClr val="bg1"/>
+          </a:solidFill>
+          <a:ln w="28575">
+            <a:solidFill>
+              <a:srgbClr val="FF0000"/>
+            </a:solidFill>
+          </a:ln>
+        </p:spPr>
+        <p:style>
+          <a:lnRef idx="2">
+            <a:schemeClr val="accent1">
+              <a:shade val="50000"/>
+            </a:schemeClr>
+          </a:lnRef>
+          <a:fillRef idx="1">
+            <a:schemeClr val="accent1"/>
+          </a:fillRef>
+          <a:effectRef idx="0">
+            <a:schemeClr val="accent1"/>
+          </a:effectRef>
+          <a:fontRef idx="minor">
+            <a:schemeClr val="lt1"/>
+          </a:fontRef>
+        </p:style>
+        <p:txBody>
+          <a:bodyPr rtlCol="0" anchor="ctr"/>
+          <a:lstStyle/>
+          <a:p>
+            <a:pPr algn="ctr"/>
+            <a:r>
+              <a:rPr lang="fr-FR" b="1" dirty="0">
+                <a:solidFill>
+                  <a:srgbClr val="FF0000"/>
+                </a:solidFill>
+              </a:rPr>
+              <a:t>C</a:t>
+            </a:r>
+          </a:p>
+        </p:txBody>
+      </p:sp>
+      <p:sp>
+        <p:nvSpPr>
+          <p:cNvPr id="11" name="Ellipse 10"/>
+          <p:cNvSpPr/>
+          <p:nvPr/>
+        </p:nvSpPr>
+        <p:spPr>
+          <a:xfrm>
+            <a:off x="8520217" y="5949280"/>
+            <a:ext cx="441340" cy="441340"/>
+          </a:xfrm>
+          <a:prstGeom prst="ellipse">
+            <a:avLst/>
+          </a:prstGeom>
+          <a:solidFill>
+            <a:schemeClr val="bg1"/>
+          </a:solidFill>
+          <a:ln w="28575">
+            <a:solidFill>
+              <a:srgbClr val="FF0000"/>
+            </a:solidFill>
+          </a:ln>
+        </p:spPr>
+        <p:style>
+          <a:lnRef idx="2">
+            <a:schemeClr val="accent1">
+              <a:shade val="50000"/>
+            </a:schemeClr>
+          </a:lnRef>
+          <a:fillRef idx="1">
+            <a:schemeClr val="accent1"/>
+          </a:fillRef>
+          <a:effectRef idx="0">
+            <a:schemeClr val="accent1"/>
+          </a:effectRef>
+          <a:fontRef idx="minor">
+            <a:schemeClr val="lt1"/>
+          </a:fontRef>
+        </p:style>
+        <p:txBody>
+          <a:bodyPr rtlCol="0" anchor="ctr"/>
+          <a:lstStyle/>
+          <a:p>
+            <a:pPr algn="ctr"/>
+            <a:r>
+              <a:rPr lang="fr-FR" b="1" dirty="0" smtClean="0">
+                <a:solidFill>
+                  <a:srgbClr val="FF0000"/>
+                </a:solidFill>
+              </a:rPr>
+              <a:t>D</a:t>
+            </a:r>
+            <a:endParaRPr lang="fr-FR" b="1" dirty="0">
+              <a:solidFill>
+                <a:srgbClr val="FF0000"/>
+              </a:solidFill>
+            </a:endParaRPr>
+          </a:p>
+        </p:txBody>
+      </p:sp>
+    </p:spTree>
+    <p:extLst>
+      <p:ext uri="{BB962C8B-B14F-4D97-AF65-F5344CB8AC3E}">
+        <p14:creationId xmlns:p14="http://schemas.microsoft.com/office/powerpoint/2010/main" val="812773147"/>
+      </p:ext>
+    </p:extLst>
+  </p:cSld>
+  <p:clrMapOvr>
+    <a:masterClrMapping/>
+  </p:clrMapOvr>
+</p:sld>
+</file>
+
+<file path=ppt/slides/slide21.xml><?xml version="1.0" encoding="utf-8"?>
+<p:sld xmlns:a="http://schemas.openxmlformats.org/drawingml/2006/main" xmlns:r="http://schemas.openxmlformats.org/officeDocument/2006/relationships" xmlns:p="http://schemas.openxmlformats.org/presentationml/2006/main">
+  <p:cSld>
+    <p:spTree>
+      <p:nvGrpSpPr>
+        <p:cNvPr id="1" name=""/>
+        <p:cNvGrpSpPr/>
+        <p:nvPr/>
+      </p:nvGrpSpPr>
+      <p:grpSpPr>
+        <a:xfrm>
+          <a:off x="0" y="0"/>
+          <a:ext cx="0" cy="0"/>
+          <a:chOff x="0" y="0"/>
+          <a:chExt cx="0" cy="0"/>
+        </a:xfrm>
+      </p:grpSpPr>
     </p:spTree>
     <p:extLst>
       <p:ext uri="{BB962C8B-B14F-4D97-AF65-F5344CB8AC3E}">
@@ -12850,7 +13417,7 @@
 </p:sld>
 </file>
 
-<file path=ppt/slides/slide21.xml><?xml version="1.0" encoding="utf-8"?>
+<file path=ppt/slides/slide22.xml><?xml version="1.0" encoding="utf-8"?>
 <p:sld xmlns:a="http://schemas.openxmlformats.org/drawingml/2006/main" xmlns:r="http://schemas.openxmlformats.org/officeDocument/2006/relationships" xmlns:p="http://schemas.openxmlformats.org/presentationml/2006/main">
   <p:cSld>
     <p:spTree>
@@ -14602,7 +15169,7 @@
 </p:sld>
 </file>
 
-<file path=ppt/slides/slide22.xml><?xml version="1.0" encoding="utf-8"?>
+<file path=ppt/slides/slide23.xml><?xml version="1.0" encoding="utf-8"?>
 <p:sld xmlns:a="http://schemas.openxmlformats.org/drawingml/2006/main" xmlns:r="http://schemas.openxmlformats.org/officeDocument/2006/relationships" xmlns:p="http://schemas.openxmlformats.org/presentationml/2006/main">
   <p:cSld>
     <p:spTree>
@@ -17025,7 +17592,7 @@
 </p:sld>
 </file>
 
-<file path=ppt/slides/slide23.xml><?xml version="1.0" encoding="utf-8"?>
+<file path=ppt/slides/slide24.xml><?xml version="1.0" encoding="utf-8"?>
 <p:sld xmlns:a="http://schemas.openxmlformats.org/drawingml/2006/main" xmlns:r="http://schemas.openxmlformats.org/officeDocument/2006/relationships" xmlns:p="http://schemas.openxmlformats.org/presentationml/2006/main">
   <p:cSld>
     <p:spTree>
@@ -19303,7 +19870,7 @@
 </p:sld>
 </file>
 
-<file path=ppt/slides/slide24.xml><?xml version="1.0" encoding="utf-8"?>
+<file path=ppt/slides/slide25.xml><?xml version="1.0" encoding="utf-8"?>
 <p:sld xmlns:a="http://schemas.openxmlformats.org/drawingml/2006/main" xmlns:r="http://schemas.openxmlformats.org/officeDocument/2006/relationships" xmlns:p="http://schemas.openxmlformats.org/presentationml/2006/main">
   <p:cSld>
     <p:spTree>
@@ -21282,7 +21849,7 @@
 </p:sld>
 </file>
 
-<file path=ppt/slides/slide25.xml><?xml version="1.0" encoding="utf-8"?>
+<file path=ppt/slides/slide26.xml><?xml version="1.0" encoding="utf-8"?>
 <p:sld xmlns:a="http://schemas.openxmlformats.org/drawingml/2006/main" xmlns:r="http://schemas.openxmlformats.org/officeDocument/2006/relationships" xmlns:p="http://schemas.openxmlformats.org/presentationml/2006/main">
   <p:cSld>
     <p:spTree>
@@ -21706,7 +22273,7 @@
 </p:sld>
 </file>
 
-<file path=ppt/slides/slide26.xml><?xml version="1.0" encoding="utf-8"?>
+<file path=ppt/slides/slide27.xml><?xml version="1.0" encoding="utf-8"?>
 <p:sld xmlns:a="http://schemas.openxmlformats.org/drawingml/2006/main" xmlns:r="http://schemas.openxmlformats.org/officeDocument/2006/relationships" xmlns:p="http://schemas.openxmlformats.org/presentationml/2006/main">
   <p:cSld>
     <p:spTree>
@@ -21844,7 +22411,7 @@
 </p:sld>
 </file>
 
-<file path=ppt/slides/slide27.xml><?xml version="1.0" encoding="utf-8"?>
+<file path=ppt/slides/slide28.xml><?xml version="1.0" encoding="utf-8"?>
 <p:sld xmlns:a="http://schemas.openxmlformats.org/drawingml/2006/main" xmlns:r="http://schemas.openxmlformats.org/officeDocument/2006/relationships" xmlns:p="http://schemas.openxmlformats.org/presentationml/2006/main">
   <p:cSld>
     <p:spTree>
@@ -22005,7 +22572,7 @@
 </p:sld>
 </file>
 
-<file path=ppt/slides/slide28.xml><?xml version="1.0" encoding="utf-8"?>
+<file path=ppt/slides/slide29.xml><?xml version="1.0" encoding="utf-8"?>
 <p:sld xmlns:a="http://schemas.openxmlformats.org/drawingml/2006/main" xmlns:r="http://schemas.openxmlformats.org/officeDocument/2006/relationships" xmlns:p="http://schemas.openxmlformats.org/presentationml/2006/main">
   <p:cSld>
     <p:spTree>
@@ -24015,78 +24582,6 @@
 </p:sld>
 </file>
 
-<file path=ppt/slides/slide29.xml><?xml version="1.0" encoding="utf-8"?>
-<p:sld xmlns:a="http://schemas.openxmlformats.org/drawingml/2006/main" xmlns:r="http://schemas.openxmlformats.org/officeDocument/2006/relationships" xmlns:p="http://schemas.openxmlformats.org/presentationml/2006/main">
-  <p:cSld>
-    <p:spTree>
-      <p:nvGrpSpPr>
-        <p:cNvPr id="1" name=""/>
-        <p:cNvGrpSpPr/>
-        <p:nvPr/>
-      </p:nvGrpSpPr>
-      <p:grpSpPr>
-        <a:xfrm>
-          <a:off x="0" y="0"/>
-          <a:ext cx="0" cy="0"/>
-          <a:chOff x="0" y="0"/>
-          <a:chExt cx="0" cy="0"/>
-        </a:xfrm>
-      </p:grpSpPr>
-      <p:sp>
-        <p:nvSpPr>
-          <p:cNvPr id="4" name="Titre 3"/>
-          <p:cNvSpPr>
-            <a:spLocks noGrp="1"/>
-          </p:cNvSpPr>
-          <p:nvPr>
-            <p:ph type="title"/>
-          </p:nvPr>
-        </p:nvSpPr>
-        <p:spPr/>
-        <p:txBody>
-          <a:bodyPr/>
-          <a:lstStyle/>
-          <a:p>
-            <a:r>
-              <a:rPr lang="fr-FR" dirty="0" smtClean="0"/>
-              <a:t>Moteurs à courant continu</a:t>
-            </a:r>
-            <a:endParaRPr lang="fr-FR" dirty="0"/>
-          </a:p>
-        </p:txBody>
-      </p:sp>
-      <p:sp>
-        <p:nvSpPr>
-          <p:cNvPr id="5" name="Espace réservé du texte 4"/>
-          <p:cNvSpPr>
-            <a:spLocks noGrp="1"/>
-          </p:cNvSpPr>
-          <p:nvPr>
-            <p:ph type="body" idx="1"/>
-          </p:nvPr>
-        </p:nvSpPr>
-        <p:spPr/>
-        <p:txBody>
-          <a:bodyPr/>
-          <a:lstStyle/>
-          <a:p>
-            <a:endParaRPr lang="fr-FR"/>
-          </a:p>
-        </p:txBody>
-      </p:sp>
-    </p:spTree>
-    <p:extLst>
-      <p:ext uri="{BB962C8B-B14F-4D97-AF65-F5344CB8AC3E}">
-        <p14:creationId xmlns:p14="http://schemas.microsoft.com/office/powerpoint/2010/main" val="3658839852"/>
-      </p:ext>
-    </p:extLst>
-  </p:cSld>
-  <p:clrMapOvr>
-    <a:masterClrMapping/>
-  </p:clrMapOvr>
-</p:sld>
-</file>
-
 <file path=ppt/slides/slide3.xml><?xml version="1.0" encoding="utf-8"?>
 <p:sld xmlns:a="http://schemas.openxmlformats.org/drawingml/2006/main" xmlns:r="http://schemas.openxmlformats.org/officeDocument/2006/relationships" xmlns:p="http://schemas.openxmlformats.org/presentationml/2006/main">
   <p:cSld>
@@ -24160,6 +24655,78 @@
 </file>
 
 <file path=ppt/slides/slide30.xml><?xml version="1.0" encoding="utf-8"?>
+<p:sld xmlns:a="http://schemas.openxmlformats.org/drawingml/2006/main" xmlns:r="http://schemas.openxmlformats.org/officeDocument/2006/relationships" xmlns:p="http://schemas.openxmlformats.org/presentationml/2006/main">
+  <p:cSld>
+    <p:spTree>
+      <p:nvGrpSpPr>
+        <p:cNvPr id="1" name=""/>
+        <p:cNvGrpSpPr/>
+        <p:nvPr/>
+      </p:nvGrpSpPr>
+      <p:grpSpPr>
+        <a:xfrm>
+          <a:off x="0" y="0"/>
+          <a:ext cx="0" cy="0"/>
+          <a:chOff x="0" y="0"/>
+          <a:chExt cx="0" cy="0"/>
+        </a:xfrm>
+      </p:grpSpPr>
+      <p:sp>
+        <p:nvSpPr>
+          <p:cNvPr id="4" name="Titre 3"/>
+          <p:cNvSpPr>
+            <a:spLocks noGrp="1"/>
+          </p:cNvSpPr>
+          <p:nvPr>
+            <p:ph type="title"/>
+          </p:nvPr>
+        </p:nvSpPr>
+        <p:spPr/>
+        <p:txBody>
+          <a:bodyPr/>
+          <a:lstStyle/>
+          <a:p>
+            <a:r>
+              <a:rPr lang="fr-FR" dirty="0" smtClean="0"/>
+              <a:t>Moteurs à courant continu</a:t>
+            </a:r>
+            <a:endParaRPr lang="fr-FR" dirty="0"/>
+          </a:p>
+        </p:txBody>
+      </p:sp>
+      <p:sp>
+        <p:nvSpPr>
+          <p:cNvPr id="5" name="Espace réservé du texte 4"/>
+          <p:cNvSpPr>
+            <a:spLocks noGrp="1"/>
+          </p:cNvSpPr>
+          <p:nvPr>
+            <p:ph type="body" idx="1"/>
+          </p:nvPr>
+        </p:nvSpPr>
+        <p:spPr/>
+        <p:txBody>
+          <a:bodyPr/>
+          <a:lstStyle/>
+          <a:p>
+            <a:endParaRPr lang="fr-FR"/>
+          </a:p>
+        </p:txBody>
+      </p:sp>
+    </p:spTree>
+    <p:extLst>
+      <p:ext uri="{BB962C8B-B14F-4D97-AF65-F5344CB8AC3E}">
+        <p14:creationId xmlns:p14="http://schemas.microsoft.com/office/powerpoint/2010/main" val="3658839852"/>
+      </p:ext>
+    </p:extLst>
+  </p:cSld>
+  <p:clrMapOvr>
+    <a:masterClrMapping/>
+  </p:clrMapOvr>
+</p:sld>
+</file>
+
+<file path=ppt/slides/slide31.xml><?xml version="1.0" encoding="utf-8"?>
 <p:sld xmlns:a="http://schemas.openxmlformats.org/drawingml/2006/main" xmlns:r="http://schemas.openxmlformats.org/officeDocument/2006/relationships" xmlns:p="http://schemas.openxmlformats.org/presentationml/2006/main">
   <p:cSld>
     <p:spTree>
@@ -25845,7 +26412,7 @@
 </p:sld>
 </file>
 
-<file path=ppt/slides/slide31.xml><?xml version="1.0" encoding="utf-8"?>
+<file path=ppt/slides/slide32.xml><?xml version="1.0" encoding="utf-8"?>
 <p:sld xmlns:a="http://schemas.openxmlformats.org/drawingml/2006/main" xmlns:r="http://schemas.openxmlformats.org/officeDocument/2006/relationships" xmlns:p="http://schemas.openxmlformats.org/presentationml/2006/main">
   <p:cSld>
     <p:spTree>
@@ -27550,7 +28117,7 @@
 </p:sld>
 </file>
 
-<file path=ppt/slides/slide32.xml><?xml version="1.0" encoding="utf-8"?>
+<file path=ppt/slides/slide33.xml><?xml version="1.0" encoding="utf-8"?>
 <p:sld xmlns:a="http://schemas.openxmlformats.org/drawingml/2006/main" xmlns:r="http://schemas.openxmlformats.org/officeDocument/2006/relationships" xmlns:p="http://schemas.openxmlformats.org/presentationml/2006/main">
   <p:cSld>
     <p:spTree>
@@ -29277,7 +29844,7 @@
 </p:sld>
 </file>
 
-<file path=ppt/slides/slide33.xml><?xml version="1.0" encoding="utf-8"?>
+<file path=ppt/slides/slide34.xml><?xml version="1.0" encoding="utf-8"?>
 <p:sld xmlns:a="http://schemas.openxmlformats.org/drawingml/2006/main" xmlns:r="http://schemas.openxmlformats.org/officeDocument/2006/relationships" xmlns:p="http://schemas.openxmlformats.org/presentationml/2006/main">
   <p:cSld>
     <p:spTree>
@@ -31293,7 +31860,7 @@
 </p:sld>
 </file>
 
-<file path=ppt/slides/slide34.xml><?xml version="1.0" encoding="utf-8"?>
+<file path=ppt/slides/slide35.xml><?xml version="1.0" encoding="utf-8"?>
 <p:sld xmlns:a="http://schemas.openxmlformats.org/drawingml/2006/main" xmlns:r="http://schemas.openxmlformats.org/officeDocument/2006/relationships" xmlns:p="http://schemas.openxmlformats.org/presentationml/2006/main">
   <p:cSld>
     <p:spTree>
@@ -35812,7 +36379,7 @@
 </p:sld>
 </file>
 
-<file path=ppt/slides/slide35.xml><?xml version="1.0" encoding="utf-8"?>
+<file path=ppt/slides/slide36.xml><?xml version="1.0" encoding="utf-8"?>
 <p:sld xmlns:a="http://schemas.openxmlformats.org/drawingml/2006/main" xmlns:r="http://schemas.openxmlformats.org/officeDocument/2006/relationships" xmlns:p="http://schemas.openxmlformats.org/presentationml/2006/main">
   <p:cSld>
     <p:spTree>
@@ -35884,7 +36451,7 @@
 </p:sld>
 </file>
 
-<file path=ppt/slides/slide36.xml><?xml version="1.0" encoding="utf-8"?>
+<file path=ppt/slides/slide37.xml><?xml version="1.0" encoding="utf-8"?>
 <p:sld xmlns:a="http://schemas.openxmlformats.org/drawingml/2006/main" xmlns:r="http://schemas.openxmlformats.org/officeDocument/2006/relationships" xmlns:p="http://schemas.openxmlformats.org/presentationml/2006/main">
   <p:cSld>
     <p:spTree>
@@ -36051,7 +36618,7 @@
 </p:sld>
 </file>
 
-<file path=ppt/slides/slide37.xml><?xml version="1.0" encoding="utf-8"?>
+<file path=ppt/slides/slide38.xml><?xml version="1.0" encoding="utf-8"?>
 <p:sld xmlns:a="http://schemas.openxmlformats.org/drawingml/2006/main" xmlns:r="http://schemas.openxmlformats.org/officeDocument/2006/relationships" xmlns:p="http://schemas.openxmlformats.org/presentationml/2006/main">
   <p:cSld>
     <p:spTree>
@@ -36205,7 +36772,7 @@
 </p:sld>
 </file>
 
-<file path=ppt/slides/slide38.xml><?xml version="1.0" encoding="utf-8"?>
+<file path=ppt/slides/slide39.xml><?xml version="1.0" encoding="utf-8"?>
 <p:sld xmlns:a="http://schemas.openxmlformats.org/drawingml/2006/main" xmlns:r="http://schemas.openxmlformats.org/officeDocument/2006/relationships" xmlns:p="http://schemas.openxmlformats.org/presentationml/2006/main">
   <p:cSld>
     <p:spTree>
@@ -36359,103 +36926,6 @@
 </p:sld>
 </file>
 
-<file path=ppt/slides/slide39.xml><?xml version="1.0" encoding="utf-8"?>
-<p:sld xmlns:a="http://schemas.openxmlformats.org/drawingml/2006/main" xmlns:r="http://schemas.openxmlformats.org/officeDocument/2006/relationships" xmlns:p="http://schemas.openxmlformats.org/presentationml/2006/main">
-  <p:cSld>
-    <p:spTree>
-      <p:nvGrpSpPr>
-        <p:cNvPr id="1" name=""/>
-        <p:cNvGrpSpPr/>
-        <p:nvPr/>
-      </p:nvGrpSpPr>
-      <p:grpSpPr>
-        <a:xfrm>
-          <a:off x="0" y="0"/>
-          <a:ext cx="0" cy="0"/>
-          <a:chOff x="0" y="0"/>
-          <a:chExt cx="0" cy="0"/>
-        </a:xfrm>
-      </p:grpSpPr>
-      <p:sp>
-        <p:nvSpPr>
-          <p:cNvPr id="4" name="ZoneTexte 3"/>
-          <p:cNvSpPr txBox="1"/>
-          <p:nvPr/>
-        </p:nvSpPr>
-        <p:spPr>
-          <a:xfrm>
-            <a:off x="611561" y="908720"/>
-            <a:ext cx="8208912" cy="1754326"/>
-          </a:xfrm>
-          <a:prstGeom prst="rect">
-            <a:avLst/>
-          </a:prstGeom>
-          <a:noFill/>
-        </p:spPr>
-        <p:txBody>
-          <a:bodyPr wrap="square" rtlCol="0">
-            <a:spAutoFit/>
-          </a:bodyPr>
-          <a:lstStyle/>
-          <a:p>
-            <a:r>
-              <a:rPr lang="fr-FR" dirty="0" smtClean="0"/>
-              <a:t>On suppose que l’on connait le gain statique en BO du système asservi. </a:t>
-            </a:r>
-            <a:r>
-              <a:rPr lang="fr-FR" dirty="0"/>
-              <a:t> </a:t>
-            </a:r>
-            <a:r>
-              <a:rPr lang="fr-FR" dirty="0" smtClean="0"/>
-              <a:t>En boucle fermée, on peut en déduire : </a:t>
-            </a:r>
-          </a:p>
-          <a:p>
-            <a:pPr marL="342900" indent="-342900">
-              <a:buAutoNum type="alphaUcPeriod"/>
-            </a:pPr>
-            <a:r>
-              <a:rPr lang="fr-FR" dirty="0" smtClean="0"/>
-              <a:t>Le dépassement</a:t>
-            </a:r>
-          </a:p>
-          <a:p>
-            <a:pPr marL="342900" indent="-342900">
-              <a:buAutoNum type="alphaUcPeriod"/>
-            </a:pPr>
-            <a:r>
-              <a:rPr lang="fr-FR" dirty="0" smtClean="0"/>
-              <a:t>L’erreur statique</a:t>
-            </a:r>
-          </a:p>
-          <a:p>
-            <a:pPr marL="342900" indent="-342900">
-              <a:buAutoNum type="alphaUcPeriod"/>
-            </a:pPr>
-            <a:r>
-              <a:rPr lang="fr-FR" dirty="0" smtClean="0"/>
-              <a:t>Le temps de réponse</a:t>
-            </a:r>
-          </a:p>
-          <a:p>
-            <a:endParaRPr lang="fr-FR" dirty="0" smtClean="0"/>
-          </a:p>
-        </p:txBody>
-      </p:sp>
-    </p:spTree>
-    <p:extLst>
-      <p:ext uri="{BB962C8B-B14F-4D97-AF65-F5344CB8AC3E}">
-        <p14:creationId xmlns:p14="http://schemas.microsoft.com/office/powerpoint/2010/main" val="777942415"/>
-      </p:ext>
-    </p:extLst>
-  </p:cSld>
-  <p:clrMapOvr>
-    <a:masterClrMapping/>
-  </p:clrMapOvr>
-</p:sld>
-</file>
-
 <file path=ppt/slides/slide4.xml><?xml version="1.0" encoding="utf-8"?>
 <p:sld xmlns:a="http://schemas.openxmlformats.org/drawingml/2006/main" xmlns:r="http://schemas.openxmlformats.org/officeDocument/2006/relationships" xmlns:p="http://schemas.openxmlformats.org/presentationml/2006/main">
   <p:cSld>
@@ -36497,11 +36967,7 @@
           <a:p>
             <a:r>
               <a:rPr lang="fr-FR" dirty="0" smtClean="0"/>
-              <a:t>Livre </a:t>
-            </a:r>
-            <a:r>
-              <a:rPr lang="fr-FR" dirty="0" smtClean="0"/>
-              <a:t>Pat	V </a:t>
+              <a:t>Livre Pat	V </a:t>
             </a:r>
             <a:r>
               <a:rPr lang="fr-FR" dirty="0" err="1" smtClean="0"/>
@@ -36555,8 +37021,8 @@
           </a:p>
         </p:txBody>
       </p:sp>
-      <mc:AlternateContent xmlns:mc="http://schemas.openxmlformats.org/markup-compatibility/2006">
-        <mc:Choice xmlns:a14="http://schemas.microsoft.com/office/drawing/2010/main" Requires="a14">
+      <mc:AlternateContent xmlns:mc="http://schemas.openxmlformats.org/markup-compatibility/2006" xmlns:a14="http://schemas.microsoft.com/office/drawing/2010/main">
+        <mc:Choice Requires="a14">
           <p:sp>
             <p:nvSpPr>
               <p:cNvPr id="5" name="ZoneTexte 4"/>
@@ -37396,14 +37862,7 @@
                                 <a:latin typeface="Cambria Math"/>
                                 <a:ea typeface="Cambria Math"/>
                               </a:rPr>
-                              <m:t>𝑝</m:t>
-                            </m:r>
-                            <m:r>
-                              <a:rPr lang="fr-FR" b="0" i="1" smtClean="0">
-                                <a:latin typeface="Cambria Math"/>
-                                <a:ea typeface="Cambria Math"/>
-                              </a:rPr>
-                              <m:t>𝐹</m:t>
+                              <m:t>𝑝𝐹</m:t>
                             </m:r>
                             <m:r>
                               <a:rPr lang="fr-FR" b="0" i="1" smtClean="0">
@@ -38013,7 +38472,7 @@
                     <m:f>
                       <m:fPr>
                         <m:ctrlPr>
-                          <a:rPr lang="fr-FR" b="0" i="0" smtClean="0">
+                          <a:rPr lang="fr-FR" b="0" i="1" smtClean="0">
                             <a:latin typeface="Cambria Math"/>
                             <a:ea typeface="Cambria Math"/>
                           </a:rPr>
@@ -38097,7 +38556,7 @@
             </p:txBody>
           </p:sp>
         </mc:Choice>
-        <mc:Fallback>
+        <mc:Fallback xmlns="">
           <p:sp>
             <p:nvSpPr>
               <p:cNvPr id="5" name="ZoneTexte 4"/>
@@ -38150,6 +38609,103 @@
 </file>
 
 <file path=ppt/slides/slide40.xml><?xml version="1.0" encoding="utf-8"?>
+<p:sld xmlns:a="http://schemas.openxmlformats.org/drawingml/2006/main" xmlns:r="http://schemas.openxmlformats.org/officeDocument/2006/relationships" xmlns:p="http://schemas.openxmlformats.org/presentationml/2006/main">
+  <p:cSld>
+    <p:spTree>
+      <p:nvGrpSpPr>
+        <p:cNvPr id="1" name=""/>
+        <p:cNvGrpSpPr/>
+        <p:nvPr/>
+      </p:nvGrpSpPr>
+      <p:grpSpPr>
+        <a:xfrm>
+          <a:off x="0" y="0"/>
+          <a:ext cx="0" cy="0"/>
+          <a:chOff x="0" y="0"/>
+          <a:chExt cx="0" cy="0"/>
+        </a:xfrm>
+      </p:grpSpPr>
+      <p:sp>
+        <p:nvSpPr>
+          <p:cNvPr id="4" name="ZoneTexte 3"/>
+          <p:cNvSpPr txBox="1"/>
+          <p:nvPr/>
+        </p:nvSpPr>
+        <p:spPr>
+          <a:xfrm>
+            <a:off x="611561" y="908720"/>
+            <a:ext cx="8208912" cy="1754326"/>
+          </a:xfrm>
+          <a:prstGeom prst="rect">
+            <a:avLst/>
+          </a:prstGeom>
+          <a:noFill/>
+        </p:spPr>
+        <p:txBody>
+          <a:bodyPr wrap="square" rtlCol="0">
+            <a:spAutoFit/>
+          </a:bodyPr>
+          <a:lstStyle/>
+          <a:p>
+            <a:r>
+              <a:rPr lang="fr-FR" dirty="0" smtClean="0"/>
+              <a:t>On suppose que l’on connait le gain statique en BO du système asservi. </a:t>
+            </a:r>
+            <a:r>
+              <a:rPr lang="fr-FR" dirty="0"/>
+              <a:t> </a:t>
+            </a:r>
+            <a:r>
+              <a:rPr lang="fr-FR" dirty="0" smtClean="0"/>
+              <a:t>En boucle fermée, on peut en déduire : </a:t>
+            </a:r>
+          </a:p>
+          <a:p>
+            <a:pPr marL="342900" indent="-342900">
+              <a:buAutoNum type="alphaUcPeriod"/>
+            </a:pPr>
+            <a:r>
+              <a:rPr lang="fr-FR" dirty="0" smtClean="0"/>
+              <a:t>Le dépassement</a:t>
+            </a:r>
+          </a:p>
+          <a:p>
+            <a:pPr marL="342900" indent="-342900">
+              <a:buAutoNum type="alphaUcPeriod"/>
+            </a:pPr>
+            <a:r>
+              <a:rPr lang="fr-FR" dirty="0" smtClean="0"/>
+              <a:t>L’erreur statique</a:t>
+            </a:r>
+          </a:p>
+          <a:p>
+            <a:pPr marL="342900" indent="-342900">
+              <a:buAutoNum type="alphaUcPeriod"/>
+            </a:pPr>
+            <a:r>
+              <a:rPr lang="fr-FR" dirty="0" smtClean="0"/>
+              <a:t>Le temps de réponse</a:t>
+            </a:r>
+          </a:p>
+          <a:p>
+            <a:endParaRPr lang="fr-FR" dirty="0" smtClean="0"/>
+          </a:p>
+        </p:txBody>
+      </p:sp>
+    </p:spTree>
+    <p:extLst>
+      <p:ext uri="{BB962C8B-B14F-4D97-AF65-F5344CB8AC3E}">
+        <p14:creationId xmlns:p14="http://schemas.microsoft.com/office/powerpoint/2010/main" val="777942415"/>
+      </p:ext>
+    </p:extLst>
+  </p:cSld>
+  <p:clrMapOvr>
+    <a:masterClrMapping/>
+  </p:clrMapOvr>
+</p:sld>
+</file>
+
+<file path=ppt/slides/slide41.xml><?xml version="1.0" encoding="utf-8"?>
 <p:sld xmlns:a="http://schemas.openxmlformats.org/drawingml/2006/main" xmlns:r="http://schemas.openxmlformats.org/officeDocument/2006/relationships" xmlns:p="http://schemas.openxmlformats.org/presentationml/2006/main">
   <p:cSld>
     <p:spTree>
@@ -38266,7 +38822,7 @@
 </p:sld>
 </file>
 
-<file path=ppt/slides/slide41.xml><?xml version="1.0" encoding="utf-8"?>
+<file path=ppt/slides/slide42.xml><?xml version="1.0" encoding="utf-8"?>
 <p:sld xmlns:a="http://schemas.openxmlformats.org/drawingml/2006/main" xmlns:r="http://schemas.openxmlformats.org/officeDocument/2006/relationships" xmlns:p="http://schemas.openxmlformats.org/presentationml/2006/main">
   <p:cSld>
     <p:spTree>
@@ -38408,7 +38964,7 @@
 </p:sld>
 </file>
 
-<file path=ppt/slides/slide42.xml><?xml version="1.0" encoding="utf-8"?>
+<file path=ppt/slides/slide43.xml><?xml version="1.0" encoding="utf-8"?>
 <p:sld xmlns:a="http://schemas.openxmlformats.org/drawingml/2006/main" xmlns:r="http://schemas.openxmlformats.org/officeDocument/2006/relationships" xmlns:p="http://schemas.openxmlformats.org/presentationml/2006/main">
   <p:cSld>
     <p:spTree>
@@ -38550,7 +39106,7 @@
 </p:sld>
 </file>
 
-<file path=ppt/slides/slide43.xml><?xml version="1.0" encoding="utf-8"?>
+<file path=ppt/slides/slide44.xml><?xml version="1.0" encoding="utf-8"?>
 <p:sld xmlns:a="http://schemas.openxmlformats.org/drawingml/2006/main" xmlns:r="http://schemas.openxmlformats.org/officeDocument/2006/relationships" xmlns:p="http://schemas.openxmlformats.org/presentationml/2006/main">
   <p:cSld>
     <p:spTree>
@@ -38671,7 +39227,7 @@
 </p:sld>
 </file>
 
-<file path=ppt/slides/slide44.xml><?xml version="1.0" encoding="utf-8"?>
+<file path=ppt/slides/slide45.xml><?xml version="1.0" encoding="utf-8"?>
 <p:sld xmlns:a="http://schemas.openxmlformats.org/drawingml/2006/main" xmlns:r="http://schemas.openxmlformats.org/officeDocument/2006/relationships" xmlns:p="http://schemas.openxmlformats.org/presentationml/2006/main">
   <p:cSld>
     <p:spTree>
@@ -38902,6 +39458,436 @@
       </p:grpSpPr>
       <p:sp>
         <p:nvSpPr>
+          <p:cNvPr id="4" name="Titre 3"/>
+          <p:cNvSpPr>
+            <a:spLocks noGrp="1"/>
+          </p:cNvSpPr>
+          <p:nvPr>
+            <p:ph type="title"/>
+          </p:nvPr>
+        </p:nvSpPr>
+        <p:spPr/>
+        <p:txBody>
+          <a:bodyPr>
+            <a:normAutofit fontScale="90000"/>
+          </a:bodyPr>
+          <a:lstStyle/>
+          <a:p>
+            <a:r>
+              <a:rPr lang="fr-FR" dirty="0" smtClean="0"/>
+              <a:t>Livre Pat</a:t>
+            </a:r>
+            <a:br>
+              <a:rPr lang="fr-FR" dirty="0" smtClean="0"/>
+            </a:br>
+            <a:r>
+              <a:rPr lang="fr-FR" dirty="0" smtClean="0"/>
+              <a:t>F </a:t>
+            </a:r>
+            <a:r>
+              <a:rPr lang="fr-FR" dirty="0" err="1" smtClean="0"/>
+              <a:t>F</a:t>
+            </a:r>
+            <a:r>
+              <a:rPr lang="fr-FR" dirty="0" smtClean="0"/>
+              <a:t> V </a:t>
+            </a:r>
+            <a:r>
+              <a:rPr lang="fr-FR" dirty="0" err="1" smtClean="0"/>
+              <a:t>V</a:t>
+            </a:r>
+            <a:r>
+              <a:rPr lang="fr-FR" dirty="0" smtClean="0"/>
+              <a:t> F </a:t>
+            </a:r>
+            <a:r>
+              <a:rPr lang="fr-FR" dirty="0" err="1" smtClean="0"/>
+              <a:t>F</a:t>
+            </a:r>
+            <a:r>
+              <a:rPr lang="fr-FR" dirty="0" smtClean="0"/>
+              <a:t> V </a:t>
+            </a:r>
+            <a:r>
+              <a:rPr lang="fr-FR" dirty="0" err="1" smtClean="0"/>
+              <a:t>V</a:t>
+            </a:r>
+            <a:r>
+              <a:rPr lang="fr-FR" dirty="0" smtClean="0"/>
+              <a:t> F</a:t>
+            </a:r>
+            <a:endParaRPr lang="fr-FR" dirty="0"/>
+          </a:p>
+        </p:txBody>
+      </p:sp>
+      <mc:AlternateContent xmlns:mc="http://schemas.openxmlformats.org/markup-compatibility/2006">
+        <mc:Choice xmlns:a14="http://schemas.microsoft.com/office/drawing/2010/main" Requires="a14">
+          <p:sp>
+            <p:nvSpPr>
+              <p:cNvPr id="5" name="Espace réservé du contenu 4"/>
+              <p:cNvSpPr>
+                <a:spLocks noGrp="1"/>
+              </p:cNvSpPr>
+              <p:nvPr>
+                <p:ph idx="1"/>
+              </p:nvPr>
+            </p:nvSpPr>
+            <p:spPr/>
+            <p:txBody>
+              <a:bodyPr>
+                <a:normAutofit fontScale="55000" lnSpcReduction="20000"/>
+              </a:bodyPr>
+              <a:lstStyle/>
+              <a:p>
+                <a:pPr marL="514350" indent="-514350">
+                  <a:buAutoNum type="arabicPeriod"/>
+                </a:pPr>
+                <a:r>
+                  <a:rPr lang="fr-FR" dirty="0" smtClean="0"/>
+                  <a:t>La réponse d’un système du 1</a:t>
+                </a:r>
+                <a:r>
+                  <a:rPr lang="fr-FR" baseline="30000" dirty="0" smtClean="0"/>
+                  <a:t>er</a:t>
+                </a:r>
+                <a:r>
+                  <a:rPr lang="fr-FR" dirty="0" smtClean="0"/>
+                  <a:t> ordre à un échelon est toujours précise. </a:t>
+                </a:r>
+              </a:p>
+              <a:p>
+                <a:pPr marL="514350" indent="-514350">
+                  <a:buAutoNum type="arabicPeriod"/>
+                </a:pPr>
+                <a:r>
+                  <a:rPr lang="fr-FR" dirty="0" smtClean="0"/>
+                  <a:t>La réponse d’un système du 1</a:t>
+                </a:r>
+                <a:r>
+                  <a:rPr lang="fr-FR" baseline="30000" dirty="0" smtClean="0"/>
+                  <a:t>er</a:t>
+                </a:r>
+                <a:r>
+                  <a:rPr lang="fr-FR" dirty="0" smtClean="0"/>
+                  <a:t> ordre à un échelon (avec des conditions initiales nulles) atteint 95% de sa valeur finale au bout d’un temps </a:t>
+                </a:r>
+                <a14:m>
+                  <m:oMath xmlns:m="http://schemas.openxmlformats.org/officeDocument/2006/math">
+                    <m:r>
+                      <a:rPr lang="fr-FR" b="0" i="1" smtClean="0">
+                        <a:latin typeface="Cambria Math"/>
+                      </a:rPr>
+                      <m:t>𝑡</m:t>
+                    </m:r>
+                    <m:r>
+                      <a:rPr lang="fr-FR" b="0" i="1" smtClean="0">
+                        <a:latin typeface="Cambria Math"/>
+                      </a:rPr>
+                      <m:t>=</m:t>
+                    </m:r>
+                    <m:r>
+                      <a:rPr lang="fr-FR" b="0" i="1" smtClean="0">
+                        <a:latin typeface="Cambria Math"/>
+                      </a:rPr>
+                      <m:t>𝜏</m:t>
+                    </m:r>
+                  </m:oMath>
+                </a14:m>
+                <a:r>
+                  <a:rPr lang="fr-FR" dirty="0" smtClean="0"/>
+                  <a:t>.</a:t>
+                </a:r>
+              </a:p>
+              <a:p>
+                <a:pPr marL="514350" indent="-514350">
+                  <a:buAutoNum type="arabicPeriod"/>
+                </a:pPr>
+                <a:r>
+                  <a:rPr lang="fr-FR" dirty="0" smtClean="0"/>
+                  <a:t>La réponse d’un système du 1</a:t>
+                </a:r>
+                <a:r>
+                  <a:rPr lang="fr-FR" baseline="30000" dirty="0" smtClean="0"/>
+                  <a:t>er</a:t>
+                </a:r>
+                <a:r>
+                  <a:rPr lang="fr-FR" dirty="0" smtClean="0"/>
+                  <a:t> ordre à un échelon a pour pente à l’origine </a:t>
+                </a:r>
+                <a14:m>
+                  <m:oMath xmlns:m="http://schemas.openxmlformats.org/officeDocument/2006/math">
+                    <m:r>
+                      <a:rPr lang="fr-FR" b="0" i="1" smtClean="0">
+                        <a:latin typeface="Cambria Math"/>
+                      </a:rPr>
+                      <m:t>𝐾</m:t>
+                    </m:r>
+                    <m:sSub>
+                      <m:sSubPr>
+                        <m:ctrlPr>
+                          <a:rPr lang="fr-FR" b="0" i="1" smtClean="0">
+                            <a:latin typeface="Cambria Math"/>
+                          </a:rPr>
+                        </m:ctrlPr>
+                      </m:sSubPr>
+                      <m:e>
+                        <m:r>
+                          <a:rPr lang="fr-FR" b="0" i="1" smtClean="0">
+                            <a:latin typeface="Cambria Math"/>
+                          </a:rPr>
+                          <m:t>𝐸</m:t>
+                        </m:r>
+                      </m:e>
+                      <m:sub>
+                        <m:r>
+                          <a:rPr lang="fr-FR" b="0" i="1" smtClean="0">
+                            <a:latin typeface="Cambria Math"/>
+                          </a:rPr>
+                          <m:t>0</m:t>
+                        </m:r>
+                      </m:sub>
+                    </m:sSub>
+                    <m:r>
+                      <a:rPr lang="fr-FR" b="0" i="1" smtClean="0">
+                        <a:latin typeface="Cambria Math"/>
+                      </a:rPr>
+                      <m:t>𝜏</m:t>
+                    </m:r>
+                  </m:oMath>
+                </a14:m>
+                <a:r>
+                  <a:rPr lang="fr-FR" dirty="0" smtClean="0"/>
+                  <a:t>.</a:t>
+                </a:r>
+              </a:p>
+              <a:p>
+                <a:pPr marL="514350" indent="-514350">
+                  <a:buAutoNum type="arabicPeriod"/>
+                </a:pPr>
+                <a:r>
+                  <a:rPr lang="fr-FR" dirty="0" smtClean="0"/>
+                  <a:t>La réponse d’un système du 2</a:t>
+                </a:r>
+                <a:r>
+                  <a:rPr lang="fr-FR" baseline="30000" dirty="0" smtClean="0"/>
+                  <a:t>nd</a:t>
+                </a:r>
+                <a:r>
+                  <a:rPr lang="fr-FR" dirty="0" smtClean="0"/>
+                  <a:t> ordre à un échelon a toujours une tangente horizontale à l’origine.</a:t>
+                </a:r>
+              </a:p>
+              <a:p>
+                <a:pPr marL="514350" indent="-514350">
+                  <a:buAutoNum type="arabicPeriod"/>
+                </a:pPr>
+                <a:r>
+                  <a:rPr lang="fr-FR" dirty="0" smtClean="0"/>
+                  <a:t>La réponse d’un système du 2</a:t>
+                </a:r>
+                <a:r>
+                  <a:rPr lang="fr-FR" baseline="30000" dirty="0" smtClean="0"/>
+                  <a:t>nd</a:t>
+                </a:r>
+                <a:r>
+                  <a:rPr lang="fr-FR" dirty="0" smtClean="0"/>
+                  <a:t> ordre à un échelon est toujours pseudo-oscillante.</a:t>
+                </a:r>
+              </a:p>
+              <a:p>
+                <a:pPr marL="514350" indent="-514350">
+                  <a:buAutoNum type="arabicPeriod"/>
+                </a:pPr>
+                <a:r>
+                  <a:rPr lang="fr-FR" dirty="0" smtClean="0"/>
+                  <a:t>Pour </a:t>
+                </a:r>
+                <a14:m>
+                  <m:oMath xmlns:m="http://schemas.openxmlformats.org/officeDocument/2006/math">
+                    <m:r>
+                      <a:rPr lang="fr-FR" b="0" i="1" smtClean="0">
+                        <a:latin typeface="Cambria Math"/>
+                      </a:rPr>
+                      <m:t>𝜉</m:t>
+                    </m:r>
+                    <m:r>
+                      <a:rPr lang="fr-FR" b="0" i="1" smtClean="0">
+                        <a:latin typeface="Cambria Math"/>
+                      </a:rPr>
+                      <m:t>=0,7</m:t>
+                    </m:r>
+                  </m:oMath>
+                </a14:m>
+                <a:r>
+                  <a:rPr lang="fr-FR" dirty="0" smtClean="0"/>
+                  <a:t>, la réponse d’un système du 2</a:t>
+                </a:r>
+                <a:r>
+                  <a:rPr lang="fr-FR" baseline="30000" dirty="0" smtClean="0"/>
+                  <a:t>nd</a:t>
+                </a:r>
+                <a:r>
+                  <a:rPr lang="fr-FR" dirty="0" smtClean="0"/>
+                  <a:t> ordre à un échelon est sans dépassement.</a:t>
+                </a:r>
+              </a:p>
+              <a:p>
+                <a:pPr marL="514350" indent="-514350">
+                  <a:buAutoNum type="arabicPeriod"/>
+                </a:pPr>
+                <a:r>
+                  <a:rPr lang="fr-FR" dirty="0" smtClean="0"/>
+                  <a:t>Pour </a:t>
+                </a:r>
+                <a14:m>
+                  <m:oMath xmlns:m="http://schemas.openxmlformats.org/officeDocument/2006/math">
+                    <m:r>
+                      <a:rPr lang="fr-FR" b="0" i="1" smtClean="0">
+                        <a:latin typeface="Cambria Math"/>
+                      </a:rPr>
+                      <m:t>𝜉</m:t>
+                    </m:r>
+                    <m:r>
+                      <a:rPr lang="fr-FR" b="0" i="1" smtClean="0">
+                        <a:latin typeface="Cambria Math"/>
+                      </a:rPr>
+                      <m:t>=1</m:t>
+                    </m:r>
+                  </m:oMath>
+                </a14:m>
+                <a:r>
+                  <a:rPr lang="fr-FR" dirty="0" smtClean="0"/>
+                  <a:t>, la réponse d’un système du 2</a:t>
+                </a:r>
+                <a:r>
+                  <a:rPr lang="fr-FR" baseline="30000" dirty="0" smtClean="0"/>
+                  <a:t>nd</a:t>
+                </a:r>
+                <a:r>
+                  <a:rPr lang="fr-FR" dirty="0" smtClean="0"/>
+                  <a:t> ordre à un échelon est la plus rapide possible sans dépassement.</a:t>
+                </a:r>
+              </a:p>
+              <a:p>
+                <a:pPr marL="514350" indent="-514350">
+                  <a:buAutoNum type="arabicPeriod"/>
+                </a:pPr>
+                <a:r>
+                  <a:rPr lang="fr-FR" dirty="0" smtClean="0"/>
+                  <a:t>Pour un système du 1</a:t>
+                </a:r>
+                <a:r>
+                  <a:rPr lang="fr-FR" baseline="30000" dirty="0" smtClean="0"/>
+                  <a:t>er</a:t>
+                </a:r>
+                <a:r>
+                  <a:rPr lang="fr-FR" dirty="0" smtClean="0"/>
+                  <a:t> ordre comme du 2</a:t>
+                </a:r>
+                <a:r>
+                  <a:rPr lang="fr-FR" baseline="30000" dirty="0" smtClean="0"/>
+                  <a:t>nd</a:t>
+                </a:r>
+                <a:r>
+                  <a:rPr lang="fr-FR" dirty="0" smtClean="0"/>
+                  <a:t> ordre soumis à un échelon, la sortie converge toujours vers le gain statique multiplié par l’amplitude de l’échelon. </a:t>
+                </a:r>
+              </a:p>
+              <a:p>
+                <a:pPr marL="514350" indent="-514350">
+                  <a:buAutoNum type="arabicPeriod"/>
+                </a:pPr>
+                <a:r>
+                  <a:rPr lang="fr-FR" dirty="0" smtClean="0"/>
+                  <a:t>Pour un système du 1</a:t>
+                </a:r>
+                <a:r>
+                  <a:rPr lang="fr-FR" baseline="30000" dirty="0" smtClean="0"/>
+                  <a:t>er</a:t>
+                </a:r>
+                <a:r>
+                  <a:rPr lang="fr-FR" dirty="0" smtClean="0"/>
+                  <a:t> ordre comme pour un système du 2</a:t>
+                </a:r>
+                <a:r>
+                  <a:rPr lang="fr-FR" baseline="30000" dirty="0" smtClean="0"/>
+                  <a:t>nd</a:t>
+                </a:r>
+                <a:r>
+                  <a:rPr lang="fr-FR" dirty="0" smtClean="0"/>
+                  <a:t> ordre stable soumis à une rampe de gain statique unitaire, l’écart s’annule au bout d’un certain temps.</a:t>
+                </a:r>
+                <a:endParaRPr lang="fr-FR" dirty="0"/>
+              </a:p>
+            </p:txBody>
+          </p:sp>
+        </mc:Choice>
+        <mc:Fallback>
+          <p:sp>
+            <p:nvSpPr>
+              <p:cNvPr id="5" name="Espace réservé du contenu 4"/>
+              <p:cNvSpPr>
+                <a:spLocks noGrp="1" noRot="1" noChangeAspect="1" noMove="1" noResize="1" noEditPoints="1" noAdjustHandles="1" noChangeArrowheads="1" noChangeShapeType="1" noTextEdit="1"/>
+              </p:cNvSpPr>
+              <p:nvPr>
+                <p:ph idx="1"/>
+              </p:nvPr>
+            </p:nvSpPr>
+            <p:spPr>
+              <a:blipFill rotWithShape="1">
+                <a:blip r:embed="rId2"/>
+                <a:stretch>
+                  <a:fillRect l="-593" t="-1752" r="-1111"/>
+                </a:stretch>
+              </a:blipFill>
+            </p:spPr>
+            <p:txBody>
+              <a:bodyPr/>
+              <a:lstStyle/>
+              <a:p>
+                <a:r>
+                  <a:rPr lang="fr-FR">
+                    <a:noFill/>
+                  </a:rPr>
+                  <a:t> </a:t>
+                </a:r>
+              </a:p>
+            </p:txBody>
+          </p:sp>
+        </mc:Fallback>
+      </mc:AlternateContent>
+    </p:spTree>
+    <p:extLst>
+      <p:ext uri="{BB962C8B-B14F-4D97-AF65-F5344CB8AC3E}">
+        <p14:creationId xmlns:p14="http://schemas.microsoft.com/office/powerpoint/2010/main" val="1333864067"/>
+      </p:ext>
+    </p:extLst>
+  </p:cSld>
+  <p:clrMapOvr>
+    <a:masterClrMapping/>
+  </p:clrMapOvr>
+</p:sld>
+</file>
+
+<file path=ppt/slides/slide8.xml><?xml version="1.0" encoding="utf-8"?>
+<p:sld xmlns:a="http://schemas.openxmlformats.org/drawingml/2006/main" xmlns:r="http://schemas.openxmlformats.org/officeDocument/2006/relationships" xmlns:p="http://schemas.openxmlformats.org/presentationml/2006/main">
+  <p:cSld>
+    <p:spTree>
+      <p:nvGrpSpPr>
+        <p:cNvPr id="1" name=""/>
+        <p:cNvGrpSpPr/>
+        <p:nvPr/>
+      </p:nvGrpSpPr>
+      <p:grpSpPr>
+        <a:xfrm>
+          <a:off x="0" y="0"/>
+          <a:ext cx="0" cy="0"/>
+          <a:chOff x="0" y="0"/>
+          <a:chExt cx="0" cy="0"/>
+        </a:xfrm>
+      </p:grpSpPr>
+      <p:sp>
+        <p:nvSpPr>
           <p:cNvPr id="2" name="Titre 1"/>
           <p:cNvSpPr>
             <a:spLocks noGrp="1"/>
@@ -38955,7 +39941,7 @@
 </p:sld>
 </file>
 
-<file path=ppt/slides/slide8.xml><?xml version="1.0" encoding="utf-8"?>
+<file path=ppt/slides/slide9.xml><?xml version="1.0" encoding="utf-8"?>
 <p:sld xmlns:a="http://schemas.openxmlformats.org/drawingml/2006/main" xmlns:r="http://schemas.openxmlformats.org/officeDocument/2006/relationships" xmlns:p="http://schemas.openxmlformats.org/presentationml/2006/main">
   <p:cSld>
     <p:spTree>
@@ -39018,572 +40004,6 @@
     <p:extLst>
       <p:ext uri="{BB962C8B-B14F-4D97-AF65-F5344CB8AC3E}">
         <p14:creationId xmlns:p14="http://schemas.microsoft.com/office/powerpoint/2010/main" val="894734936"/>
-      </p:ext>
-    </p:extLst>
-  </p:cSld>
-  <p:clrMapOvr>
-    <a:masterClrMapping/>
-  </p:clrMapOvr>
-</p:sld>
-</file>
-
-<file path=ppt/slides/slide9.xml><?xml version="1.0" encoding="utf-8"?>
-<p:sld xmlns:a="http://schemas.openxmlformats.org/drawingml/2006/main" xmlns:r="http://schemas.openxmlformats.org/officeDocument/2006/relationships" xmlns:p="http://schemas.openxmlformats.org/presentationml/2006/main">
-  <p:cSld>
-    <p:spTree>
-      <p:nvGrpSpPr>
-        <p:cNvPr id="1" name=""/>
-        <p:cNvGrpSpPr/>
-        <p:nvPr/>
-      </p:nvGrpSpPr>
-      <p:grpSpPr>
-        <a:xfrm>
-          <a:off x="0" y="0"/>
-          <a:ext cx="0" cy="0"/>
-          <a:chOff x="0" y="0"/>
-          <a:chExt cx="0" cy="0"/>
-        </a:xfrm>
-      </p:grpSpPr>
-      <p:sp>
-        <p:nvSpPr>
-          <p:cNvPr id="4" name="ZoneTexte 3"/>
-          <p:cNvSpPr txBox="1"/>
-          <p:nvPr/>
-        </p:nvSpPr>
-        <p:spPr>
-          <a:xfrm>
-            <a:off x="437869" y="260648"/>
-            <a:ext cx="2847383" cy="369332"/>
-          </a:xfrm>
-          <a:prstGeom prst="rect">
-            <a:avLst/>
-          </a:prstGeom>
-          <a:noFill/>
-        </p:spPr>
-        <p:txBody>
-          <a:bodyPr wrap="none" rtlCol="0">
-            <a:spAutoFit/>
-          </a:bodyPr>
-          <a:lstStyle/>
-          <a:p>
-            <a:r>
-              <a:rPr lang="fr-FR" dirty="0" smtClean="0"/>
-              <a:t>Ressources de R </a:t>
-            </a:r>
-            <a:r>
-              <a:rPr lang="fr-FR" dirty="0" err="1" smtClean="0"/>
-              <a:t>Papanicola</a:t>
-            </a:r>
-            <a:endParaRPr lang="fr-FR" dirty="0"/>
-          </a:p>
-        </p:txBody>
-      </p:sp>
-      <p:sp>
-        <p:nvSpPr>
-          <p:cNvPr id="5" name="Rectangle 4"/>
-          <p:cNvSpPr/>
-          <p:nvPr/>
-        </p:nvSpPr>
-        <p:spPr>
-          <a:xfrm>
-            <a:off x="4338" y="908720"/>
-            <a:ext cx="9139661" cy="369332"/>
-          </a:xfrm>
-          <a:prstGeom prst="rect">
-            <a:avLst/>
-          </a:prstGeom>
-        </p:spPr>
-        <p:txBody>
-          <a:bodyPr wrap="square">
-            <a:spAutoFit/>
-          </a:bodyPr>
-          <a:lstStyle/>
-          <a:p>
-            <a:r>
-              <a:rPr lang="fr-FR" dirty="0"/>
-              <a:t>1) Voici quelques réponses de systèmes à une entrée en échelon et en rampe : </a:t>
-            </a:r>
-          </a:p>
-        </p:txBody>
-      </p:sp>
-      <p:pic>
-        <p:nvPicPr>
-          <p:cNvPr id="1027" name="Picture 3" descr="C:\Enseignement\GitHub\Cy_01_PSI_ModelisationLinNonLin\QCM\Ord2_Ramp_K.png"/>
-          <p:cNvPicPr>
-            <a:picLocks noChangeAspect="1" noChangeArrowheads="1"/>
-          </p:cNvPicPr>
-          <p:nvPr/>
-        </p:nvPicPr>
-        <p:blipFill>
-          <a:blip r:embed="rId2">
-            <a:extLst>
-              <a:ext uri="{28A0092B-C50C-407E-A947-70E740481C1C}">
-                <a14:useLocalDpi xmlns:a14="http://schemas.microsoft.com/office/drawing/2010/main" val="0"/>
-              </a:ext>
-            </a:extLst>
-          </a:blip>
-          <a:srcRect/>
-          <a:stretch>
-            <a:fillRect/>
-          </a:stretch>
-        </p:blipFill>
-        <p:spPr bwMode="auto">
-          <a:xfrm>
-            <a:off x="4523994" y="1552539"/>
-            <a:ext cx="1800000" cy="1218932"/>
-          </a:xfrm>
-          <a:prstGeom prst="rect">
-            <a:avLst/>
-          </a:prstGeom>
-          <a:noFill/>
-          <a:extLst>
-            <a:ext uri="{909E8E84-426E-40DD-AFC4-6F175D3DCCD1}">
-              <a14:hiddenFill xmlns:a14="http://schemas.microsoft.com/office/drawing/2010/main">
-                <a:solidFill>
-                  <a:srgbClr val="FFFFFF"/>
-                </a:solidFill>
-              </a14:hiddenFill>
-            </a:ext>
-          </a:extLst>
-        </p:spPr>
-      </p:pic>
-      <p:pic>
-        <p:nvPicPr>
-          <p:cNvPr id="1028" name="Picture 4" descr="C:\Enseignement\GitHub\Cy_01_PSI_ModelisationLinNonLin\QCM\Ord2_Ramp_K1.png"/>
-          <p:cNvPicPr>
-            <a:picLocks noChangeAspect="1" noChangeArrowheads="1"/>
-          </p:cNvPicPr>
-          <p:nvPr/>
-        </p:nvPicPr>
-        <p:blipFill>
-          <a:blip r:embed="rId3">
-            <a:extLst>
-              <a:ext uri="{28A0092B-C50C-407E-A947-70E740481C1C}">
-                <a14:useLocalDpi xmlns:a14="http://schemas.microsoft.com/office/drawing/2010/main" val="0"/>
-              </a:ext>
-            </a:extLst>
-          </a:blip>
-          <a:srcRect/>
-          <a:stretch>
-            <a:fillRect/>
-          </a:stretch>
-        </p:blipFill>
-        <p:spPr bwMode="auto">
-          <a:xfrm>
-            <a:off x="251520" y="1551909"/>
-            <a:ext cx="1800000" cy="1220192"/>
-          </a:xfrm>
-          <a:prstGeom prst="rect">
-            <a:avLst/>
-          </a:prstGeom>
-          <a:noFill/>
-          <a:extLst>
-            <a:ext uri="{909E8E84-426E-40DD-AFC4-6F175D3DCCD1}">
-              <a14:hiddenFill xmlns:a14="http://schemas.microsoft.com/office/drawing/2010/main">
-                <a:solidFill>
-                  <a:srgbClr val="FFFFFF"/>
-                </a:solidFill>
-              </a14:hiddenFill>
-            </a:ext>
-          </a:extLst>
-        </p:spPr>
-      </p:pic>
-      <p:pic>
-        <p:nvPicPr>
-          <p:cNvPr id="1029" name="Picture 5" descr="C:\Enseignement\GitHub\Cy_01_PSI_ModelisationLinNonLin\QCM\Ord2_Ech_K.png"/>
-          <p:cNvPicPr>
-            <a:picLocks noChangeAspect="1" noChangeArrowheads="1"/>
-          </p:cNvPicPr>
-          <p:nvPr/>
-        </p:nvPicPr>
-        <p:blipFill>
-          <a:blip r:embed="rId4">
-            <a:extLst>
-              <a:ext uri="{28A0092B-C50C-407E-A947-70E740481C1C}">
-                <a14:useLocalDpi xmlns:a14="http://schemas.microsoft.com/office/drawing/2010/main" val="0"/>
-              </a:ext>
-            </a:extLst>
-          </a:blip>
-          <a:srcRect/>
-          <a:stretch>
-            <a:fillRect/>
-          </a:stretch>
-        </p:blipFill>
-        <p:spPr bwMode="auto">
-          <a:xfrm>
-            <a:off x="2387757" y="1562732"/>
-            <a:ext cx="1800000" cy="1198547"/>
-          </a:xfrm>
-          <a:prstGeom prst="rect">
-            <a:avLst/>
-          </a:prstGeom>
-          <a:noFill/>
-          <a:extLst>
-            <a:ext uri="{909E8E84-426E-40DD-AFC4-6F175D3DCCD1}">
-              <a14:hiddenFill xmlns:a14="http://schemas.microsoft.com/office/drawing/2010/main">
-                <a:solidFill>
-                  <a:srgbClr val="FFFFFF"/>
-                </a:solidFill>
-              </a14:hiddenFill>
-            </a:ext>
-          </a:extLst>
-        </p:spPr>
-      </p:pic>
-      <p:pic>
-        <p:nvPicPr>
-          <p:cNvPr id="1030" name="Picture 6" descr="C:\Enseignement\GitHub\Cy_01_PSI_ModelisationLinNonLin\QCM\Ord2_Ech_K1.png"/>
-          <p:cNvPicPr>
-            <a:picLocks noChangeAspect="1" noChangeArrowheads="1"/>
-          </p:cNvPicPr>
-          <p:nvPr/>
-        </p:nvPicPr>
-        <p:blipFill>
-          <a:blip r:embed="rId5">
-            <a:extLst>
-              <a:ext uri="{28A0092B-C50C-407E-A947-70E740481C1C}">
-                <a14:useLocalDpi xmlns:a14="http://schemas.microsoft.com/office/drawing/2010/main" val="0"/>
-              </a:ext>
-            </a:extLst>
-          </a:blip>
-          <a:srcRect/>
-          <a:stretch>
-            <a:fillRect/>
-          </a:stretch>
-        </p:blipFill>
-        <p:spPr bwMode="auto">
-          <a:xfrm>
-            <a:off x="6660232" y="1555530"/>
-            <a:ext cx="1800000" cy="1212950"/>
-          </a:xfrm>
-          <a:prstGeom prst="rect">
-            <a:avLst/>
-          </a:prstGeom>
-          <a:noFill/>
-          <a:extLst>
-            <a:ext uri="{909E8E84-426E-40DD-AFC4-6F175D3DCCD1}">
-              <a14:hiddenFill xmlns:a14="http://schemas.microsoft.com/office/drawing/2010/main">
-                <a:solidFill>
-                  <a:srgbClr val="FFFFFF"/>
-                </a:solidFill>
-              </a14:hiddenFill>
-            </a:ext>
-          </a:extLst>
-        </p:spPr>
-      </p:pic>
-      <p:sp>
-        <p:nvSpPr>
-          <p:cNvPr id="11" name="Rectangle 10"/>
-          <p:cNvSpPr/>
-          <p:nvPr/>
-        </p:nvSpPr>
-        <p:spPr>
-          <a:xfrm>
-            <a:off x="-10763" y="3059668"/>
-            <a:ext cx="9139661" cy="1477328"/>
-          </a:xfrm>
-          <a:prstGeom prst="rect">
-            <a:avLst/>
-          </a:prstGeom>
-        </p:spPr>
-        <p:txBody>
-          <a:bodyPr wrap="square">
-            <a:spAutoFit/>
-          </a:bodyPr>
-          <a:lstStyle/>
-          <a:p>
-            <a:pPr marL="342900" indent="-342900">
-              <a:buAutoNum type="arabicParenR"/>
-            </a:pPr>
-            <a:r>
-              <a:rPr lang="fr-FR" dirty="0" smtClean="0"/>
-              <a:t>Voici </a:t>
-            </a:r>
-            <a:r>
-              <a:rPr lang="fr-FR" dirty="0"/>
-              <a:t>quelques réponses de systèmes à une entrée en échelon et en rampe : </a:t>
-            </a:r>
-          </a:p>
-          <a:p>
-            <a:pPr marL="800100" lvl="1" indent="-342900">
-              <a:buAutoNum type="alphaLcParenR"/>
-            </a:pPr>
-            <a:r>
-              <a:rPr lang="fr-FR" b="1" dirty="0" smtClean="0"/>
-              <a:t>Le </a:t>
-            </a:r>
-            <a:r>
-              <a:rPr lang="fr-FR" b="1" dirty="0"/>
-              <a:t>système A possède un gain égal à 1 </a:t>
-            </a:r>
-            <a:endParaRPr lang="fr-FR" b="1" dirty="0" smtClean="0"/>
-          </a:p>
-          <a:p>
-            <a:pPr marL="800100" lvl="1" indent="-342900">
-              <a:buAutoNum type="alphaLcParenR"/>
-            </a:pPr>
-            <a:r>
-              <a:rPr lang="fr-FR" dirty="0" smtClean="0"/>
-              <a:t>Le </a:t>
-            </a:r>
-            <a:r>
-              <a:rPr lang="fr-FR" dirty="0"/>
-              <a:t>système B possède un gain supérieur à 1 </a:t>
-            </a:r>
-          </a:p>
-          <a:p>
-            <a:pPr marL="800100" lvl="1" indent="-342900">
-              <a:buAutoNum type="alphaLcParenR"/>
-            </a:pPr>
-            <a:r>
-              <a:rPr lang="fr-FR" dirty="0" smtClean="0"/>
-              <a:t>Le système </a:t>
-            </a:r>
-            <a:r>
-              <a:rPr lang="fr-FR" dirty="0"/>
-              <a:t>C possède un gain supérieur à 1 </a:t>
-            </a:r>
-          </a:p>
-          <a:p>
-            <a:pPr marL="800100" lvl="1" indent="-342900">
-              <a:buAutoNum type="alphaLcParenR"/>
-            </a:pPr>
-            <a:r>
-              <a:rPr lang="fr-FR" b="1" dirty="0" smtClean="0"/>
-              <a:t>Le </a:t>
-            </a:r>
-            <a:r>
-              <a:rPr lang="fr-FR" b="1" dirty="0"/>
-              <a:t>système D possède un gain égal à 1 </a:t>
-            </a:r>
-          </a:p>
-        </p:txBody>
-      </p:sp>
-      <p:sp>
-        <p:nvSpPr>
-          <p:cNvPr id="6" name="Ellipse 5"/>
-          <p:cNvSpPr/>
-          <p:nvPr/>
-        </p:nvSpPr>
-        <p:spPr>
-          <a:xfrm>
-            <a:off x="251520" y="1555530"/>
-            <a:ext cx="441340" cy="441340"/>
-          </a:xfrm>
-          <a:prstGeom prst="ellipse">
-            <a:avLst/>
-          </a:prstGeom>
-          <a:noFill/>
-          <a:ln w="28575">
-            <a:solidFill>
-              <a:srgbClr val="FF0000"/>
-            </a:solidFill>
-          </a:ln>
-        </p:spPr>
-        <p:style>
-          <a:lnRef idx="2">
-            <a:schemeClr val="accent1">
-              <a:shade val="50000"/>
-            </a:schemeClr>
-          </a:lnRef>
-          <a:fillRef idx="1">
-            <a:schemeClr val="accent1"/>
-          </a:fillRef>
-          <a:effectRef idx="0">
-            <a:schemeClr val="accent1"/>
-          </a:effectRef>
-          <a:fontRef idx="minor">
-            <a:schemeClr val="lt1"/>
-          </a:fontRef>
-        </p:style>
-        <p:txBody>
-          <a:bodyPr rtlCol="0" anchor="ctr"/>
-          <a:lstStyle/>
-          <a:p>
-            <a:pPr algn="ctr"/>
-            <a:r>
-              <a:rPr lang="fr-FR" b="1" dirty="0" smtClean="0">
-                <a:solidFill>
-                  <a:srgbClr val="FF0000"/>
-                </a:solidFill>
-              </a:rPr>
-              <a:t>A</a:t>
-            </a:r>
-            <a:endParaRPr lang="fr-FR" b="1" dirty="0">
-              <a:solidFill>
-                <a:srgbClr val="FF0000"/>
-              </a:solidFill>
-            </a:endParaRPr>
-          </a:p>
-        </p:txBody>
-      </p:sp>
-      <p:sp>
-        <p:nvSpPr>
-          <p:cNvPr id="13" name="Ellipse 12"/>
-          <p:cNvSpPr/>
-          <p:nvPr/>
-        </p:nvSpPr>
-        <p:spPr>
-          <a:xfrm>
-            <a:off x="3064582" y="2025158"/>
-            <a:ext cx="441340" cy="441340"/>
-          </a:xfrm>
-          <a:prstGeom prst="ellipse">
-            <a:avLst/>
-          </a:prstGeom>
-          <a:noFill/>
-          <a:ln w="28575">
-            <a:solidFill>
-              <a:srgbClr val="FF0000"/>
-            </a:solidFill>
-          </a:ln>
-        </p:spPr>
-        <p:style>
-          <a:lnRef idx="2">
-            <a:schemeClr val="accent1">
-              <a:shade val="50000"/>
-            </a:schemeClr>
-          </a:lnRef>
-          <a:fillRef idx="1">
-            <a:schemeClr val="accent1"/>
-          </a:fillRef>
-          <a:effectRef idx="0">
-            <a:schemeClr val="accent1"/>
-          </a:effectRef>
-          <a:fontRef idx="minor">
-            <a:schemeClr val="lt1"/>
-          </a:fontRef>
-        </p:style>
-        <p:txBody>
-          <a:bodyPr rtlCol="0" anchor="ctr"/>
-          <a:lstStyle/>
-          <a:p>
-            <a:pPr algn="ctr"/>
-            <a:r>
-              <a:rPr lang="fr-FR" b="1" dirty="0">
-                <a:solidFill>
-                  <a:srgbClr val="FF0000"/>
-                </a:solidFill>
-              </a:rPr>
-              <a:t>B</a:t>
-            </a:r>
-          </a:p>
-        </p:txBody>
-      </p:sp>
-      <p:sp>
-        <p:nvSpPr>
-          <p:cNvPr id="16" name="Ellipse 15"/>
-          <p:cNvSpPr/>
-          <p:nvPr/>
-        </p:nvSpPr>
-        <p:spPr>
-          <a:xfrm>
-            <a:off x="4523994" y="1555530"/>
-            <a:ext cx="441340" cy="441340"/>
-          </a:xfrm>
-          <a:prstGeom prst="ellipse">
-            <a:avLst/>
-          </a:prstGeom>
-          <a:noFill/>
-          <a:ln w="28575">
-            <a:solidFill>
-              <a:srgbClr val="FF0000"/>
-            </a:solidFill>
-          </a:ln>
-        </p:spPr>
-        <p:style>
-          <a:lnRef idx="2">
-            <a:schemeClr val="accent1">
-              <a:shade val="50000"/>
-            </a:schemeClr>
-          </a:lnRef>
-          <a:fillRef idx="1">
-            <a:schemeClr val="accent1"/>
-          </a:fillRef>
-          <a:effectRef idx="0">
-            <a:schemeClr val="accent1"/>
-          </a:effectRef>
-          <a:fontRef idx="minor">
-            <a:schemeClr val="lt1"/>
-          </a:fontRef>
-        </p:style>
-        <p:txBody>
-          <a:bodyPr rtlCol="0" anchor="ctr"/>
-          <a:lstStyle/>
-          <a:p>
-            <a:pPr algn="ctr"/>
-            <a:r>
-              <a:rPr lang="fr-FR" b="1" dirty="0">
-                <a:solidFill>
-                  <a:srgbClr val="FF0000"/>
-                </a:solidFill>
-              </a:rPr>
-              <a:t>C</a:t>
-            </a:r>
-          </a:p>
-        </p:txBody>
-      </p:sp>
-      <p:sp>
-        <p:nvSpPr>
-          <p:cNvPr id="19" name="Ellipse 18"/>
-          <p:cNvSpPr/>
-          <p:nvPr/>
-        </p:nvSpPr>
-        <p:spPr>
-          <a:xfrm>
-            <a:off x="8018892" y="2331739"/>
-            <a:ext cx="441340" cy="441340"/>
-          </a:xfrm>
-          <a:prstGeom prst="ellipse">
-            <a:avLst/>
-          </a:prstGeom>
-          <a:noFill/>
-          <a:ln w="28575">
-            <a:solidFill>
-              <a:srgbClr val="FF0000"/>
-            </a:solidFill>
-          </a:ln>
-        </p:spPr>
-        <p:style>
-          <a:lnRef idx="2">
-            <a:schemeClr val="accent1">
-              <a:shade val="50000"/>
-            </a:schemeClr>
-          </a:lnRef>
-          <a:fillRef idx="1">
-            <a:schemeClr val="accent1"/>
-          </a:fillRef>
-          <a:effectRef idx="0">
-            <a:schemeClr val="accent1"/>
-          </a:effectRef>
-          <a:fontRef idx="minor">
-            <a:schemeClr val="lt1"/>
-          </a:fontRef>
-        </p:style>
-        <p:txBody>
-          <a:bodyPr rtlCol="0" anchor="ctr"/>
-          <a:lstStyle/>
-          <a:p>
-            <a:pPr algn="ctr"/>
-            <a:r>
-              <a:rPr lang="fr-FR" b="1" dirty="0" smtClean="0">
-                <a:solidFill>
-                  <a:srgbClr val="FF0000"/>
-                </a:solidFill>
-              </a:rPr>
-              <a:t>D</a:t>
-            </a:r>
-            <a:endParaRPr lang="fr-FR" b="1" dirty="0">
-              <a:solidFill>
-                <a:srgbClr val="FF0000"/>
-              </a:solidFill>
-            </a:endParaRPr>
-          </a:p>
-        </p:txBody>
-      </p:sp>
-    </p:spTree>
-    <p:extLst>
-      <p:ext uri="{BB962C8B-B14F-4D97-AF65-F5344CB8AC3E}">
-        <p14:creationId xmlns:p14="http://schemas.microsoft.com/office/powerpoint/2010/main" val="4281575923"/>
       </p:ext>
     </p:extLst>
   </p:cSld>
